--- a/项目报告/项目报告.pptx
+++ b/项目报告/项目报告.pptx
@@ -126,6 +126,11 @@
       </a:defRPr>
     </a:lvl9pPr>
   </p:defaultTextStyle>
+  <p:extLst>
+    <p:ext uri="{EFAFB233-063F-42B5-8137-9DF3F51BA10A}">
+      <p15:sldGuideLst xmlns:p15="http://schemas.microsoft.com/office/powerpoint/2012/main"/>
+    </p:ext>
+  </p:extLst>
 </p:presentation>
 </file>
 
@@ -5879,13 +5884,8 @@
             <a:p>
               <a:r>
                 <a:rPr lang="en-US" altLang="zh-CN" dirty="0" smtClean="0"/>
-                <a:t>v</a:t>
+                <a:t>view1.scss</a:t>
               </a:r>
-              <a:r>
-                <a:rPr lang="en-US" altLang="zh-CN" dirty="0" smtClean="0"/>
-                <a:t>iew1.scss</a:t>
-              </a:r>
-              <a:endParaRPr lang="en-US" altLang="zh-CN" dirty="0" smtClean="0"/>
             </a:p>
           </p:txBody>
         </p:sp>
@@ -6877,9 +6877,13 @@
             <a:pPr lvl="1"/>
             <a:r>
               <a:rPr kumimoji="1" lang="zh-CN" altLang="en-US" dirty="0" smtClean="0"/>
-              <a:t>算法设计，测试用例创建</a:t>
-            </a:r>
-            <a:endParaRPr kumimoji="1" lang="zh-CN" altLang="en-US" dirty="0"/>
+              <a:t>算法设计，测试用例</a:t>
+            </a:r>
+            <a:r>
+              <a:rPr kumimoji="1" lang="zh-CN" altLang="en-US" dirty="0" smtClean="0"/>
+              <a:t>创建</a:t>
+            </a:r>
+            <a:endParaRPr kumimoji="1" lang="en-US" altLang="zh-CN" dirty="0" smtClean="0"/>
           </a:p>
         </p:txBody>
       </p:sp>
@@ -7719,12 +7723,8 @@
               <a:t>scss</a:t>
             </a:r>
             <a:r>
-              <a:rPr lang="zh-CN" altLang="en-US" smtClean="0"/>
-              <a:t>中的样式实际</a:t>
-            </a:r>
-            <a:r>
               <a:rPr lang="zh-CN" altLang="en-US" dirty="0" smtClean="0"/>
-              <a:t>影响的页面文件，在</a:t>
+              <a:t>中的样式实际影响的页面文件，在</a:t>
             </a:r>
             <a:r>
               <a:rPr lang="en-US" altLang="zh-CN" dirty="0" smtClean="0"/>
@@ -7732,7 +7732,47 @@
             </a:r>
             <a:r>
               <a:rPr lang="zh-CN" altLang="en-US" dirty="0" smtClean="0"/>
-              <a:t>中显示，并能借此跳转到对应文件中</a:t>
+              <a:t>中显示，并能借此跳转到对应文件</a:t>
+            </a:r>
+            <a:r>
+              <a:rPr lang="zh-CN" altLang="en-US" dirty="0" smtClean="0"/>
+              <a:t>中</a:t>
+            </a:r>
+            <a:endParaRPr lang="en-US" altLang="zh-CN" dirty="0" smtClean="0"/>
+          </a:p>
+          <a:p>
+            <a:pPr lvl="1"/>
+            <a:r>
+              <a:rPr lang="zh-CN" altLang="en-US" dirty="0" smtClean="0"/>
+              <a:t>项目地址：</a:t>
+            </a:r>
+            <a:r>
+              <a:rPr lang="en-US" altLang="zh-CN" dirty="0"/>
+              <a:t>https://</a:t>
+            </a:r>
+            <a:r>
+              <a:rPr lang="en-US" altLang="zh-CN" dirty="0" err="1"/>
+              <a:t>github.com</a:t>
+            </a:r>
+            <a:r>
+              <a:rPr lang="en-US" altLang="zh-CN" dirty="0"/>
+              <a:t>/</a:t>
+            </a:r>
+            <a:r>
+              <a:rPr lang="en-US" altLang="zh-CN" dirty="0" err="1"/>
+              <a:t>swordghost</a:t>
+            </a:r>
+            <a:r>
+              <a:rPr lang="en-US" altLang="zh-CN" dirty="0"/>
+              <a:t>/</a:t>
+            </a:r>
+            <a:r>
+              <a:rPr lang="en-US" altLang="zh-CN" dirty="0" err="1"/>
+              <a:t>Css</a:t>
+            </a:r>
+            <a:r>
+              <a:rPr lang="en-US" altLang="zh-CN"/>
+              <a:t>-tracker</a:t>
             </a:r>
             <a:endParaRPr lang="en-US" altLang="zh-CN" dirty="0"/>
           </a:p>

--- a/项目报告/项目报告.pptx
+++ b/项目报告/项目报告.pptx
@@ -2,10 +2,10 @@
 <file path=ppt/presentation.xml><?xml version="1.0" encoding="utf-8"?>
 <p:presentation xmlns:a="http://schemas.openxmlformats.org/drawingml/2006/main" xmlns:r="http://schemas.openxmlformats.org/officeDocument/2006/relationships" xmlns:p="http://schemas.openxmlformats.org/presentationml/2006/main" saveSubsetFonts="1" autoCompressPictures="0">
   <p:sldMasterIdLst>
-    <p:sldMasterId id="2147483876" r:id="rId1"/>
+    <p:sldMasterId id="2147483888" r:id="rId1"/>
   </p:sldMasterIdLst>
   <p:notesMasterIdLst>
-    <p:notesMasterId r:id="rId22"/>
+    <p:notesMasterId r:id="rId23"/>
   </p:notesMasterIdLst>
   <p:sldIdLst>
     <p:sldId id="256" r:id="rId2"/>
@@ -28,14 +28,15 @@
     <p:sldId id="263" r:id="rId19"/>
     <p:sldId id="264" r:id="rId20"/>
     <p:sldId id="269" r:id="rId21"/>
+    <p:sldId id="276" r:id="rId22"/>
   </p:sldIdLst>
   <p:sldSz cx="9144000" cy="6858000" type="screen4x3"/>
   <p:notesSz cx="6858000" cy="9144000"/>
   <p:defaultTextStyle>
     <a:defPPr>
-      <a:defRPr lang="zh-CN"/>
+      <a:defRPr lang="en-US"/>
     </a:defPPr>
-    <a:lvl1pPr marL="0" algn="l" defTabSz="914400" rtl="0" eaLnBrk="1" latinLnBrk="0" hangingPunct="1">
+    <a:lvl1pPr marL="0" algn="l" defTabSz="457200" rtl="0" eaLnBrk="1" latinLnBrk="0" hangingPunct="1">
       <a:defRPr sz="1800" kern="1200">
         <a:solidFill>
           <a:schemeClr val="tx1"/>
@@ -45,7 +46,7 @@
         <a:cs typeface="+mn-cs"/>
       </a:defRPr>
     </a:lvl1pPr>
-    <a:lvl2pPr marL="457200" algn="l" defTabSz="914400" rtl="0" eaLnBrk="1" latinLnBrk="0" hangingPunct="1">
+    <a:lvl2pPr marL="457200" algn="l" defTabSz="457200" rtl="0" eaLnBrk="1" latinLnBrk="0" hangingPunct="1">
       <a:defRPr sz="1800" kern="1200">
         <a:solidFill>
           <a:schemeClr val="tx1"/>
@@ -55,7 +56,7 @@
         <a:cs typeface="+mn-cs"/>
       </a:defRPr>
     </a:lvl2pPr>
-    <a:lvl3pPr marL="914400" algn="l" defTabSz="914400" rtl="0" eaLnBrk="1" latinLnBrk="0" hangingPunct="1">
+    <a:lvl3pPr marL="914400" algn="l" defTabSz="457200" rtl="0" eaLnBrk="1" latinLnBrk="0" hangingPunct="1">
       <a:defRPr sz="1800" kern="1200">
         <a:solidFill>
           <a:schemeClr val="tx1"/>
@@ -65,7 +66,7 @@
         <a:cs typeface="+mn-cs"/>
       </a:defRPr>
     </a:lvl3pPr>
-    <a:lvl4pPr marL="1371600" algn="l" defTabSz="914400" rtl="0" eaLnBrk="1" latinLnBrk="0" hangingPunct="1">
+    <a:lvl4pPr marL="1371600" algn="l" defTabSz="457200" rtl="0" eaLnBrk="1" latinLnBrk="0" hangingPunct="1">
       <a:defRPr sz="1800" kern="1200">
         <a:solidFill>
           <a:schemeClr val="tx1"/>
@@ -75,7 +76,7 @@
         <a:cs typeface="+mn-cs"/>
       </a:defRPr>
     </a:lvl4pPr>
-    <a:lvl5pPr marL="1828800" algn="l" defTabSz="914400" rtl="0" eaLnBrk="1" latinLnBrk="0" hangingPunct="1">
+    <a:lvl5pPr marL="1828800" algn="l" defTabSz="457200" rtl="0" eaLnBrk="1" latinLnBrk="0" hangingPunct="1">
       <a:defRPr sz="1800" kern="1200">
         <a:solidFill>
           <a:schemeClr val="tx1"/>
@@ -85,7 +86,7 @@
         <a:cs typeface="+mn-cs"/>
       </a:defRPr>
     </a:lvl5pPr>
-    <a:lvl6pPr marL="2286000" algn="l" defTabSz="914400" rtl="0" eaLnBrk="1" latinLnBrk="0" hangingPunct="1">
+    <a:lvl6pPr marL="2286000" algn="l" defTabSz="457200" rtl="0" eaLnBrk="1" latinLnBrk="0" hangingPunct="1">
       <a:defRPr sz="1800" kern="1200">
         <a:solidFill>
           <a:schemeClr val="tx1"/>
@@ -95,7 +96,7 @@
         <a:cs typeface="+mn-cs"/>
       </a:defRPr>
     </a:lvl6pPr>
-    <a:lvl7pPr marL="2743200" algn="l" defTabSz="914400" rtl="0" eaLnBrk="1" latinLnBrk="0" hangingPunct="1">
+    <a:lvl7pPr marL="2743200" algn="l" defTabSz="457200" rtl="0" eaLnBrk="1" latinLnBrk="0" hangingPunct="1">
       <a:defRPr sz="1800" kern="1200">
         <a:solidFill>
           <a:schemeClr val="tx1"/>
@@ -105,7 +106,7 @@
         <a:cs typeface="+mn-cs"/>
       </a:defRPr>
     </a:lvl7pPr>
-    <a:lvl8pPr marL="3200400" algn="l" defTabSz="914400" rtl="0" eaLnBrk="1" latinLnBrk="0" hangingPunct="1">
+    <a:lvl8pPr marL="3200400" algn="l" defTabSz="457200" rtl="0" eaLnBrk="1" latinLnBrk="0" hangingPunct="1">
       <a:defRPr sz="1800" kern="1200">
         <a:solidFill>
           <a:schemeClr val="tx1"/>
@@ -115,7 +116,7 @@
         <a:cs typeface="+mn-cs"/>
       </a:defRPr>
     </a:lvl8pPr>
-    <a:lvl9pPr marL="3657600" algn="l" defTabSz="914400" rtl="0" eaLnBrk="1" latinLnBrk="0" hangingPunct="1">
+    <a:lvl9pPr marL="3657600" algn="l" defTabSz="457200" rtl="0" eaLnBrk="1" latinLnBrk="0" hangingPunct="1">
       <a:defRPr sz="1800" kern="1200">
         <a:solidFill>
           <a:schemeClr val="tx1"/>
@@ -509,34 +510,15 @@
         </p:nvSpPr>
         <p:spPr>
           <a:xfrm>
-            <a:off x="685800" y="1346947"/>
-            <a:ext cx="7772400" cy="80683"/>
+            <a:off x="2382" y="6400800"/>
+            <a:ext cx="9141619" cy="457200"/>
           </a:xfrm>
           <a:prstGeom prst="rect">
             <a:avLst/>
           </a:prstGeom>
-          <a:blipFill dpi="0" rotWithShape="1">
-            <a:blip r:embed="rId2">
-              <a:alphaModFix amt="80000"/>
-              <a:lum bright="70000" contrast="-70000"/>
-              <a:extLst>
-                <a:ext uri="{BEBA8EAE-BF5A-486C-A8C5-ECC9F3942E4B}">
-                  <a14:imgProps xmlns:a14="http://schemas.microsoft.com/office/drawing/2010/main">
-                    <a14:imgLayer r:embed="rId3">
-                      <a14:imgEffect>
-                        <a14:sharpenSoften amount="61000"/>
-                      </a14:imgEffect>
-                    </a14:imgLayer>
-                  </a14:imgProps>
-                </a:ext>
-                <a:ext uri="{28A0092B-C50C-407E-A947-70E740481C1C}">
-                  <a14:useLocalDpi xmlns:a14="http://schemas.microsoft.com/office/drawing/2010/main" val="0"/>
-                </a:ext>
-              </a:extLst>
-            </a:blip>
-            <a:srcRect/>
-            <a:tile tx="0" ty="-762000" sx="92000" sy="89000" flip="xy" algn="ctr"/>
-          </a:blipFill>
+          <a:solidFill>
+            <a:schemeClr val="accent2"/>
+          </a:solidFill>
           <a:ln>
             <a:noFill/>
           </a:ln>
@@ -557,14 +539,6 @@
             <a:schemeClr val="lt1"/>
           </a:fontRef>
         </p:style>
-        <p:txBody>
-          <a:bodyPr rtlCol="0" anchor="ctr"/>
-          <a:lstStyle/>
-          <a:p>
-            <a:pPr algn="ctr"/>
-            <a:endParaRPr lang="en-US"/>
-          </a:p>
-        </p:txBody>
       </p:sp>
       <p:sp>
         <p:nvSpPr>
@@ -574,34 +548,15 @@
         </p:nvSpPr>
         <p:spPr>
           <a:xfrm>
-            <a:off x="685800" y="4282763"/>
-            <a:ext cx="7772400" cy="80683"/>
+            <a:off x="12" y="6334316"/>
+            <a:ext cx="9141619" cy="64008"/>
           </a:xfrm>
           <a:prstGeom prst="rect">
             <a:avLst/>
           </a:prstGeom>
-          <a:blipFill dpi="0" rotWithShape="1">
-            <a:blip r:embed="rId2">
-              <a:alphaModFix amt="80000"/>
-              <a:lum bright="70000" contrast="-70000"/>
-              <a:extLst>
-                <a:ext uri="{BEBA8EAE-BF5A-486C-A8C5-ECC9F3942E4B}">
-                  <a14:imgProps xmlns:a14="http://schemas.microsoft.com/office/drawing/2010/main">
-                    <a14:imgLayer r:embed="rId3">
-                      <a14:imgEffect>
-                        <a14:sharpenSoften amount="61000"/>
-                      </a14:imgEffect>
-                    </a14:imgLayer>
-                  </a14:imgProps>
-                </a:ext>
-                <a:ext uri="{28A0092B-C50C-407E-A947-70E740481C1C}">
-                  <a14:useLocalDpi xmlns:a14="http://schemas.microsoft.com/office/drawing/2010/main" val="0"/>
-                </a:ext>
-              </a:extLst>
-            </a:blip>
-            <a:srcRect/>
-            <a:tile tx="0" ty="-717550" sx="92000" sy="89000" flip="xy" algn="ctr"/>
-          </a:blipFill>
+          <a:solidFill>
+            <a:schemeClr val="accent1"/>
+          </a:solidFill>
           <a:ln>
             <a:noFill/>
           </a:ln>
@@ -622,51 +577,509 @@
             <a:schemeClr val="lt1"/>
           </a:fontRef>
         </p:style>
+      </p:sp>
+      <p:sp>
+        <p:nvSpPr>
+          <p:cNvPr id="2" name="Title 1"/>
+          <p:cNvSpPr>
+            <a:spLocks noGrp="1"/>
+          </p:cNvSpPr>
+          <p:nvPr>
+            <p:ph type="ctrTitle"/>
+          </p:nvPr>
+        </p:nvSpPr>
+        <p:spPr>
+          <a:xfrm>
+            <a:off x="822960" y="758952"/>
+            <a:ext cx="7543800" cy="3566160"/>
+          </a:xfrm>
+        </p:spPr>
         <p:txBody>
-          <a:bodyPr rtlCol="0" anchor="ctr"/>
+          <a:bodyPr anchor="b">
+            <a:normAutofit/>
+          </a:bodyPr>
+          <a:lstStyle>
+            <a:lvl1pPr algn="l">
+              <a:lnSpc>
+                <a:spcPct val="85000"/>
+              </a:lnSpc>
+              <a:defRPr sz="4500" spc="-38" baseline="0">
+                <a:solidFill>
+                  <a:schemeClr val="tx1">
+                    <a:lumMod val="85000"/>
+                    <a:lumOff val="15000"/>
+                  </a:schemeClr>
+                </a:solidFill>
+                <a:latin typeface="微软雅黑" panose="020B0503020204020204" pitchFamily="34" charset="-122"/>
+                <a:ea typeface="微软雅黑" panose="020B0503020204020204" pitchFamily="34" charset="-122"/>
+              </a:defRPr>
+            </a:lvl1pPr>
+          </a:lstStyle>
+          <a:p>
+            <a:r>
+              <a:rPr lang="zh-CN" altLang="en-US" smtClean="0"/>
+              <a:t>单击此处编辑母版标题样式</a:t>
+            </a:r>
+            <a:endParaRPr lang="en-US" dirty="0"/>
+          </a:p>
+        </p:txBody>
+      </p:sp>
+      <p:sp>
+        <p:nvSpPr>
+          <p:cNvPr id="3" name="Subtitle 2"/>
+          <p:cNvSpPr>
+            <a:spLocks noGrp="1"/>
+          </p:cNvSpPr>
+          <p:nvPr>
+            <p:ph type="subTitle" idx="1"/>
+          </p:nvPr>
+        </p:nvSpPr>
+        <p:spPr>
+          <a:xfrm>
+            <a:off x="825038" y="4455620"/>
+            <a:ext cx="7543800" cy="1143000"/>
+          </a:xfrm>
+        </p:spPr>
+        <p:txBody>
+          <a:bodyPr lIns="91440" rIns="91440">
+            <a:normAutofit/>
+          </a:bodyPr>
+          <a:lstStyle>
+            <a:lvl1pPr marL="0" indent="0" algn="l">
+              <a:buNone/>
+              <a:defRPr sz="1800" cap="all" spc="150" baseline="0">
+                <a:solidFill>
+                  <a:schemeClr val="tx2"/>
+                </a:solidFill>
+                <a:latin typeface="+mj-lt"/>
+              </a:defRPr>
+            </a:lvl1pPr>
+            <a:lvl2pPr marL="342900" indent="0" algn="ctr">
+              <a:buNone/>
+              <a:defRPr sz="1800"/>
+            </a:lvl2pPr>
+            <a:lvl3pPr marL="685800" indent="0" algn="ctr">
+              <a:buNone/>
+              <a:defRPr sz="1800"/>
+            </a:lvl3pPr>
+            <a:lvl4pPr marL="1028700" indent="0" algn="ctr">
+              <a:buNone/>
+              <a:defRPr sz="1500"/>
+            </a:lvl4pPr>
+            <a:lvl5pPr marL="1371600" indent="0" algn="ctr">
+              <a:buNone/>
+              <a:defRPr sz="1500"/>
+            </a:lvl5pPr>
+            <a:lvl6pPr marL="1714500" indent="0" algn="ctr">
+              <a:buNone/>
+              <a:defRPr sz="1500"/>
+            </a:lvl6pPr>
+            <a:lvl7pPr marL="2057400" indent="0" algn="ctr">
+              <a:buNone/>
+              <a:defRPr sz="1500"/>
+            </a:lvl7pPr>
+            <a:lvl8pPr marL="2400300" indent="0" algn="ctr">
+              <a:buNone/>
+              <a:defRPr sz="1500"/>
+            </a:lvl8pPr>
+            <a:lvl9pPr marL="2743200" indent="0" algn="ctr">
+              <a:buNone/>
+              <a:defRPr sz="1500"/>
+            </a:lvl9pPr>
+          </a:lstStyle>
+          <a:p>
+            <a:r>
+              <a:rPr lang="zh-CN" altLang="en-US" smtClean="0"/>
+              <a:t>单击以编辑母版副标题样式</a:t>
+            </a:r>
+            <a:endParaRPr lang="en-US" dirty="0"/>
+          </a:p>
+        </p:txBody>
+      </p:sp>
+      <p:sp>
+        <p:nvSpPr>
+          <p:cNvPr id="4" name="Date Placeholder 3"/>
+          <p:cNvSpPr>
+            <a:spLocks noGrp="1"/>
+          </p:cNvSpPr>
+          <p:nvPr>
+            <p:ph type="dt" sz="half" idx="10"/>
+          </p:nvPr>
+        </p:nvSpPr>
+        <p:spPr/>
+        <p:txBody>
+          <a:bodyPr/>
           <a:lstStyle/>
           <a:p>
-            <a:pPr algn="ctr"/>
-            <a:endParaRPr lang="en-US"/>
+            <a:fld id="{66647F1F-0969-CE43-B0B4-C490EFFF920D}" type="datetimeFigureOut">
+              <a:rPr kumimoji="1" lang="zh-CN" altLang="en-US" smtClean="0"/>
+              <a:t>2016/12/19</a:t>
+            </a:fld>
+            <a:endParaRPr kumimoji="1" lang="zh-CN" altLang="en-US"/>
           </a:p>
         </p:txBody>
       </p:sp>
       <p:sp>
         <p:nvSpPr>
-          <p:cNvPr id="9" name="Rectangle 8"/>
+          <p:cNvPr id="5" name="Footer Placeholder 4"/>
+          <p:cNvSpPr>
+            <a:spLocks noGrp="1"/>
+          </p:cNvSpPr>
+          <p:nvPr>
+            <p:ph type="ftr" sz="quarter" idx="11"/>
+          </p:nvPr>
+        </p:nvSpPr>
+        <p:spPr/>
+        <p:txBody>
+          <a:bodyPr/>
+          <a:lstStyle/>
+          <a:p>
+            <a:endParaRPr kumimoji="1" lang="zh-CN" altLang="en-US"/>
+          </a:p>
+        </p:txBody>
+      </p:sp>
+      <p:sp>
+        <p:nvSpPr>
+          <p:cNvPr id="6" name="Slide Number Placeholder 5"/>
+          <p:cNvSpPr>
+            <a:spLocks noGrp="1"/>
+          </p:cNvSpPr>
+          <p:nvPr>
+            <p:ph type="sldNum" sz="quarter" idx="12"/>
+          </p:nvPr>
+        </p:nvSpPr>
+        <p:spPr/>
+        <p:txBody>
+          <a:bodyPr/>
+          <a:lstStyle/>
+          <a:p>
+            <a:fld id="{A9C74E81-92D3-EB44-8141-4E02ABA33A09}" type="slidenum">
+              <a:rPr kumimoji="1" lang="zh-CN" altLang="en-US" smtClean="0"/>
+              <a:t>‹#›</a:t>
+            </a:fld>
+            <a:endParaRPr kumimoji="1" lang="zh-CN" altLang="en-US"/>
+          </a:p>
+        </p:txBody>
+      </p:sp>
+      <p:cxnSp>
+        <p:nvCxnSpPr>
+          <p:cNvPr id="9" name="Straight Connector 8"/>
+          <p:cNvCxnSpPr/>
+          <p:nvPr/>
+        </p:nvCxnSpPr>
+        <p:spPr>
+          <a:xfrm>
+            <a:off x="905744" y="4343400"/>
+            <a:ext cx="7406640" cy="0"/>
+          </a:xfrm>
+          <a:prstGeom prst="line">
+            <a:avLst/>
+          </a:prstGeom>
+          <a:ln w="6350">
+            <a:solidFill>
+              <a:schemeClr val="tx1">
+                <a:lumMod val="50000"/>
+                <a:lumOff val="50000"/>
+              </a:schemeClr>
+            </a:solidFill>
+          </a:ln>
+        </p:spPr>
+        <p:style>
+          <a:lnRef idx="1">
+            <a:schemeClr val="accent1"/>
+          </a:lnRef>
+          <a:fillRef idx="0">
+            <a:schemeClr val="accent1"/>
+          </a:fillRef>
+          <a:effectRef idx="0">
+            <a:schemeClr val="accent1"/>
+          </a:effectRef>
+          <a:fontRef idx="minor">
+            <a:schemeClr val="tx1"/>
+          </a:fontRef>
+        </p:style>
+      </p:cxnSp>
+    </p:spTree>
+    <p:extLst>
+      <p:ext uri="{BB962C8B-B14F-4D97-AF65-F5344CB8AC3E}">
+        <p14:creationId xmlns:p14="http://schemas.microsoft.com/office/powerpoint/2010/main" val="173242796"/>
+      </p:ext>
+    </p:extLst>
+  </p:cSld>
+  <p:clrMapOvr>
+    <a:masterClrMapping/>
+  </p:clrMapOvr>
+  <p:timing>
+    <p:tnLst>
+      <p:par>
+        <p:cTn id="1" dur="indefinite" restart="never" nodeType="tmRoot"/>
+      </p:par>
+    </p:tnLst>
+  </p:timing>
+</p:sldLayout>
+</file>
+
+<file path=ppt/slideLayouts/slideLayout2.xml><?xml version="1.0" encoding="utf-8"?>
+<p:sldLayout xmlns:a="http://schemas.openxmlformats.org/drawingml/2006/main" xmlns:r="http://schemas.openxmlformats.org/officeDocument/2006/relationships" xmlns:p="http://schemas.openxmlformats.org/presentationml/2006/main" type="obj" preserve="1">
+  <p:cSld name="标题和内容">
+    <p:spTree>
+      <p:nvGrpSpPr>
+        <p:cNvPr id="1" name=""/>
+        <p:cNvGrpSpPr/>
+        <p:nvPr/>
+      </p:nvGrpSpPr>
+      <p:grpSpPr>
+        <a:xfrm>
+          <a:off x="0" y="0"/>
+          <a:ext cx="0" cy="0"/>
+          <a:chOff x="0" y="0"/>
+          <a:chExt cx="0" cy="0"/>
+        </a:xfrm>
+      </p:grpSpPr>
+      <p:sp>
+        <p:nvSpPr>
+          <p:cNvPr id="2" name="Title 1"/>
+          <p:cNvSpPr>
+            <a:spLocks noGrp="1"/>
+          </p:cNvSpPr>
+          <p:nvPr>
+            <p:ph type="title"/>
+          </p:nvPr>
+        </p:nvSpPr>
+        <p:spPr/>
+        <p:txBody>
+          <a:bodyPr/>
+          <a:lstStyle>
+            <a:lvl1pPr marL="0">
+              <a:defRPr>
+                <a:latin typeface="微软雅黑" panose="020B0503020204020204" pitchFamily="34" charset="-122"/>
+                <a:ea typeface="微软雅黑" panose="020B0503020204020204" pitchFamily="34" charset="-122"/>
+              </a:defRPr>
+            </a:lvl1pPr>
+          </a:lstStyle>
+          <a:p>
+            <a:r>
+              <a:rPr lang="zh-CN" altLang="en-US" smtClean="0"/>
+              <a:t>单击此处编辑母版标题样式</a:t>
+            </a:r>
+            <a:endParaRPr lang="en-US" dirty="0"/>
+          </a:p>
+        </p:txBody>
+      </p:sp>
+      <p:sp>
+        <p:nvSpPr>
+          <p:cNvPr id="3" name="Content Placeholder 2"/>
+          <p:cNvSpPr>
+            <a:spLocks noGrp="1"/>
+          </p:cNvSpPr>
+          <p:nvPr>
+            <p:ph idx="1"/>
+          </p:nvPr>
+        </p:nvSpPr>
+        <p:spPr/>
+        <p:txBody>
+          <a:bodyPr>
+            <a:normAutofit/>
+          </a:bodyPr>
+          <a:lstStyle>
+            <a:lvl1pPr marL="68580" indent="-68580">
+              <a:buFont typeface="Wingdings" panose="05000000000000000000" pitchFamily="2" charset="2"/>
+              <a:buChar char="l"/>
+              <a:defRPr sz="1800">
+                <a:latin typeface="微软雅黑" panose="020B0503020204020204" pitchFamily="34" charset="-122"/>
+                <a:ea typeface="微软雅黑" panose="020B0503020204020204" pitchFamily="34" charset="-122"/>
+              </a:defRPr>
+            </a:lvl1pPr>
+            <a:lvl2pPr marL="288036" indent="-137160">
+              <a:buFont typeface="Arial" panose="020B0604020202020204" pitchFamily="34" charset="0"/>
+              <a:buChar char="•"/>
+              <a:defRPr sz="1500">
+                <a:latin typeface="微软雅黑" panose="020B0503020204020204" pitchFamily="34" charset="-122"/>
+                <a:ea typeface="微软雅黑" panose="020B0503020204020204" pitchFamily="34" charset="-122"/>
+              </a:defRPr>
+            </a:lvl2pPr>
+            <a:lvl3pPr marL="425196" indent="-137160">
+              <a:buFont typeface="Arial" panose="020B0604020202020204" pitchFamily="34" charset="0"/>
+              <a:buChar char="•"/>
+              <a:defRPr sz="1200">
+                <a:latin typeface="微软雅黑" panose="020B0503020204020204" pitchFamily="34" charset="-122"/>
+                <a:ea typeface="微软雅黑" panose="020B0503020204020204" pitchFamily="34" charset="-122"/>
+              </a:defRPr>
+            </a:lvl3pPr>
+            <a:lvl4pPr marL="562356" indent="-137160">
+              <a:buFont typeface="Arial" panose="020B0604020202020204" pitchFamily="34" charset="0"/>
+              <a:buChar char="•"/>
+              <a:defRPr sz="1200">
+                <a:latin typeface="微软雅黑" panose="020B0503020204020204" pitchFamily="34" charset="-122"/>
+                <a:ea typeface="微软雅黑" panose="020B0503020204020204" pitchFamily="34" charset="-122"/>
+              </a:defRPr>
+            </a:lvl4pPr>
+            <a:lvl5pPr marL="699516" indent="-137160">
+              <a:buFont typeface="Arial" panose="020B0604020202020204" pitchFamily="34" charset="0"/>
+              <a:buChar char="•"/>
+              <a:defRPr sz="1200">
+                <a:latin typeface="微软雅黑" panose="020B0503020204020204" pitchFamily="34" charset="-122"/>
+                <a:ea typeface="微软雅黑" panose="020B0503020204020204" pitchFamily="34" charset="-122"/>
+              </a:defRPr>
+            </a:lvl5pPr>
+          </a:lstStyle>
+          <a:p>
+            <a:pPr lvl="0"/>
+            <a:r>
+              <a:rPr lang="zh-CN" altLang="en-US" smtClean="0"/>
+              <a:t>编辑母版文本样式</a:t>
+            </a:r>
+          </a:p>
+          <a:p>
+            <a:pPr lvl="1"/>
+            <a:r>
+              <a:rPr lang="zh-CN" altLang="en-US" smtClean="0"/>
+              <a:t>第二级</a:t>
+            </a:r>
+          </a:p>
+          <a:p>
+            <a:pPr lvl="2"/>
+            <a:r>
+              <a:rPr lang="zh-CN" altLang="en-US" smtClean="0"/>
+              <a:t>第三级</a:t>
+            </a:r>
+          </a:p>
+          <a:p>
+            <a:pPr lvl="3"/>
+            <a:r>
+              <a:rPr lang="zh-CN" altLang="en-US" smtClean="0"/>
+              <a:t>第四级</a:t>
+            </a:r>
+          </a:p>
+          <a:p>
+            <a:pPr lvl="4"/>
+            <a:r>
+              <a:rPr lang="zh-CN" altLang="en-US" smtClean="0"/>
+              <a:t>第五级</a:t>
+            </a:r>
+            <a:endParaRPr lang="en-US" dirty="0"/>
+          </a:p>
+        </p:txBody>
+      </p:sp>
+      <p:sp>
+        <p:nvSpPr>
+          <p:cNvPr id="4" name="Date Placeholder 3"/>
+          <p:cNvSpPr>
+            <a:spLocks noGrp="1"/>
+          </p:cNvSpPr>
+          <p:nvPr>
+            <p:ph type="dt" sz="half" idx="10"/>
+          </p:nvPr>
+        </p:nvSpPr>
+        <p:spPr/>
+        <p:txBody>
+          <a:bodyPr/>
+          <a:lstStyle/>
+          <a:p>
+            <a:fld id="{66647F1F-0969-CE43-B0B4-C490EFFF920D}" type="datetimeFigureOut">
+              <a:rPr kumimoji="1" lang="zh-CN" altLang="en-US" smtClean="0"/>
+              <a:t>2016/12/19</a:t>
+            </a:fld>
+            <a:endParaRPr kumimoji="1" lang="zh-CN" altLang="en-US"/>
+          </a:p>
+        </p:txBody>
+      </p:sp>
+      <p:sp>
+        <p:nvSpPr>
+          <p:cNvPr id="5" name="Footer Placeholder 4"/>
+          <p:cNvSpPr>
+            <a:spLocks noGrp="1"/>
+          </p:cNvSpPr>
+          <p:nvPr>
+            <p:ph type="ftr" sz="quarter" idx="11"/>
+          </p:nvPr>
+        </p:nvSpPr>
+        <p:spPr/>
+        <p:txBody>
+          <a:bodyPr/>
+          <a:lstStyle/>
+          <a:p>
+            <a:endParaRPr kumimoji="1" lang="zh-CN" altLang="en-US"/>
+          </a:p>
+        </p:txBody>
+      </p:sp>
+      <p:sp>
+        <p:nvSpPr>
+          <p:cNvPr id="6" name="Slide Number Placeholder 5"/>
+          <p:cNvSpPr>
+            <a:spLocks noGrp="1"/>
+          </p:cNvSpPr>
+          <p:nvPr>
+            <p:ph type="sldNum" sz="quarter" idx="12"/>
+          </p:nvPr>
+        </p:nvSpPr>
+        <p:spPr/>
+        <p:txBody>
+          <a:bodyPr/>
+          <a:lstStyle/>
+          <a:p>
+            <a:fld id="{A9C74E81-92D3-EB44-8141-4E02ABA33A09}" type="slidenum">
+              <a:rPr kumimoji="1" lang="zh-CN" altLang="en-US" smtClean="0"/>
+              <a:t>‹#›</a:t>
+            </a:fld>
+            <a:endParaRPr kumimoji="1" lang="zh-CN" altLang="en-US"/>
+          </a:p>
+        </p:txBody>
+      </p:sp>
+    </p:spTree>
+    <p:extLst>
+      <p:ext uri="{BB962C8B-B14F-4D97-AF65-F5344CB8AC3E}">
+        <p14:creationId xmlns:p14="http://schemas.microsoft.com/office/powerpoint/2010/main" val="1290289011"/>
+      </p:ext>
+    </p:extLst>
+  </p:cSld>
+  <p:clrMapOvr>
+    <a:masterClrMapping/>
+  </p:clrMapOvr>
+  <p:timing>
+    <p:tnLst>
+      <p:par>
+        <p:cTn id="1" dur="indefinite" restart="never" nodeType="tmRoot"/>
+      </p:par>
+    </p:tnLst>
+  </p:timing>
+</p:sldLayout>
+</file>
+
+<file path=ppt/slideLayouts/slideLayout3.xml><?xml version="1.0" encoding="utf-8"?>
+<p:sldLayout xmlns:a="http://schemas.openxmlformats.org/drawingml/2006/main" xmlns:r="http://schemas.openxmlformats.org/officeDocument/2006/relationships" xmlns:p="http://schemas.openxmlformats.org/presentationml/2006/main" showMasterSp="0" type="objTx" preserve="1">
+  <p:cSld name="内容与标题">
+    <p:spTree>
+      <p:nvGrpSpPr>
+        <p:cNvPr id="1" name=""/>
+        <p:cNvGrpSpPr/>
+        <p:nvPr/>
+      </p:nvGrpSpPr>
+      <p:grpSpPr>
+        <a:xfrm>
+          <a:off x="0" y="0"/>
+          <a:ext cx="0" cy="0"/>
+          <a:chOff x="0" y="0"/>
+          <a:chExt cx="0" cy="0"/>
+        </a:xfrm>
+      </p:grpSpPr>
+      <p:sp>
+        <p:nvSpPr>
+          <p:cNvPr id="8" name="Rectangle 7"/>
           <p:cNvSpPr/>
           <p:nvPr/>
         </p:nvSpPr>
         <p:spPr>
           <a:xfrm>
-            <a:off x="685800" y="1484779"/>
-            <a:ext cx="7772400" cy="2743200"/>
+            <a:off x="13" y="0"/>
+            <a:ext cx="3038093" cy="6858000"/>
           </a:xfrm>
           <a:prstGeom prst="rect">
             <a:avLst/>
           </a:prstGeom>
-          <a:blipFill dpi="0" rotWithShape="1">
-            <a:blip r:embed="rId2">
-              <a:alphaModFix amt="80000"/>
-              <a:lum bright="70000" contrast="-70000"/>
-              <a:extLst>
-                <a:ext uri="{BEBA8EAE-BF5A-486C-A8C5-ECC9F3942E4B}">
-                  <a14:imgProps xmlns:a14="http://schemas.microsoft.com/office/drawing/2010/main">
-                    <a14:imgLayer r:embed="rId3">
-                      <a14:imgEffect>
-                        <a14:sharpenSoften amount="61000"/>
-                      </a14:imgEffect>
-                    </a14:imgLayer>
-                  </a14:imgProps>
-                </a:ext>
-                <a:ext uri="{28A0092B-C50C-407E-A947-70E740481C1C}">
-                  <a14:useLocalDpi xmlns:a14="http://schemas.microsoft.com/office/drawing/2010/main" val="0"/>
-                </a:ext>
-              </a:extLst>
-            </a:blip>
-            <a:srcRect/>
-            <a:tile tx="0" ty="-704850" sx="92000" sy="89000" flip="xy" algn="ctr"/>
-          </a:blipFill>
+          <a:solidFill>
+            <a:schemeClr val="accent2"/>
+          </a:solidFill>
           <a:ln>
             <a:noFill/>
           </a:ln>
@@ -687,942 +1100,24 @@
             <a:schemeClr val="lt1"/>
           </a:fontRef>
         </p:style>
-        <p:txBody>
-          <a:bodyPr rtlCol="0" anchor="ctr"/>
-          <a:lstStyle/>
-          <a:p>
-            <a:pPr algn="ctr"/>
-            <a:endParaRPr lang="en-US"/>
-          </a:p>
-        </p:txBody>
-      </p:sp>
-      <p:grpSp>
-        <p:nvGrpSpPr>
-          <p:cNvPr id="10" name="Group 9"/>
-          <p:cNvGrpSpPr>
-            <a:grpSpLocks noChangeAspect="1"/>
-          </p:cNvGrpSpPr>
+      </p:sp>
+      <p:sp>
+        <p:nvSpPr>
+          <p:cNvPr id="9" name="Rectangle 8"/>
+          <p:cNvSpPr/>
           <p:nvPr/>
-        </p:nvGrpSpPr>
-        <p:grpSpPr>
-          <a:xfrm>
-            <a:off x="7234780" y="4107023"/>
-            <a:ext cx="914400" cy="914400"/>
-            <a:chOff x="9685338" y="4460675"/>
-            <a:chExt cx="1080904" cy="1080902"/>
-          </a:xfrm>
-        </p:grpSpPr>
-        <p:sp>
-          <p:nvSpPr>
-            <p:cNvPr id="11" name="Oval 10"/>
-            <p:cNvSpPr/>
-            <p:nvPr/>
-          </p:nvSpPr>
-          <p:spPr>
-            <a:xfrm>
-              <a:off x="9685338" y="4460675"/>
-              <a:ext cx="1080904" cy="1080902"/>
-            </a:xfrm>
-            <a:prstGeom prst="ellipse">
-              <a:avLst/>
-            </a:prstGeom>
-            <a:blipFill dpi="0" rotWithShape="1">
-              <a:blip r:embed="rId4">
-                <a:duotone>
-                  <a:schemeClr val="accent1">
-                    <a:shade val="45000"/>
-                    <a:satMod val="135000"/>
-                  </a:schemeClr>
-                  <a:prstClr val="white"/>
-                </a:duotone>
-                <a:extLst>
-                  <a:ext uri="{BEBA8EAE-BF5A-486C-A8C5-ECC9F3942E4B}">
-                    <a14:imgProps xmlns:a14="http://schemas.microsoft.com/office/drawing/2010/main">
-                      <a14:imgLayer r:embed="rId5">
-                        <a14:imgEffect>
-                          <a14:saturation sat="95000"/>
-                        </a14:imgEffect>
-                      </a14:imgLayer>
-                    </a14:imgProps>
-                  </a:ext>
-                </a:extLst>
-              </a:blip>
-              <a:srcRect/>
-              <a:tile tx="0" ty="0" sx="85000" sy="85000" flip="none" algn="tl"/>
-            </a:blipFill>
-            <a:ln w="25400" cap="flat" cmpd="sng" algn="ctr">
-              <a:noFill/>
-              <a:prstDash val="solid"/>
-            </a:ln>
-            <a:effectLst/>
-          </p:spPr>
-          <p:txBody>
-            <a:bodyPr lIns="0" tIns="0" rIns="0" bIns="0" rtlCol="0" anchor="ctr"/>
-            <a:lstStyle/>
-            <a:p>
-              <a:pPr marL="0" marR="0" lvl="0" indent="0" algn="ctr" defTabSz="914400" eaLnBrk="1" fontAlgn="auto" latinLnBrk="0" hangingPunct="1">
-                <a:lnSpc>
-                  <a:spcPct val="100000"/>
-                </a:lnSpc>
-                <a:spcBef>
-                  <a:spcPts val="0"/>
-                </a:spcBef>
-                <a:spcAft>
-                  <a:spcPts val="0"/>
-                </a:spcAft>
-                <a:buClrTx/>
-                <a:buSzTx/>
-                <a:buFontTx/>
-                <a:buNone/>
-                <a:tabLst/>
-                <a:defRPr/>
-              </a:pPr>
-              <a:endParaRPr kumimoji="0" lang="en-US" sz="2000" b="0" i="0" u="none" strike="noStrike" kern="0" cap="none" spc="0" normalizeH="0" baseline="0" noProof="0" dirty="0">
-                <a:ln>
-                  <a:noFill/>
-                </a:ln>
-                <a:solidFill>
-                  <a:prstClr val="white"/>
-                </a:solidFill>
-                <a:effectLst/>
-                <a:uLnTx/>
-                <a:uFillTx/>
-                <a:latin typeface="Rockwell Extra Bold" pitchFamily="18" charset="0"/>
-                <a:ea typeface="+mn-ea"/>
-                <a:cs typeface="+mn-cs"/>
-              </a:endParaRPr>
-            </a:p>
-          </p:txBody>
-        </p:sp>
-        <p:sp>
-          <p:nvSpPr>
-            <p:cNvPr id="12" name="Oval 11"/>
-            <p:cNvSpPr/>
-            <p:nvPr/>
-          </p:nvSpPr>
-          <p:spPr>
-            <a:xfrm>
-              <a:off x="9793429" y="4568765"/>
-              <a:ext cx="864723" cy="864722"/>
-            </a:xfrm>
-            <a:prstGeom prst="ellipse">
-              <a:avLst/>
-            </a:prstGeom>
-            <a:noFill/>
-            <a:ln w="25400" cap="flat" cmpd="sng" algn="ctr">
-              <a:solidFill>
-                <a:sysClr val="window" lastClr="FFFFFF"/>
-              </a:solidFill>
-              <a:prstDash val="solid"/>
-            </a:ln>
-            <a:effectLst/>
-          </p:spPr>
-          <p:txBody>
-            <a:bodyPr rtlCol="0" anchor="ctr"/>
-            <a:lstStyle/>
-            <a:p>
-              <a:pPr marL="0" marR="0" lvl="0" indent="0" algn="ctr" defTabSz="914400" eaLnBrk="1" fontAlgn="auto" latinLnBrk="0" hangingPunct="1">
-                <a:lnSpc>
-                  <a:spcPct val="100000"/>
-                </a:lnSpc>
-                <a:spcBef>
-                  <a:spcPts val="0"/>
-                </a:spcBef>
-                <a:spcAft>
-                  <a:spcPts val="0"/>
-                </a:spcAft>
-                <a:buClrTx/>
-                <a:buSzTx/>
-                <a:buFontTx/>
-                <a:buNone/>
-                <a:tabLst/>
-                <a:defRPr/>
-              </a:pPr>
-              <a:endParaRPr kumimoji="0" lang="en-US" sz="1800" b="0" i="0" u="none" strike="noStrike" kern="0" cap="none" spc="0" normalizeH="0" baseline="0" noProof="0" dirty="0">
-                <a:ln>
-                  <a:noFill/>
-                </a:ln>
-                <a:solidFill>
-                  <a:prstClr val="white"/>
-                </a:solidFill>
-                <a:effectLst/>
-                <a:uLnTx/>
-                <a:uFillTx/>
-                <a:latin typeface="Calibri"/>
-                <a:ea typeface="+mn-ea"/>
-                <a:cs typeface="+mn-cs"/>
-              </a:endParaRPr>
-            </a:p>
-          </p:txBody>
-        </p:sp>
-      </p:grpSp>
-      <p:sp>
-        <p:nvSpPr>
-          <p:cNvPr id="2" name="Title 1"/>
-          <p:cNvSpPr>
-            <a:spLocks noGrp="1"/>
-          </p:cNvSpPr>
-          <p:nvPr>
-            <p:ph type="ctrTitle"/>
-          </p:nvPr>
         </p:nvSpPr>
         <p:spPr>
           <a:xfrm>
-            <a:off x="788670" y="1432223"/>
-            <a:ext cx="7593330" cy="3035808"/>
-          </a:xfrm>
-        </p:spPr>
-        <p:txBody>
-          <a:bodyPr anchor="ctr">
-            <a:noAutofit/>
-          </a:bodyPr>
-          <a:lstStyle>
-            <a:lvl1pPr algn="l">
-              <a:lnSpc>
-                <a:spcPct val="80000"/>
-              </a:lnSpc>
-              <a:defRPr sz="6400" b="0" cap="all" baseline="0">
-                <a:blipFill dpi="0" rotWithShape="1">
-                  <a:blip r:embed="rId4"/>
-                  <a:srcRect/>
-                  <a:tile tx="6350" ty="-127000" sx="65000" sy="64000" flip="none" algn="tl"/>
-                </a:blipFill>
-              </a:defRPr>
-            </a:lvl1pPr>
-          </a:lstStyle>
-          <a:p>
-            <a:r>
-              <a:rPr lang="zh-CN" altLang="en-US" smtClean="0"/>
-              <a:t>单击此处编辑母版标题样式</a:t>
-            </a:r>
-            <a:endParaRPr lang="en-US" dirty="0"/>
-          </a:p>
-        </p:txBody>
-      </p:sp>
-      <p:sp>
-        <p:nvSpPr>
-          <p:cNvPr id="3" name="Subtitle 2"/>
-          <p:cNvSpPr>
-            <a:spLocks noGrp="1"/>
-          </p:cNvSpPr>
-          <p:nvPr>
-            <p:ph type="subTitle" idx="1"/>
-          </p:nvPr>
-        </p:nvSpPr>
-        <p:spPr>
-          <a:xfrm>
-            <a:off x="802386" y="4389120"/>
-            <a:ext cx="5918454" cy="1069848"/>
-          </a:xfrm>
-        </p:spPr>
-        <p:txBody>
-          <a:bodyPr>
-            <a:normAutofit/>
-          </a:bodyPr>
-          <a:lstStyle>
-            <a:lvl1pPr marL="0" indent="0" algn="l">
-              <a:buNone/>
-              <a:defRPr sz="1800" b="0">
-                <a:solidFill>
-                  <a:schemeClr val="tx1"/>
-                </a:solidFill>
-              </a:defRPr>
-            </a:lvl1pPr>
-            <a:lvl2pPr marL="457200" indent="0" algn="ctr">
-              <a:buNone/>
-              <a:defRPr sz="2800"/>
-            </a:lvl2pPr>
-            <a:lvl3pPr marL="914400" indent="0" algn="ctr">
-              <a:buNone/>
-              <a:defRPr sz="2400"/>
-            </a:lvl3pPr>
-            <a:lvl4pPr marL="1371600" indent="0" algn="ctr">
-              <a:buNone/>
-              <a:defRPr sz="2000"/>
-            </a:lvl4pPr>
-            <a:lvl5pPr marL="1828800" indent="0" algn="ctr">
-              <a:buNone/>
-              <a:defRPr sz="2000"/>
-            </a:lvl5pPr>
-            <a:lvl6pPr marL="2286000" indent="0" algn="ctr">
-              <a:buNone/>
-              <a:defRPr sz="2000"/>
-            </a:lvl6pPr>
-            <a:lvl7pPr marL="2743200" indent="0" algn="ctr">
-              <a:buNone/>
-              <a:defRPr sz="2000"/>
-            </a:lvl7pPr>
-            <a:lvl8pPr marL="3200400" indent="0" algn="ctr">
-              <a:buNone/>
-              <a:defRPr sz="2000"/>
-            </a:lvl8pPr>
-            <a:lvl9pPr marL="3657600" indent="0" algn="ctr">
-              <a:buNone/>
-              <a:defRPr sz="2000"/>
-            </a:lvl9pPr>
-          </a:lstStyle>
-          <a:p>
-            <a:r>
-              <a:rPr lang="zh-CN" altLang="en-US" smtClean="0"/>
-              <a:t>单击此处编辑母版副标题样式</a:t>
-            </a:r>
-            <a:endParaRPr lang="en-US" dirty="0"/>
-          </a:p>
-        </p:txBody>
-      </p:sp>
-      <p:sp>
-        <p:nvSpPr>
-          <p:cNvPr id="4" name="Date Placeholder 3"/>
-          <p:cNvSpPr>
-            <a:spLocks noGrp="1"/>
-          </p:cNvSpPr>
-          <p:nvPr>
-            <p:ph type="dt" sz="half" idx="10"/>
-          </p:nvPr>
-        </p:nvSpPr>
-        <p:spPr/>
-        <p:txBody>
-          <a:bodyPr/>
-          <a:lstStyle/>
-          <a:p>
-            <a:fld id="{66647F1F-0969-CE43-B0B4-C490EFFF920D}" type="datetimeFigureOut">
-              <a:rPr kumimoji="1" lang="zh-CN" altLang="en-US" smtClean="0"/>
-              <a:t>2016/12/19</a:t>
-            </a:fld>
-            <a:endParaRPr kumimoji="1" lang="zh-CN" altLang="en-US"/>
-          </a:p>
-        </p:txBody>
-      </p:sp>
-      <p:sp>
-        <p:nvSpPr>
-          <p:cNvPr id="5" name="Footer Placeholder 4"/>
-          <p:cNvSpPr>
-            <a:spLocks noGrp="1"/>
-          </p:cNvSpPr>
-          <p:nvPr>
-            <p:ph type="ftr" sz="quarter" idx="11"/>
-          </p:nvPr>
-        </p:nvSpPr>
-        <p:spPr>
-          <a:xfrm>
-            <a:off x="812805" y="6272785"/>
-            <a:ext cx="4745736" cy="365125"/>
-          </a:xfrm>
-        </p:spPr>
-        <p:txBody>
-          <a:bodyPr/>
-          <a:lstStyle/>
-          <a:p>
-            <a:endParaRPr kumimoji="1" lang="zh-CN" altLang="en-US"/>
-          </a:p>
-        </p:txBody>
-      </p:sp>
-      <p:sp>
-        <p:nvSpPr>
-          <p:cNvPr id="6" name="Slide Number Placeholder 5"/>
-          <p:cNvSpPr>
-            <a:spLocks noGrp="1"/>
-          </p:cNvSpPr>
-          <p:nvPr>
-            <p:ph type="sldNum" sz="quarter" idx="12"/>
-          </p:nvPr>
-        </p:nvSpPr>
-        <p:spPr>
-          <a:xfrm>
-            <a:off x="7244280" y="4227195"/>
-            <a:ext cx="895401" cy="640080"/>
-          </a:xfrm>
-        </p:spPr>
-        <p:txBody>
-          <a:bodyPr/>
-          <a:lstStyle>
-            <a:lvl1pPr>
-              <a:defRPr sz="2800" b="1"/>
-            </a:lvl1pPr>
-          </a:lstStyle>
-          <a:p>
-            <a:fld id="{A9C74E81-92D3-EB44-8141-4E02ABA33A09}" type="slidenum">
-              <a:rPr kumimoji="1" lang="zh-CN" altLang="en-US" smtClean="0"/>
-              <a:t>‹#›</a:t>
-            </a:fld>
-            <a:endParaRPr kumimoji="1" lang="zh-CN" altLang="en-US"/>
-          </a:p>
-        </p:txBody>
-      </p:sp>
-    </p:spTree>
-    <p:extLst/>
-  </p:cSld>
-  <p:clrMapOvr>
-    <a:masterClrMapping/>
-  </p:clrMapOvr>
-</p:sldLayout>
-</file>
-
-<file path=ppt/slideLayouts/slideLayout10.xml><?xml version="1.0" encoding="utf-8"?>
-<p:sldLayout xmlns:a="http://schemas.openxmlformats.org/drawingml/2006/main" xmlns:r="http://schemas.openxmlformats.org/officeDocument/2006/relationships" xmlns:p="http://schemas.openxmlformats.org/presentationml/2006/main" type="vertTx" preserve="1">
-  <p:cSld name="标题和竖排文本">
-    <p:spTree>
-      <p:nvGrpSpPr>
-        <p:cNvPr id="1" name=""/>
-        <p:cNvGrpSpPr/>
-        <p:nvPr/>
-      </p:nvGrpSpPr>
-      <p:grpSpPr>
-        <a:xfrm>
-          <a:off x="0" y="0"/>
-          <a:ext cx="0" cy="0"/>
-          <a:chOff x="0" y="0"/>
-          <a:chExt cx="0" cy="0"/>
-        </a:xfrm>
-      </p:grpSpPr>
-      <p:sp>
-        <p:nvSpPr>
-          <p:cNvPr id="2" name="Title 1"/>
-          <p:cNvSpPr>
-            <a:spLocks noGrp="1"/>
-          </p:cNvSpPr>
-          <p:nvPr>
-            <p:ph type="title"/>
-          </p:nvPr>
-        </p:nvSpPr>
-        <p:spPr/>
-        <p:txBody>
-          <a:bodyPr/>
-          <a:lstStyle/>
-          <a:p>
-            <a:r>
-              <a:rPr lang="zh-CN" altLang="en-US" smtClean="0"/>
-              <a:t>单击此处编辑母版标题样式</a:t>
-            </a:r>
-            <a:endParaRPr lang="en-US"/>
-          </a:p>
-        </p:txBody>
-      </p:sp>
-      <p:sp>
-        <p:nvSpPr>
-          <p:cNvPr id="3" name="Vertical Text Placeholder 2"/>
-          <p:cNvSpPr>
-            <a:spLocks noGrp="1"/>
-          </p:cNvSpPr>
-          <p:nvPr>
-            <p:ph type="body" orient="vert" idx="1"/>
-          </p:nvPr>
-        </p:nvSpPr>
-        <p:spPr/>
-        <p:txBody>
-          <a:bodyPr vert="eaVert"/>
-          <a:lstStyle/>
-          <a:p>
-            <a:pPr lvl="0"/>
-            <a:r>
-              <a:rPr lang="zh-CN" altLang="en-US" smtClean="0"/>
-              <a:t>单击此处编辑母版文本样式</a:t>
-            </a:r>
-          </a:p>
-          <a:p>
-            <a:pPr lvl="1"/>
-            <a:r>
-              <a:rPr lang="zh-CN" altLang="en-US" smtClean="0"/>
-              <a:t>二级</a:t>
-            </a:r>
-          </a:p>
-          <a:p>
-            <a:pPr lvl="2"/>
-            <a:r>
-              <a:rPr lang="zh-CN" altLang="en-US" smtClean="0"/>
-              <a:t>三级</a:t>
-            </a:r>
-          </a:p>
-          <a:p>
-            <a:pPr lvl="3"/>
-            <a:r>
-              <a:rPr lang="zh-CN" altLang="en-US" smtClean="0"/>
-              <a:t>四级</a:t>
-            </a:r>
-          </a:p>
-          <a:p>
-            <a:pPr lvl="4"/>
-            <a:r>
-              <a:rPr lang="zh-CN" altLang="en-US" smtClean="0"/>
-              <a:t>五级</a:t>
-            </a:r>
-            <a:endParaRPr lang="en-US"/>
-          </a:p>
-        </p:txBody>
-      </p:sp>
-      <p:sp>
-        <p:nvSpPr>
-          <p:cNvPr id="7" name="Date Placeholder 6"/>
-          <p:cNvSpPr>
-            <a:spLocks noGrp="1"/>
-          </p:cNvSpPr>
-          <p:nvPr>
-            <p:ph type="dt" sz="half" idx="10"/>
-          </p:nvPr>
-        </p:nvSpPr>
-        <p:spPr/>
-        <p:txBody>
-          <a:bodyPr/>
-          <a:lstStyle/>
-          <a:p>
-            <a:fld id="{66647F1F-0969-CE43-B0B4-C490EFFF920D}" type="datetimeFigureOut">
-              <a:rPr kumimoji="1" lang="zh-CN" altLang="en-US" smtClean="0"/>
-              <a:t>2016/12/19</a:t>
-            </a:fld>
-            <a:endParaRPr kumimoji="1" lang="zh-CN" altLang="en-US"/>
-          </a:p>
-        </p:txBody>
-      </p:sp>
-      <p:sp>
-        <p:nvSpPr>
-          <p:cNvPr id="8" name="Footer Placeholder 7"/>
-          <p:cNvSpPr>
-            <a:spLocks noGrp="1"/>
-          </p:cNvSpPr>
-          <p:nvPr>
-            <p:ph type="ftr" sz="quarter" idx="11"/>
-          </p:nvPr>
-        </p:nvSpPr>
-        <p:spPr/>
-        <p:txBody>
-          <a:bodyPr/>
-          <a:lstStyle/>
-          <a:p>
-            <a:endParaRPr kumimoji="1" lang="zh-CN" altLang="en-US"/>
-          </a:p>
-        </p:txBody>
-      </p:sp>
-      <p:sp>
-        <p:nvSpPr>
-          <p:cNvPr id="9" name="Slide Number Placeholder 8"/>
-          <p:cNvSpPr>
-            <a:spLocks noGrp="1"/>
-          </p:cNvSpPr>
-          <p:nvPr>
-            <p:ph type="sldNum" sz="quarter" idx="12"/>
-          </p:nvPr>
-        </p:nvSpPr>
-        <p:spPr/>
-        <p:txBody>
-          <a:bodyPr/>
-          <a:lstStyle/>
-          <a:p>
-            <a:fld id="{A9C74E81-92D3-EB44-8141-4E02ABA33A09}" type="slidenum">
-              <a:rPr kumimoji="1" lang="zh-CN" altLang="en-US" smtClean="0"/>
-              <a:t>‹#›</a:t>
-            </a:fld>
-            <a:endParaRPr kumimoji="1" lang="zh-CN" altLang="en-US"/>
-          </a:p>
-        </p:txBody>
-      </p:sp>
-    </p:spTree>
-    <p:extLst/>
-  </p:cSld>
-  <p:clrMapOvr>
-    <a:masterClrMapping/>
-  </p:clrMapOvr>
-</p:sldLayout>
-</file>
-
-<file path=ppt/slideLayouts/slideLayout11.xml><?xml version="1.0" encoding="utf-8"?>
-<p:sldLayout xmlns:a="http://schemas.openxmlformats.org/drawingml/2006/main" xmlns:r="http://schemas.openxmlformats.org/officeDocument/2006/relationships" xmlns:p="http://schemas.openxmlformats.org/presentationml/2006/main" type="vertTitleAndTx" preserve="1">
-  <p:cSld name="竖排标题和文本">
-    <p:spTree>
-      <p:nvGrpSpPr>
-        <p:cNvPr id="1" name=""/>
-        <p:cNvGrpSpPr/>
-        <p:nvPr/>
-      </p:nvGrpSpPr>
-      <p:grpSpPr>
-        <a:xfrm>
-          <a:off x="0" y="0"/>
-          <a:ext cx="0" cy="0"/>
-          <a:chOff x="0" y="0"/>
-          <a:chExt cx="0" cy="0"/>
-        </a:xfrm>
-      </p:grpSpPr>
-      <p:sp>
-        <p:nvSpPr>
-          <p:cNvPr id="2" name="Vertical Title 1"/>
-          <p:cNvSpPr>
-            <a:spLocks noGrp="1"/>
-          </p:cNvSpPr>
-          <p:nvPr>
-            <p:ph type="title" orient="vert"/>
-          </p:nvPr>
-        </p:nvSpPr>
-        <p:spPr>
-          <a:xfrm>
-            <a:off x="6543675" y="533400"/>
-            <a:ext cx="1914525" cy="5638800"/>
-          </a:xfrm>
-        </p:spPr>
-        <p:txBody>
-          <a:bodyPr vert="eaVert"/>
-          <a:lstStyle>
-            <a:lvl1pPr>
-              <a:defRPr b="0"/>
-            </a:lvl1pPr>
-          </a:lstStyle>
-          <a:p>
-            <a:r>
-              <a:rPr lang="zh-CN" altLang="en-US" smtClean="0"/>
-              <a:t>单击此处编辑母版标题样式</a:t>
-            </a:r>
-            <a:endParaRPr lang="en-US" dirty="0"/>
-          </a:p>
-        </p:txBody>
-      </p:sp>
-      <p:sp>
-        <p:nvSpPr>
-          <p:cNvPr id="3" name="Vertical Text Placeholder 2"/>
-          <p:cNvSpPr>
-            <a:spLocks noGrp="1"/>
-          </p:cNvSpPr>
-          <p:nvPr>
-            <p:ph type="body" orient="vert" idx="1"/>
-          </p:nvPr>
-        </p:nvSpPr>
-        <p:spPr>
-          <a:xfrm>
-            <a:off x="800100" y="533400"/>
-            <a:ext cx="5629275" cy="5638800"/>
-          </a:xfrm>
-        </p:spPr>
-        <p:txBody>
-          <a:bodyPr vert="eaVert"/>
-          <a:lstStyle/>
-          <a:p>
-            <a:pPr lvl="0"/>
-            <a:r>
-              <a:rPr lang="zh-CN" altLang="en-US" smtClean="0"/>
-              <a:t>单击此处编辑母版文本样式</a:t>
-            </a:r>
-          </a:p>
-          <a:p>
-            <a:pPr lvl="1"/>
-            <a:r>
-              <a:rPr lang="zh-CN" altLang="en-US" smtClean="0"/>
-              <a:t>二级</a:t>
-            </a:r>
-          </a:p>
-          <a:p>
-            <a:pPr lvl="2"/>
-            <a:r>
-              <a:rPr lang="zh-CN" altLang="en-US" smtClean="0"/>
-              <a:t>三级</a:t>
-            </a:r>
-          </a:p>
-          <a:p>
-            <a:pPr lvl="3"/>
-            <a:r>
-              <a:rPr lang="zh-CN" altLang="en-US" smtClean="0"/>
-              <a:t>四级</a:t>
-            </a:r>
-          </a:p>
-          <a:p>
-            <a:pPr lvl="4"/>
-            <a:r>
-              <a:rPr lang="zh-CN" altLang="en-US" smtClean="0"/>
-              <a:t>五级</a:t>
-            </a:r>
-            <a:endParaRPr lang="en-US" dirty="0"/>
-          </a:p>
-        </p:txBody>
-      </p:sp>
-      <p:sp>
-        <p:nvSpPr>
-          <p:cNvPr id="7" name="Date Placeholder 6"/>
-          <p:cNvSpPr>
-            <a:spLocks noGrp="1"/>
-          </p:cNvSpPr>
-          <p:nvPr>
-            <p:ph type="dt" sz="half" idx="10"/>
-          </p:nvPr>
-        </p:nvSpPr>
-        <p:spPr/>
-        <p:txBody>
-          <a:bodyPr/>
-          <a:lstStyle/>
-          <a:p>
-            <a:fld id="{66647F1F-0969-CE43-B0B4-C490EFFF920D}" type="datetimeFigureOut">
-              <a:rPr kumimoji="1" lang="zh-CN" altLang="en-US" smtClean="0"/>
-              <a:t>2016/12/19</a:t>
-            </a:fld>
-            <a:endParaRPr kumimoji="1" lang="zh-CN" altLang="en-US"/>
-          </a:p>
-        </p:txBody>
-      </p:sp>
-      <p:sp>
-        <p:nvSpPr>
-          <p:cNvPr id="8" name="Footer Placeholder 7"/>
-          <p:cNvSpPr>
-            <a:spLocks noGrp="1"/>
-          </p:cNvSpPr>
-          <p:nvPr>
-            <p:ph type="ftr" sz="quarter" idx="11"/>
-          </p:nvPr>
-        </p:nvSpPr>
-        <p:spPr/>
-        <p:txBody>
-          <a:bodyPr/>
-          <a:lstStyle/>
-          <a:p>
-            <a:endParaRPr kumimoji="1" lang="zh-CN" altLang="en-US"/>
-          </a:p>
-        </p:txBody>
-      </p:sp>
-      <p:sp>
-        <p:nvSpPr>
-          <p:cNvPr id="9" name="Slide Number Placeholder 8"/>
-          <p:cNvSpPr>
-            <a:spLocks noGrp="1"/>
-          </p:cNvSpPr>
-          <p:nvPr>
-            <p:ph type="sldNum" sz="quarter" idx="12"/>
-          </p:nvPr>
-        </p:nvSpPr>
-        <p:spPr/>
-        <p:txBody>
-          <a:bodyPr/>
-          <a:lstStyle/>
-          <a:p>
-            <a:fld id="{A9C74E81-92D3-EB44-8141-4E02ABA33A09}" type="slidenum">
-              <a:rPr kumimoji="1" lang="zh-CN" altLang="en-US" smtClean="0"/>
-              <a:t>‹#›</a:t>
-            </a:fld>
-            <a:endParaRPr kumimoji="1" lang="zh-CN" altLang="en-US"/>
-          </a:p>
-        </p:txBody>
-      </p:sp>
-    </p:spTree>
-    <p:extLst/>
-  </p:cSld>
-  <p:clrMapOvr>
-    <a:masterClrMapping/>
-  </p:clrMapOvr>
-</p:sldLayout>
-</file>
-
-<file path=ppt/slideLayouts/slideLayout2.xml><?xml version="1.0" encoding="utf-8"?>
-<p:sldLayout xmlns:a="http://schemas.openxmlformats.org/drawingml/2006/main" xmlns:r="http://schemas.openxmlformats.org/officeDocument/2006/relationships" xmlns:p="http://schemas.openxmlformats.org/presentationml/2006/main" type="obj" preserve="1">
-  <p:cSld name="标题和内容">
-    <p:spTree>
-      <p:nvGrpSpPr>
-        <p:cNvPr id="1" name=""/>
-        <p:cNvGrpSpPr/>
-        <p:nvPr/>
-      </p:nvGrpSpPr>
-      <p:grpSpPr>
-        <a:xfrm>
-          <a:off x="0" y="0"/>
-          <a:ext cx="0" cy="0"/>
-          <a:chOff x="0" y="0"/>
-          <a:chExt cx="0" cy="0"/>
-        </a:xfrm>
-      </p:grpSpPr>
-      <p:sp>
-        <p:nvSpPr>
-          <p:cNvPr id="2" name="Title 1"/>
-          <p:cNvSpPr>
-            <a:spLocks noGrp="1"/>
-          </p:cNvSpPr>
-          <p:nvPr>
-            <p:ph type="title"/>
-          </p:nvPr>
-        </p:nvSpPr>
-        <p:spPr/>
-        <p:txBody>
-          <a:bodyPr/>
-          <a:lstStyle/>
-          <a:p>
-            <a:r>
-              <a:rPr lang="zh-CN" altLang="en-US" smtClean="0"/>
-              <a:t>单击此处编辑母版标题样式</a:t>
-            </a:r>
-            <a:endParaRPr lang="en-US" dirty="0"/>
-          </a:p>
-        </p:txBody>
-      </p:sp>
-      <p:sp>
-        <p:nvSpPr>
-          <p:cNvPr id="3" name="Content Placeholder 2"/>
-          <p:cNvSpPr>
-            <a:spLocks noGrp="1"/>
-          </p:cNvSpPr>
-          <p:nvPr>
-            <p:ph idx="1"/>
-          </p:nvPr>
-        </p:nvSpPr>
-        <p:spPr/>
-        <p:txBody>
-          <a:bodyPr/>
-          <a:lstStyle/>
-          <a:p>
-            <a:pPr lvl="0"/>
-            <a:r>
-              <a:rPr lang="zh-CN" altLang="en-US" smtClean="0"/>
-              <a:t>单击此处编辑母版文本样式</a:t>
-            </a:r>
-          </a:p>
-          <a:p>
-            <a:pPr lvl="1"/>
-            <a:r>
-              <a:rPr lang="zh-CN" altLang="en-US" smtClean="0"/>
-              <a:t>二级</a:t>
-            </a:r>
-          </a:p>
-          <a:p>
-            <a:pPr lvl="2"/>
-            <a:r>
-              <a:rPr lang="zh-CN" altLang="en-US" smtClean="0"/>
-              <a:t>三级</a:t>
-            </a:r>
-          </a:p>
-          <a:p>
-            <a:pPr lvl="3"/>
-            <a:r>
-              <a:rPr lang="zh-CN" altLang="en-US" smtClean="0"/>
-              <a:t>四级</a:t>
-            </a:r>
-          </a:p>
-          <a:p>
-            <a:pPr lvl="4"/>
-            <a:r>
-              <a:rPr lang="zh-CN" altLang="en-US" smtClean="0"/>
-              <a:t>五级</a:t>
-            </a:r>
-            <a:endParaRPr lang="en-US" dirty="0"/>
-          </a:p>
-        </p:txBody>
-      </p:sp>
-      <p:sp>
-        <p:nvSpPr>
-          <p:cNvPr id="7" name="Date Placeholder 6"/>
-          <p:cNvSpPr>
-            <a:spLocks noGrp="1"/>
-          </p:cNvSpPr>
-          <p:nvPr>
-            <p:ph type="dt" sz="half" idx="10"/>
-          </p:nvPr>
-        </p:nvSpPr>
-        <p:spPr/>
-        <p:txBody>
-          <a:bodyPr/>
-          <a:lstStyle/>
-          <a:p>
-            <a:fld id="{66647F1F-0969-CE43-B0B4-C490EFFF920D}" type="datetimeFigureOut">
-              <a:rPr kumimoji="1" lang="zh-CN" altLang="en-US" smtClean="0"/>
-              <a:t>2016/12/19</a:t>
-            </a:fld>
-            <a:endParaRPr kumimoji="1" lang="zh-CN" altLang="en-US"/>
-          </a:p>
-        </p:txBody>
-      </p:sp>
-      <p:sp>
-        <p:nvSpPr>
-          <p:cNvPr id="8" name="Footer Placeholder 7"/>
-          <p:cNvSpPr>
-            <a:spLocks noGrp="1"/>
-          </p:cNvSpPr>
-          <p:nvPr>
-            <p:ph type="ftr" sz="quarter" idx="11"/>
-          </p:nvPr>
-        </p:nvSpPr>
-        <p:spPr/>
-        <p:txBody>
-          <a:bodyPr/>
-          <a:lstStyle/>
-          <a:p>
-            <a:endParaRPr kumimoji="1" lang="zh-CN" altLang="en-US"/>
-          </a:p>
-        </p:txBody>
-      </p:sp>
-      <p:sp>
-        <p:nvSpPr>
-          <p:cNvPr id="9" name="Slide Number Placeholder 8"/>
-          <p:cNvSpPr>
-            <a:spLocks noGrp="1"/>
-          </p:cNvSpPr>
-          <p:nvPr>
-            <p:ph type="sldNum" sz="quarter" idx="12"/>
-          </p:nvPr>
-        </p:nvSpPr>
-        <p:spPr/>
-        <p:txBody>
-          <a:bodyPr/>
-          <a:lstStyle/>
-          <a:p>
-            <a:fld id="{A9C74E81-92D3-EB44-8141-4E02ABA33A09}" type="slidenum">
-              <a:rPr kumimoji="1" lang="zh-CN" altLang="en-US" smtClean="0"/>
-              <a:t>‹#›</a:t>
-            </a:fld>
-            <a:endParaRPr kumimoji="1" lang="zh-CN" altLang="en-US"/>
-          </a:p>
-        </p:txBody>
-      </p:sp>
-    </p:spTree>
-    <p:extLst/>
-  </p:cSld>
-  <p:clrMapOvr>
-    <a:masterClrMapping/>
-  </p:clrMapOvr>
-</p:sldLayout>
-</file>
-
-<file path=ppt/slideLayouts/slideLayout3.xml><?xml version="1.0" encoding="utf-8"?>
-<p:sldLayout xmlns:a="http://schemas.openxmlformats.org/drawingml/2006/main" xmlns:r="http://schemas.openxmlformats.org/officeDocument/2006/relationships" xmlns:p="http://schemas.openxmlformats.org/presentationml/2006/main" showMasterSp="0" type="secHead" preserve="1">
-  <p:cSld name="节标题">
-    <p:spTree>
-      <p:nvGrpSpPr>
-        <p:cNvPr id="1" name=""/>
-        <p:cNvGrpSpPr/>
-        <p:nvPr/>
-      </p:nvGrpSpPr>
-      <p:grpSpPr>
-        <a:xfrm>
-          <a:off x="0" y="0"/>
-          <a:ext cx="0" cy="0"/>
-          <a:chOff x="0" y="0"/>
-          <a:chExt cx="0" cy="0"/>
-        </a:xfrm>
-      </p:grpSpPr>
-      <p:sp>
-        <p:nvSpPr>
-          <p:cNvPr id="7" name="Rectangle 6"/>
-          <p:cNvSpPr/>
-          <p:nvPr/>
-        </p:nvSpPr>
-        <p:spPr>
-          <a:xfrm>
-            <a:off x="0" y="4917989"/>
-            <a:ext cx="9144000" cy="1940010"/>
+            <a:off x="3030053" y="0"/>
+            <a:ext cx="48006" cy="6858000"/>
           </a:xfrm>
           <a:prstGeom prst="rect">
             <a:avLst/>
           </a:prstGeom>
-          <a:blipFill dpi="0" rotWithShape="1">
-            <a:blip r:embed="rId2">
-              <a:alphaModFix amt="80000"/>
-              <a:lum bright="70000" contrast="-70000"/>
-              <a:extLst>
-                <a:ext uri="{BEBA8EAE-BF5A-486C-A8C5-ECC9F3942E4B}">
-                  <a14:imgProps xmlns:a14="http://schemas.microsoft.com/office/drawing/2010/main">
-                    <a14:imgLayer r:embed="rId3">
-                      <a14:imgEffect>
-                        <a14:sharpenSoften amount="61000"/>
-                      </a14:imgEffect>
-                    </a14:imgLayer>
-                  </a14:imgProps>
-                </a:ext>
-                <a:ext uri="{28A0092B-C50C-407E-A947-70E740481C1C}">
-                  <a14:useLocalDpi xmlns:a14="http://schemas.microsoft.com/office/drawing/2010/main" val="0"/>
-                </a:ext>
-              </a:extLst>
-            </a:blip>
-            <a:srcRect/>
-            <a:tile tx="0" ty="-704850" sx="92000" sy="89000" flip="xy" algn="ctr"/>
-          </a:blipFill>
+          <a:solidFill>
+            <a:schemeClr val="accent1"/>
+          </a:solidFill>
           <a:ln>
             <a:noFill/>
           </a:ln>
@@ -1643,14 +1138,6 @@
             <a:schemeClr val="lt1"/>
           </a:fontRef>
         </p:style>
-        <p:txBody>
-          <a:bodyPr rtlCol="0" anchor="ctr"/>
-          <a:lstStyle/>
-          <a:p>
-            <a:pPr algn="ctr"/>
-            <a:endParaRPr lang="en-US"/>
-          </a:p>
-        </p:txBody>
       </p:sp>
       <p:sp>
         <p:nvSpPr>
@@ -1664,20 +1151,23 @@
         </p:nvSpPr>
         <p:spPr>
           <a:xfrm>
-            <a:off x="1625346" y="1225296"/>
-            <a:ext cx="6960870" cy="3520440"/>
+            <a:off x="342900" y="594359"/>
+            <a:ext cx="2400300" cy="2286000"/>
           </a:xfrm>
         </p:spPr>
         <p:txBody>
-          <a:bodyPr anchor="ctr">
+          <a:bodyPr anchor="b">
             <a:normAutofit/>
           </a:bodyPr>
           <a:lstStyle>
             <a:lvl1pPr>
-              <a:lnSpc>
-                <a:spcPct val="80000"/>
-              </a:lnSpc>
-              <a:defRPr sz="6400" b="0"/>
+              <a:defRPr sz="2700" b="0">
+                <a:solidFill>
+                  <a:srgbClr val="FFFFFF"/>
+                </a:solidFill>
+                <a:latin typeface="微软雅黑" panose="020B0503020204020204" pitchFamily="34" charset="-122"/>
+                <a:ea typeface="微软雅黑" panose="020B0503020204020204" pitchFamily="34" charset="-122"/>
+              </a:defRPr>
             </a:lvl1pPr>
           </a:lstStyle>
           <a:p>
@@ -1691,128 +1181,180 @@
       </p:sp>
       <p:sp>
         <p:nvSpPr>
-          <p:cNvPr id="3" name="Text Placeholder 2"/>
+          <p:cNvPr id="3" name="Content Placeholder 2"/>
           <p:cNvSpPr>
             <a:spLocks noGrp="1"/>
           </p:cNvSpPr>
           <p:nvPr>
-            <p:ph type="body" idx="1"/>
+            <p:ph idx="1"/>
           </p:nvPr>
         </p:nvSpPr>
         <p:spPr>
           <a:xfrm>
-            <a:off x="1624330" y="5020056"/>
-            <a:ext cx="6789420" cy="1066800"/>
+            <a:off x="3600450" y="731520"/>
+            <a:ext cx="4869180" cy="5257800"/>
           </a:xfrm>
         </p:spPr>
         <p:txBody>
-          <a:bodyPr anchor="t">
+          <a:bodyPr>
+            <a:normAutofit/>
+          </a:bodyPr>
+          <a:lstStyle>
+            <a:lvl1pPr marL="68580" indent="-68580">
+              <a:buFont typeface="Wingdings" panose="05000000000000000000" pitchFamily="2" charset="2"/>
+              <a:buChar char="l"/>
+              <a:defRPr sz="1800">
+                <a:latin typeface="微软雅黑" panose="020B0503020204020204" pitchFamily="34" charset="-122"/>
+                <a:ea typeface="微软雅黑" panose="020B0503020204020204" pitchFamily="34" charset="-122"/>
+              </a:defRPr>
+            </a:lvl1pPr>
+            <a:lvl2pPr marL="288036" indent="-137160">
+              <a:buFont typeface="Arial" panose="020B0604020202020204" pitchFamily="34" charset="0"/>
+              <a:buChar char="•"/>
+              <a:defRPr sz="1500">
+                <a:latin typeface="微软雅黑" panose="020B0503020204020204" pitchFamily="34" charset="-122"/>
+                <a:ea typeface="微软雅黑" panose="020B0503020204020204" pitchFamily="34" charset="-122"/>
+              </a:defRPr>
+            </a:lvl2pPr>
+            <a:lvl3pPr marL="425196" indent="-137160">
+              <a:buFont typeface="Arial" panose="020B0604020202020204" pitchFamily="34" charset="0"/>
+              <a:buChar char="•"/>
+              <a:defRPr sz="1200">
+                <a:latin typeface="微软雅黑" panose="020B0503020204020204" pitchFamily="34" charset="-122"/>
+                <a:ea typeface="微软雅黑" panose="020B0503020204020204" pitchFamily="34" charset="-122"/>
+              </a:defRPr>
+            </a:lvl3pPr>
+            <a:lvl4pPr marL="562356" indent="-137160">
+              <a:buFont typeface="Arial" panose="020B0604020202020204" pitchFamily="34" charset="0"/>
+              <a:buChar char="•"/>
+              <a:defRPr sz="1200">
+                <a:latin typeface="微软雅黑" panose="020B0503020204020204" pitchFamily="34" charset="-122"/>
+                <a:ea typeface="微软雅黑" panose="020B0503020204020204" pitchFamily="34" charset="-122"/>
+              </a:defRPr>
+            </a:lvl4pPr>
+            <a:lvl5pPr marL="699516" indent="-137160">
+              <a:buFont typeface="Arial" panose="020B0604020202020204" pitchFamily="34" charset="0"/>
+              <a:buChar char="•"/>
+              <a:defRPr sz="1200">
+                <a:latin typeface="微软雅黑" panose="020B0503020204020204" pitchFamily="34" charset="-122"/>
+                <a:ea typeface="微软雅黑" panose="020B0503020204020204" pitchFamily="34" charset="-122"/>
+              </a:defRPr>
+            </a:lvl5pPr>
+          </a:lstStyle>
+          <a:p>
+            <a:pPr lvl="0"/>
+            <a:r>
+              <a:rPr lang="zh-CN" altLang="en-US" smtClean="0"/>
+              <a:t>编辑母版文本样式</a:t>
+            </a:r>
+          </a:p>
+          <a:p>
+            <a:pPr lvl="1"/>
+            <a:r>
+              <a:rPr lang="zh-CN" altLang="en-US" smtClean="0"/>
+              <a:t>第二级</a:t>
+            </a:r>
+          </a:p>
+          <a:p>
+            <a:pPr lvl="2"/>
+            <a:r>
+              <a:rPr lang="zh-CN" altLang="en-US" smtClean="0"/>
+              <a:t>第三级</a:t>
+            </a:r>
+          </a:p>
+          <a:p>
+            <a:pPr lvl="3"/>
+            <a:r>
+              <a:rPr lang="zh-CN" altLang="en-US" smtClean="0"/>
+              <a:t>第四级</a:t>
+            </a:r>
+          </a:p>
+          <a:p>
+            <a:pPr lvl="4"/>
+            <a:r>
+              <a:rPr lang="zh-CN" altLang="en-US" smtClean="0"/>
+              <a:t>第五级</a:t>
+            </a:r>
+            <a:endParaRPr lang="en-US" dirty="0"/>
+          </a:p>
+        </p:txBody>
+      </p:sp>
+      <p:sp>
+        <p:nvSpPr>
+          <p:cNvPr id="4" name="Text Placeholder 3"/>
+          <p:cNvSpPr>
+            <a:spLocks noGrp="1"/>
+          </p:cNvSpPr>
+          <p:nvPr>
+            <p:ph type="body" sz="half" idx="2"/>
+          </p:nvPr>
+        </p:nvSpPr>
+        <p:spPr>
+          <a:xfrm>
+            <a:off x="342900" y="2926080"/>
+            <a:ext cx="2400300" cy="3379124"/>
+          </a:xfrm>
+        </p:spPr>
+        <p:txBody>
+          <a:bodyPr lIns="91440" rIns="91440">
             <a:normAutofit/>
           </a:bodyPr>
           <a:lstStyle>
             <a:lvl1pPr marL="0" indent="0">
               <a:buNone/>
-              <a:defRPr sz="1800" b="0">
+              <a:defRPr sz="1125">
                 <a:solidFill>
-                  <a:schemeClr val="accent1">
-                    <a:lumMod val="50000"/>
-                  </a:schemeClr>
+                  <a:srgbClr val="FFFFFF"/>
                 </a:solidFill>
+                <a:latin typeface="微软雅黑" panose="020B0503020204020204" pitchFamily="34" charset="-122"/>
+                <a:ea typeface="微软雅黑" panose="020B0503020204020204" pitchFamily="34" charset="-122"/>
               </a:defRPr>
             </a:lvl1pPr>
-            <a:lvl2pPr marL="457200" indent="0">
+            <a:lvl2pPr marL="342900" indent="0">
               <a:buNone/>
-              <a:defRPr sz="1800">
-                <a:solidFill>
-                  <a:schemeClr val="tx1">
-                    <a:tint val="75000"/>
-                  </a:schemeClr>
-                </a:solidFill>
-              </a:defRPr>
+              <a:defRPr sz="900"/>
             </a:lvl2pPr>
-            <a:lvl3pPr marL="914400" indent="0">
+            <a:lvl3pPr marL="685800" indent="0">
               <a:buNone/>
-              <a:defRPr sz="1600">
-                <a:solidFill>
-                  <a:schemeClr val="tx1">
-                    <a:tint val="75000"/>
-                  </a:schemeClr>
-                </a:solidFill>
-              </a:defRPr>
+              <a:defRPr sz="750"/>
             </a:lvl3pPr>
-            <a:lvl4pPr marL="1371600" indent="0">
+            <a:lvl4pPr marL="1028700" indent="0">
               <a:buNone/>
-              <a:defRPr sz="1400">
-                <a:solidFill>
-                  <a:schemeClr val="tx1">
-                    <a:tint val="75000"/>
-                  </a:schemeClr>
-                </a:solidFill>
-              </a:defRPr>
+              <a:defRPr sz="675"/>
             </a:lvl4pPr>
-            <a:lvl5pPr marL="1828800" indent="0">
+            <a:lvl5pPr marL="1371600" indent="0">
               <a:buNone/>
-              <a:defRPr sz="1400">
-                <a:solidFill>
-                  <a:schemeClr val="tx1">
-                    <a:tint val="75000"/>
-                  </a:schemeClr>
-                </a:solidFill>
-              </a:defRPr>
+              <a:defRPr sz="675"/>
             </a:lvl5pPr>
-            <a:lvl6pPr marL="2286000" indent="0">
+            <a:lvl6pPr marL="1714500" indent="0">
               <a:buNone/>
-              <a:defRPr sz="1400">
-                <a:solidFill>
-                  <a:schemeClr val="tx1">
-                    <a:tint val="75000"/>
-                  </a:schemeClr>
-                </a:solidFill>
-              </a:defRPr>
+              <a:defRPr sz="675"/>
             </a:lvl6pPr>
-            <a:lvl7pPr marL="2743200" indent="0">
+            <a:lvl7pPr marL="2057400" indent="0">
               <a:buNone/>
-              <a:defRPr sz="1400">
-                <a:solidFill>
-                  <a:schemeClr val="tx1">
-                    <a:tint val="75000"/>
-                  </a:schemeClr>
-                </a:solidFill>
-              </a:defRPr>
+              <a:defRPr sz="675"/>
             </a:lvl7pPr>
-            <a:lvl8pPr marL="3200400" indent="0">
+            <a:lvl8pPr marL="2400300" indent="0">
               <a:buNone/>
-              <a:defRPr sz="1400">
-                <a:solidFill>
-                  <a:schemeClr val="tx1">
-                    <a:tint val="75000"/>
-                  </a:schemeClr>
-                </a:solidFill>
-              </a:defRPr>
+              <a:defRPr sz="675"/>
             </a:lvl8pPr>
-            <a:lvl9pPr marL="3657600" indent="0">
+            <a:lvl9pPr marL="2743200" indent="0">
               <a:buNone/>
-              <a:defRPr sz="1400">
-                <a:solidFill>
-                  <a:schemeClr val="tx1">
-                    <a:tint val="75000"/>
-                  </a:schemeClr>
-                </a:solidFill>
-              </a:defRPr>
+              <a:defRPr sz="675"/>
             </a:lvl9pPr>
           </a:lstStyle>
           <a:p>
             <a:pPr lvl="0"/>
             <a:r>
               <a:rPr lang="zh-CN" altLang="en-US" smtClean="0"/>
-              <a:t>单击此处编辑母版文本样式</a:t>
+              <a:t>编辑母版文本样式</a:t>
             </a:r>
           </a:p>
         </p:txBody>
       </p:sp>
       <p:sp>
         <p:nvSpPr>
-          <p:cNvPr id="4" name="Date Placeholder 3"/>
+          <p:cNvPr id="5" name="Date Placeholder 4"/>
           <p:cNvSpPr>
             <a:spLocks noGrp="1"/>
           </p:cNvSpPr>
@@ -1822,21 +1364,15 @@
         </p:nvSpPr>
         <p:spPr>
           <a:xfrm>
-            <a:off x="6445251" y="6272785"/>
-            <a:ext cx="1983232" cy="365125"/>
+            <a:off x="349134" y="6459786"/>
+            <a:ext cx="1963883" cy="365125"/>
           </a:xfrm>
         </p:spPr>
         <p:txBody>
           <a:bodyPr/>
           <a:lstStyle>
-            <a:lvl1pPr>
-              <a:defRPr>
-                <a:solidFill>
-                  <a:schemeClr val="accent1">
-                    <a:lumMod val="50000"/>
-                  </a:schemeClr>
-                </a:solidFill>
-              </a:defRPr>
+            <a:lvl1pPr algn="l">
+              <a:defRPr/>
             </a:lvl1pPr>
           </a:lstStyle>
           <a:p>
@@ -1850,7 +1386,7 @@
       </p:sp>
       <p:sp>
         <p:nvSpPr>
-          <p:cNvPr id="5" name="Footer Placeholder 4"/>
+          <p:cNvPr id="6" name="Footer Placeholder 5"/>
           <p:cNvSpPr>
             <a:spLocks noGrp="1"/>
           </p:cNvSpPr>
@@ -1860,19 +1396,17 @@
         </p:nvSpPr>
         <p:spPr>
           <a:xfrm>
-            <a:off x="1636099" y="6272784"/>
-            <a:ext cx="4745736" cy="365125"/>
+            <a:off x="3600450" y="6459786"/>
+            <a:ext cx="3486150" cy="365125"/>
           </a:xfrm>
         </p:spPr>
         <p:txBody>
           <a:bodyPr/>
           <a:lstStyle>
-            <a:lvl1pPr>
+            <a:lvl1pPr algn="l">
               <a:defRPr>
                 <a:solidFill>
-                  <a:schemeClr val="accent1">
-                    <a:lumMod val="50000"/>
-                  </a:schemeClr>
+                  <a:schemeClr val="tx2"/>
                 </a:solidFill>
               </a:defRPr>
             </a:lvl1pPr>
@@ -1882,459 +1416,6 @@
           </a:p>
         </p:txBody>
       </p:sp>
-      <p:grpSp>
-        <p:nvGrpSpPr>
-          <p:cNvPr id="8" name="Group 7"/>
-          <p:cNvGrpSpPr>
-            <a:grpSpLocks noChangeAspect="1"/>
-          </p:cNvGrpSpPr>
-          <p:nvPr/>
-        </p:nvGrpSpPr>
-        <p:grpSpPr>
-          <a:xfrm>
-            <a:off x="633862" y="2430623"/>
-            <a:ext cx="914400" cy="914400"/>
-            <a:chOff x="9685338" y="4460675"/>
-            <a:chExt cx="1080904" cy="1080902"/>
-          </a:xfrm>
-        </p:grpSpPr>
-        <p:sp>
-          <p:nvSpPr>
-            <p:cNvPr id="9" name="Oval 8"/>
-            <p:cNvSpPr/>
-            <p:nvPr/>
-          </p:nvSpPr>
-          <p:spPr>
-            <a:xfrm>
-              <a:off x="9685338" y="4460675"/>
-              <a:ext cx="1080904" cy="1080902"/>
-            </a:xfrm>
-            <a:prstGeom prst="ellipse">
-              <a:avLst/>
-            </a:prstGeom>
-            <a:blipFill dpi="0" rotWithShape="1">
-              <a:blip r:embed="rId4">
-                <a:duotone>
-                  <a:schemeClr val="accent1">
-                    <a:shade val="45000"/>
-                    <a:satMod val="135000"/>
-                  </a:schemeClr>
-                  <a:prstClr val="white"/>
-                </a:duotone>
-                <a:extLst>
-                  <a:ext uri="{BEBA8EAE-BF5A-486C-A8C5-ECC9F3942E4B}">
-                    <a14:imgProps xmlns:a14="http://schemas.microsoft.com/office/drawing/2010/main">
-                      <a14:imgLayer r:embed="rId5">
-                        <a14:imgEffect>
-                          <a14:saturation sat="95000"/>
-                        </a14:imgEffect>
-                      </a14:imgLayer>
-                    </a14:imgProps>
-                  </a:ext>
-                </a:extLst>
-              </a:blip>
-              <a:srcRect/>
-              <a:tile tx="0" ty="0" sx="85000" sy="85000" flip="none" algn="tl"/>
-            </a:blipFill>
-            <a:ln w="25400" cap="flat" cmpd="sng" algn="ctr">
-              <a:noFill/>
-              <a:prstDash val="solid"/>
-            </a:ln>
-            <a:effectLst/>
-          </p:spPr>
-          <p:txBody>
-            <a:bodyPr lIns="0" tIns="0" rIns="0" bIns="0" rtlCol="0" anchor="ctr"/>
-            <a:lstStyle/>
-            <a:p>
-              <a:pPr marL="0" marR="0" lvl="0" indent="0" algn="ctr" defTabSz="914400" eaLnBrk="1" fontAlgn="auto" latinLnBrk="0" hangingPunct="1">
-                <a:lnSpc>
-                  <a:spcPct val="100000"/>
-                </a:lnSpc>
-                <a:spcBef>
-                  <a:spcPts val="0"/>
-                </a:spcBef>
-                <a:spcAft>
-                  <a:spcPts val="0"/>
-                </a:spcAft>
-                <a:buClrTx/>
-                <a:buSzTx/>
-                <a:buFontTx/>
-                <a:buNone/>
-                <a:tabLst/>
-                <a:defRPr/>
-              </a:pPr>
-              <a:endParaRPr kumimoji="0" lang="en-US" sz="2000" b="0" i="0" u="none" strike="noStrike" kern="0" cap="none" spc="0" normalizeH="0" baseline="0" noProof="0" dirty="0">
-                <a:ln>
-                  <a:noFill/>
-                </a:ln>
-                <a:solidFill>
-                  <a:prstClr val="white"/>
-                </a:solidFill>
-                <a:effectLst/>
-                <a:uLnTx/>
-                <a:uFillTx/>
-                <a:latin typeface="Rockwell Extra Bold" pitchFamily="18" charset="0"/>
-                <a:ea typeface="+mn-ea"/>
-                <a:cs typeface="+mn-cs"/>
-              </a:endParaRPr>
-            </a:p>
-          </p:txBody>
-        </p:sp>
-        <p:sp>
-          <p:nvSpPr>
-            <p:cNvPr id="10" name="Oval 9"/>
-            <p:cNvSpPr/>
-            <p:nvPr/>
-          </p:nvSpPr>
-          <p:spPr>
-            <a:xfrm>
-              <a:off x="9793429" y="4568765"/>
-              <a:ext cx="864723" cy="864722"/>
-            </a:xfrm>
-            <a:prstGeom prst="ellipse">
-              <a:avLst/>
-            </a:prstGeom>
-            <a:noFill/>
-            <a:ln w="25400" cap="flat" cmpd="sng" algn="ctr">
-              <a:solidFill>
-                <a:sysClr val="window" lastClr="FFFFFF"/>
-              </a:solidFill>
-              <a:prstDash val="solid"/>
-            </a:ln>
-            <a:effectLst/>
-          </p:spPr>
-          <p:txBody>
-            <a:bodyPr rtlCol="0" anchor="ctr"/>
-            <a:lstStyle/>
-            <a:p>
-              <a:pPr marL="0" marR="0" lvl="0" indent="0" algn="ctr" defTabSz="914400" eaLnBrk="1" fontAlgn="auto" latinLnBrk="0" hangingPunct="1">
-                <a:lnSpc>
-                  <a:spcPct val="100000"/>
-                </a:lnSpc>
-                <a:spcBef>
-                  <a:spcPts val="0"/>
-                </a:spcBef>
-                <a:spcAft>
-                  <a:spcPts val="0"/>
-                </a:spcAft>
-                <a:buClrTx/>
-                <a:buSzTx/>
-                <a:buFontTx/>
-                <a:buNone/>
-                <a:tabLst/>
-                <a:defRPr/>
-              </a:pPr>
-              <a:endParaRPr kumimoji="0" lang="en-US" sz="1800" b="0" i="0" u="none" strike="noStrike" kern="0" cap="none" spc="0" normalizeH="0" baseline="0" noProof="0" dirty="0">
-                <a:ln>
-                  <a:noFill/>
-                </a:ln>
-                <a:solidFill>
-                  <a:prstClr val="white"/>
-                </a:solidFill>
-                <a:effectLst/>
-                <a:uLnTx/>
-                <a:uFillTx/>
-                <a:latin typeface="Calibri"/>
-                <a:ea typeface="+mn-ea"/>
-                <a:cs typeface="+mn-cs"/>
-              </a:endParaRPr>
-            </a:p>
-          </p:txBody>
-        </p:sp>
-      </p:grpSp>
-      <p:sp>
-        <p:nvSpPr>
-          <p:cNvPr id="6" name="Slide Number Placeholder 5"/>
-          <p:cNvSpPr>
-            <a:spLocks noGrp="1"/>
-          </p:cNvSpPr>
-          <p:nvPr>
-            <p:ph type="sldNum" sz="quarter" idx="12"/>
-          </p:nvPr>
-        </p:nvSpPr>
-        <p:spPr>
-          <a:xfrm>
-            <a:off x="645450" y="2508607"/>
-            <a:ext cx="891224" cy="720332"/>
-          </a:xfrm>
-        </p:spPr>
-        <p:txBody>
-          <a:bodyPr/>
-          <a:lstStyle>
-            <a:lvl1pPr>
-              <a:defRPr sz="2800"/>
-            </a:lvl1pPr>
-          </a:lstStyle>
-          <a:p>
-            <a:fld id="{A9C74E81-92D3-EB44-8141-4E02ABA33A09}" type="slidenum">
-              <a:rPr kumimoji="1" lang="zh-CN" altLang="en-US" smtClean="0"/>
-              <a:t>‹#›</a:t>
-            </a:fld>
-            <a:endParaRPr kumimoji="1" lang="zh-CN" altLang="en-US"/>
-          </a:p>
-        </p:txBody>
-      </p:sp>
-    </p:spTree>
-    <p:extLst/>
-  </p:cSld>
-  <p:clrMapOvr>
-    <a:masterClrMapping/>
-  </p:clrMapOvr>
-</p:sldLayout>
-</file>
-
-<file path=ppt/slideLayouts/slideLayout4.xml><?xml version="1.0" encoding="utf-8"?>
-<p:sldLayout xmlns:a="http://schemas.openxmlformats.org/drawingml/2006/main" xmlns:r="http://schemas.openxmlformats.org/officeDocument/2006/relationships" xmlns:p="http://schemas.openxmlformats.org/presentationml/2006/main" type="twoObj" preserve="1">
-  <p:cSld name="两项内容">
-    <p:spTree>
-      <p:nvGrpSpPr>
-        <p:cNvPr id="1" name=""/>
-        <p:cNvGrpSpPr/>
-        <p:nvPr/>
-      </p:nvGrpSpPr>
-      <p:grpSpPr>
-        <a:xfrm>
-          <a:off x="0" y="0"/>
-          <a:ext cx="0" cy="0"/>
-          <a:chOff x="0" y="0"/>
-          <a:chExt cx="0" cy="0"/>
-        </a:xfrm>
-      </p:grpSpPr>
-      <p:sp>
-        <p:nvSpPr>
-          <p:cNvPr id="2" name="Title 1"/>
-          <p:cNvSpPr>
-            <a:spLocks noGrp="1"/>
-          </p:cNvSpPr>
-          <p:nvPr>
-            <p:ph type="title"/>
-          </p:nvPr>
-        </p:nvSpPr>
-        <p:spPr/>
-        <p:txBody>
-          <a:bodyPr/>
-          <a:lstStyle/>
-          <a:p>
-            <a:r>
-              <a:rPr lang="zh-CN" altLang="en-US" smtClean="0"/>
-              <a:t>单击此处编辑母版标题样式</a:t>
-            </a:r>
-            <a:endParaRPr lang="en-US" dirty="0"/>
-          </a:p>
-        </p:txBody>
-      </p:sp>
-      <p:sp>
-        <p:nvSpPr>
-          <p:cNvPr id="3" name="Content Placeholder 2"/>
-          <p:cNvSpPr>
-            <a:spLocks noGrp="1"/>
-          </p:cNvSpPr>
-          <p:nvPr>
-            <p:ph sz="half" idx="1"/>
-          </p:nvPr>
-        </p:nvSpPr>
-        <p:spPr>
-          <a:xfrm>
-            <a:off x="685800" y="2194560"/>
-            <a:ext cx="3657600" cy="3977640"/>
-          </a:xfrm>
-        </p:spPr>
-        <p:txBody>
-          <a:bodyPr/>
-          <a:lstStyle>
-            <a:lvl1pPr>
-              <a:defRPr sz="2000"/>
-            </a:lvl1pPr>
-            <a:lvl2pPr>
-              <a:defRPr sz="1800"/>
-            </a:lvl2pPr>
-            <a:lvl3pPr>
-              <a:defRPr sz="1600"/>
-            </a:lvl3pPr>
-            <a:lvl4pPr>
-              <a:defRPr sz="1600"/>
-            </a:lvl4pPr>
-            <a:lvl5pPr>
-              <a:defRPr sz="1600"/>
-            </a:lvl5pPr>
-            <a:lvl6pPr>
-              <a:defRPr sz="1800"/>
-            </a:lvl6pPr>
-            <a:lvl7pPr>
-              <a:defRPr sz="1800"/>
-            </a:lvl7pPr>
-            <a:lvl8pPr>
-              <a:defRPr sz="1800"/>
-            </a:lvl8pPr>
-            <a:lvl9pPr>
-              <a:defRPr sz="1800"/>
-            </a:lvl9pPr>
-          </a:lstStyle>
-          <a:p>
-            <a:pPr lvl="0"/>
-            <a:r>
-              <a:rPr lang="zh-CN" altLang="en-US" smtClean="0"/>
-              <a:t>单击此处编辑母版文本样式</a:t>
-            </a:r>
-          </a:p>
-          <a:p>
-            <a:pPr lvl="1"/>
-            <a:r>
-              <a:rPr lang="zh-CN" altLang="en-US" smtClean="0"/>
-              <a:t>二级</a:t>
-            </a:r>
-          </a:p>
-          <a:p>
-            <a:pPr lvl="2"/>
-            <a:r>
-              <a:rPr lang="zh-CN" altLang="en-US" smtClean="0"/>
-              <a:t>三级</a:t>
-            </a:r>
-          </a:p>
-          <a:p>
-            <a:pPr lvl="3"/>
-            <a:r>
-              <a:rPr lang="zh-CN" altLang="en-US" smtClean="0"/>
-              <a:t>四级</a:t>
-            </a:r>
-          </a:p>
-          <a:p>
-            <a:pPr lvl="4"/>
-            <a:r>
-              <a:rPr lang="zh-CN" altLang="en-US" smtClean="0"/>
-              <a:t>五级</a:t>
-            </a:r>
-            <a:endParaRPr lang="en-US" dirty="0"/>
-          </a:p>
-        </p:txBody>
-      </p:sp>
-      <p:sp>
-        <p:nvSpPr>
-          <p:cNvPr id="4" name="Content Placeholder 3"/>
-          <p:cNvSpPr>
-            <a:spLocks noGrp="1"/>
-          </p:cNvSpPr>
-          <p:nvPr>
-            <p:ph sz="half" idx="2"/>
-          </p:nvPr>
-        </p:nvSpPr>
-        <p:spPr>
-          <a:xfrm>
-            <a:off x="4792218" y="2194560"/>
-            <a:ext cx="3657600" cy="3977640"/>
-          </a:xfrm>
-        </p:spPr>
-        <p:txBody>
-          <a:bodyPr/>
-          <a:lstStyle>
-            <a:lvl1pPr>
-              <a:defRPr sz="2000"/>
-            </a:lvl1pPr>
-            <a:lvl2pPr>
-              <a:defRPr sz="1800"/>
-            </a:lvl2pPr>
-            <a:lvl3pPr>
-              <a:defRPr sz="1600"/>
-            </a:lvl3pPr>
-            <a:lvl4pPr>
-              <a:defRPr sz="1600"/>
-            </a:lvl4pPr>
-            <a:lvl5pPr>
-              <a:defRPr sz="1600"/>
-            </a:lvl5pPr>
-            <a:lvl6pPr>
-              <a:defRPr sz="1800"/>
-            </a:lvl6pPr>
-            <a:lvl7pPr>
-              <a:defRPr sz="1800"/>
-            </a:lvl7pPr>
-            <a:lvl8pPr>
-              <a:defRPr sz="1800"/>
-            </a:lvl8pPr>
-            <a:lvl9pPr>
-              <a:defRPr sz="1800"/>
-            </a:lvl9pPr>
-          </a:lstStyle>
-          <a:p>
-            <a:pPr lvl="0"/>
-            <a:r>
-              <a:rPr lang="zh-CN" altLang="en-US" smtClean="0"/>
-              <a:t>单击此处编辑母版文本样式</a:t>
-            </a:r>
-          </a:p>
-          <a:p>
-            <a:pPr lvl="1"/>
-            <a:r>
-              <a:rPr lang="zh-CN" altLang="en-US" smtClean="0"/>
-              <a:t>二级</a:t>
-            </a:r>
-          </a:p>
-          <a:p>
-            <a:pPr lvl="2"/>
-            <a:r>
-              <a:rPr lang="zh-CN" altLang="en-US" smtClean="0"/>
-              <a:t>三级</a:t>
-            </a:r>
-          </a:p>
-          <a:p>
-            <a:pPr lvl="3"/>
-            <a:r>
-              <a:rPr lang="zh-CN" altLang="en-US" smtClean="0"/>
-              <a:t>四级</a:t>
-            </a:r>
-          </a:p>
-          <a:p>
-            <a:pPr lvl="4"/>
-            <a:r>
-              <a:rPr lang="zh-CN" altLang="en-US" smtClean="0"/>
-              <a:t>五级</a:t>
-            </a:r>
-            <a:endParaRPr lang="en-US" dirty="0"/>
-          </a:p>
-        </p:txBody>
-      </p:sp>
-      <p:sp>
-        <p:nvSpPr>
-          <p:cNvPr id="5" name="Date Placeholder 4"/>
-          <p:cNvSpPr>
-            <a:spLocks noGrp="1"/>
-          </p:cNvSpPr>
-          <p:nvPr>
-            <p:ph type="dt" sz="half" idx="10"/>
-          </p:nvPr>
-        </p:nvSpPr>
-        <p:spPr/>
-        <p:txBody>
-          <a:bodyPr/>
-          <a:lstStyle/>
-          <a:p>
-            <a:fld id="{66647F1F-0969-CE43-B0B4-C490EFFF920D}" type="datetimeFigureOut">
-              <a:rPr kumimoji="1" lang="zh-CN" altLang="en-US" smtClean="0"/>
-              <a:t>2016/12/19</a:t>
-            </a:fld>
-            <a:endParaRPr kumimoji="1" lang="zh-CN" altLang="en-US"/>
-          </a:p>
-        </p:txBody>
-      </p:sp>
-      <p:sp>
-        <p:nvSpPr>
-          <p:cNvPr id="6" name="Footer Placeholder 5"/>
-          <p:cNvSpPr>
-            <a:spLocks noGrp="1"/>
-          </p:cNvSpPr>
-          <p:nvPr>
-            <p:ph type="ftr" sz="quarter" idx="11"/>
-          </p:nvPr>
-        </p:nvSpPr>
-        <p:spPr/>
-        <p:txBody>
-          <a:bodyPr/>
-          <a:lstStyle/>
-          <a:p>
-            <a:endParaRPr kumimoji="1" lang="zh-CN" altLang="en-US"/>
-          </a:p>
-        </p:txBody>
-      </p:sp>
       <p:sp>
         <p:nvSpPr>
           <p:cNvPr id="7" name="Slide Number Placeholder 6"/>
@@ -2343,485 +1424,6 @@
           </p:cNvSpPr>
           <p:nvPr>
             <p:ph type="sldNum" sz="quarter" idx="12"/>
-          </p:nvPr>
-        </p:nvSpPr>
-        <p:spPr/>
-        <p:txBody>
-          <a:bodyPr/>
-          <a:lstStyle/>
-          <a:p>
-            <a:fld id="{A9C74E81-92D3-EB44-8141-4E02ABA33A09}" type="slidenum">
-              <a:rPr kumimoji="1" lang="zh-CN" altLang="en-US" smtClean="0"/>
-              <a:t>‹#›</a:t>
-            </a:fld>
-            <a:endParaRPr kumimoji="1" lang="zh-CN" altLang="en-US"/>
-          </a:p>
-        </p:txBody>
-      </p:sp>
-    </p:spTree>
-    <p:extLst/>
-  </p:cSld>
-  <p:clrMapOvr>
-    <a:masterClrMapping/>
-  </p:clrMapOvr>
-</p:sldLayout>
-</file>
-
-<file path=ppt/slideLayouts/slideLayout5.xml><?xml version="1.0" encoding="utf-8"?>
-<p:sldLayout xmlns:a="http://schemas.openxmlformats.org/drawingml/2006/main" xmlns:r="http://schemas.openxmlformats.org/officeDocument/2006/relationships" xmlns:p="http://schemas.openxmlformats.org/presentationml/2006/main" preserve="1">
-  <p:cSld name="比较">
-    <p:spTree>
-      <p:nvGrpSpPr>
-        <p:cNvPr id="1" name=""/>
-        <p:cNvGrpSpPr/>
-        <p:nvPr/>
-      </p:nvGrpSpPr>
-      <p:grpSpPr>
-        <a:xfrm>
-          <a:off x="0" y="0"/>
-          <a:ext cx="0" cy="0"/>
-          <a:chOff x="0" y="0"/>
-          <a:chExt cx="0" cy="0"/>
-        </a:xfrm>
-      </p:grpSpPr>
-      <p:sp>
-        <p:nvSpPr>
-          <p:cNvPr id="3" name="Text Placeholder 2"/>
-          <p:cNvSpPr>
-            <a:spLocks noGrp="1"/>
-          </p:cNvSpPr>
-          <p:nvPr>
-            <p:ph type="body" idx="1"/>
-          </p:nvPr>
-        </p:nvSpPr>
-        <p:spPr>
-          <a:xfrm>
-            <a:off x="685800" y="2048256"/>
-            <a:ext cx="3657600" cy="640080"/>
-          </a:xfrm>
-        </p:spPr>
-        <p:txBody>
-          <a:bodyPr anchor="ctr">
-            <a:normAutofit/>
-          </a:bodyPr>
-          <a:lstStyle>
-            <a:lvl1pPr marL="0" indent="0">
-              <a:buNone/>
-              <a:defRPr sz="2000" b="1">
-                <a:solidFill>
-                  <a:schemeClr val="accent1">
-                    <a:lumMod val="75000"/>
-                  </a:schemeClr>
-                </a:solidFill>
-              </a:defRPr>
-            </a:lvl1pPr>
-            <a:lvl2pPr marL="457200" indent="0">
-              <a:buNone/>
-              <a:defRPr sz="2000" b="1"/>
-            </a:lvl2pPr>
-            <a:lvl3pPr marL="914400" indent="0">
-              <a:buNone/>
-              <a:defRPr sz="1800" b="1"/>
-            </a:lvl3pPr>
-            <a:lvl4pPr marL="1371600" indent="0">
-              <a:buNone/>
-              <a:defRPr sz="1600" b="1"/>
-            </a:lvl4pPr>
-            <a:lvl5pPr marL="1828800" indent="0">
-              <a:buNone/>
-              <a:defRPr sz="1600" b="1"/>
-            </a:lvl5pPr>
-            <a:lvl6pPr marL="2286000" indent="0">
-              <a:buNone/>
-              <a:defRPr sz="1600" b="1"/>
-            </a:lvl6pPr>
-            <a:lvl7pPr marL="2743200" indent="0">
-              <a:buNone/>
-              <a:defRPr sz="1600" b="1"/>
-            </a:lvl7pPr>
-            <a:lvl8pPr marL="3200400" indent="0">
-              <a:buNone/>
-              <a:defRPr sz="1600" b="1"/>
-            </a:lvl8pPr>
-            <a:lvl9pPr marL="3657600" indent="0">
-              <a:buNone/>
-              <a:defRPr sz="1600" b="1"/>
-            </a:lvl9pPr>
-          </a:lstStyle>
-          <a:p>
-            <a:pPr lvl="0"/>
-            <a:r>
-              <a:rPr lang="zh-CN" altLang="en-US" smtClean="0"/>
-              <a:t>单击此处编辑母版文本样式</a:t>
-            </a:r>
-          </a:p>
-        </p:txBody>
-      </p:sp>
-      <p:sp>
-        <p:nvSpPr>
-          <p:cNvPr id="4" name="Content Placeholder 3"/>
-          <p:cNvSpPr>
-            <a:spLocks noGrp="1"/>
-          </p:cNvSpPr>
-          <p:nvPr>
-            <p:ph sz="half" idx="2"/>
-          </p:nvPr>
-        </p:nvSpPr>
-        <p:spPr>
-          <a:xfrm>
-            <a:off x="685800" y="2743200"/>
-            <a:ext cx="3657600" cy="3291840"/>
-          </a:xfrm>
-        </p:spPr>
-        <p:txBody>
-          <a:bodyPr/>
-          <a:lstStyle>
-            <a:lvl1pPr>
-              <a:defRPr sz="2000"/>
-            </a:lvl1pPr>
-            <a:lvl2pPr>
-              <a:defRPr sz="1800"/>
-            </a:lvl2pPr>
-            <a:lvl3pPr>
-              <a:defRPr sz="1600"/>
-            </a:lvl3pPr>
-            <a:lvl4pPr>
-              <a:defRPr sz="1600"/>
-            </a:lvl4pPr>
-            <a:lvl5pPr>
-              <a:defRPr sz="1600"/>
-            </a:lvl5pPr>
-            <a:lvl6pPr>
-              <a:defRPr sz="1600"/>
-            </a:lvl6pPr>
-            <a:lvl7pPr>
-              <a:defRPr sz="1600"/>
-            </a:lvl7pPr>
-            <a:lvl8pPr>
-              <a:defRPr sz="1600"/>
-            </a:lvl8pPr>
-            <a:lvl9pPr>
-              <a:defRPr sz="1600"/>
-            </a:lvl9pPr>
-          </a:lstStyle>
-          <a:p>
-            <a:pPr lvl="0"/>
-            <a:r>
-              <a:rPr lang="zh-CN" altLang="en-US" smtClean="0"/>
-              <a:t>单击此处编辑母版文本样式</a:t>
-            </a:r>
-          </a:p>
-          <a:p>
-            <a:pPr lvl="1"/>
-            <a:r>
-              <a:rPr lang="zh-CN" altLang="en-US" smtClean="0"/>
-              <a:t>二级</a:t>
-            </a:r>
-          </a:p>
-          <a:p>
-            <a:pPr lvl="2"/>
-            <a:r>
-              <a:rPr lang="zh-CN" altLang="en-US" smtClean="0"/>
-              <a:t>三级</a:t>
-            </a:r>
-          </a:p>
-          <a:p>
-            <a:pPr lvl="3"/>
-            <a:r>
-              <a:rPr lang="zh-CN" altLang="en-US" smtClean="0"/>
-              <a:t>四级</a:t>
-            </a:r>
-          </a:p>
-          <a:p>
-            <a:pPr lvl="4"/>
-            <a:r>
-              <a:rPr lang="zh-CN" altLang="en-US" smtClean="0"/>
-              <a:t>五级</a:t>
-            </a:r>
-            <a:endParaRPr lang="en-US" dirty="0"/>
-          </a:p>
-        </p:txBody>
-      </p:sp>
-      <p:sp>
-        <p:nvSpPr>
-          <p:cNvPr id="5" name="Text Placeholder 4"/>
-          <p:cNvSpPr>
-            <a:spLocks noGrp="1"/>
-          </p:cNvSpPr>
-          <p:nvPr>
-            <p:ph type="body" sz="quarter" idx="3"/>
-          </p:nvPr>
-        </p:nvSpPr>
-        <p:spPr>
-          <a:xfrm>
-            <a:off x="4820793" y="2048256"/>
-            <a:ext cx="3657600" cy="640080"/>
-          </a:xfrm>
-        </p:spPr>
-        <p:txBody>
-          <a:bodyPr anchor="ctr">
-            <a:normAutofit/>
-          </a:bodyPr>
-          <a:lstStyle>
-            <a:lvl1pPr marL="0" indent="0">
-              <a:buNone/>
-              <a:defRPr sz="2000" b="1">
-                <a:solidFill>
-                  <a:schemeClr val="accent1">
-                    <a:lumMod val="75000"/>
-                  </a:schemeClr>
-                </a:solidFill>
-              </a:defRPr>
-            </a:lvl1pPr>
-            <a:lvl2pPr marL="457200" indent="0">
-              <a:buNone/>
-              <a:defRPr sz="2000" b="1"/>
-            </a:lvl2pPr>
-            <a:lvl3pPr marL="914400" indent="0">
-              <a:buNone/>
-              <a:defRPr sz="1800" b="1"/>
-            </a:lvl3pPr>
-            <a:lvl4pPr marL="1371600" indent="0">
-              <a:buNone/>
-              <a:defRPr sz="1600" b="1"/>
-            </a:lvl4pPr>
-            <a:lvl5pPr marL="1828800" indent="0">
-              <a:buNone/>
-              <a:defRPr sz="1600" b="1"/>
-            </a:lvl5pPr>
-            <a:lvl6pPr marL="2286000" indent="0">
-              <a:buNone/>
-              <a:defRPr sz="1600" b="1"/>
-            </a:lvl6pPr>
-            <a:lvl7pPr marL="2743200" indent="0">
-              <a:buNone/>
-              <a:defRPr sz="1600" b="1"/>
-            </a:lvl7pPr>
-            <a:lvl8pPr marL="3200400" indent="0">
-              <a:buNone/>
-              <a:defRPr sz="1600" b="1"/>
-            </a:lvl8pPr>
-            <a:lvl9pPr marL="3657600" indent="0">
-              <a:buNone/>
-              <a:defRPr sz="1600" b="1"/>
-            </a:lvl9pPr>
-          </a:lstStyle>
-          <a:p>
-            <a:pPr lvl="0"/>
-            <a:r>
-              <a:rPr lang="zh-CN" altLang="en-US" smtClean="0"/>
-              <a:t>单击此处编辑母版文本样式</a:t>
-            </a:r>
-          </a:p>
-        </p:txBody>
-      </p:sp>
-      <p:sp>
-        <p:nvSpPr>
-          <p:cNvPr id="6" name="Content Placeholder 5"/>
-          <p:cNvSpPr>
-            <a:spLocks noGrp="1"/>
-          </p:cNvSpPr>
-          <p:nvPr>
-            <p:ph sz="quarter" idx="4"/>
-          </p:nvPr>
-        </p:nvSpPr>
-        <p:spPr>
-          <a:xfrm>
-            <a:off x="4820793" y="2743200"/>
-            <a:ext cx="3657600" cy="3291840"/>
-          </a:xfrm>
-        </p:spPr>
-        <p:txBody>
-          <a:bodyPr/>
-          <a:lstStyle>
-            <a:lvl1pPr>
-              <a:defRPr sz="2000"/>
-            </a:lvl1pPr>
-            <a:lvl2pPr>
-              <a:defRPr sz="1800"/>
-            </a:lvl2pPr>
-            <a:lvl3pPr>
-              <a:defRPr sz="1600"/>
-            </a:lvl3pPr>
-            <a:lvl4pPr>
-              <a:defRPr sz="1600"/>
-            </a:lvl4pPr>
-            <a:lvl5pPr>
-              <a:defRPr sz="1600"/>
-            </a:lvl5pPr>
-            <a:lvl6pPr>
-              <a:defRPr sz="1600"/>
-            </a:lvl6pPr>
-            <a:lvl7pPr>
-              <a:defRPr sz="1600"/>
-            </a:lvl7pPr>
-            <a:lvl8pPr>
-              <a:defRPr sz="1600"/>
-            </a:lvl8pPr>
-            <a:lvl9pPr>
-              <a:defRPr sz="1600"/>
-            </a:lvl9pPr>
-          </a:lstStyle>
-          <a:p>
-            <a:pPr lvl="0"/>
-            <a:r>
-              <a:rPr lang="zh-CN" altLang="en-US" smtClean="0"/>
-              <a:t>单击此处编辑母版文本样式</a:t>
-            </a:r>
-          </a:p>
-          <a:p>
-            <a:pPr lvl="1"/>
-            <a:r>
-              <a:rPr lang="zh-CN" altLang="en-US" smtClean="0"/>
-              <a:t>二级</a:t>
-            </a:r>
-          </a:p>
-          <a:p>
-            <a:pPr lvl="2"/>
-            <a:r>
-              <a:rPr lang="zh-CN" altLang="en-US" smtClean="0"/>
-              <a:t>三级</a:t>
-            </a:r>
-          </a:p>
-          <a:p>
-            <a:pPr lvl="3"/>
-            <a:r>
-              <a:rPr lang="zh-CN" altLang="en-US" smtClean="0"/>
-              <a:t>四级</a:t>
-            </a:r>
-          </a:p>
-          <a:p>
-            <a:pPr lvl="4"/>
-            <a:r>
-              <a:rPr lang="zh-CN" altLang="en-US" smtClean="0"/>
-              <a:t>五级</a:t>
-            </a:r>
-            <a:endParaRPr lang="en-US" dirty="0"/>
-          </a:p>
-        </p:txBody>
-      </p:sp>
-      <p:sp>
-        <p:nvSpPr>
-          <p:cNvPr id="7" name="Date Placeholder 6"/>
-          <p:cNvSpPr>
-            <a:spLocks noGrp="1"/>
-          </p:cNvSpPr>
-          <p:nvPr>
-            <p:ph type="dt" sz="half" idx="10"/>
-          </p:nvPr>
-        </p:nvSpPr>
-        <p:spPr/>
-        <p:txBody>
-          <a:bodyPr/>
-          <a:lstStyle/>
-          <a:p>
-            <a:fld id="{66647F1F-0969-CE43-B0B4-C490EFFF920D}" type="datetimeFigureOut">
-              <a:rPr kumimoji="1" lang="zh-CN" altLang="en-US" smtClean="0"/>
-              <a:t>2016/12/19</a:t>
-            </a:fld>
-            <a:endParaRPr kumimoji="1" lang="zh-CN" altLang="en-US"/>
-          </a:p>
-        </p:txBody>
-      </p:sp>
-      <p:sp>
-        <p:nvSpPr>
-          <p:cNvPr id="8" name="Footer Placeholder 7"/>
-          <p:cNvSpPr>
-            <a:spLocks noGrp="1"/>
-          </p:cNvSpPr>
-          <p:nvPr>
-            <p:ph type="ftr" sz="quarter" idx="11"/>
-          </p:nvPr>
-        </p:nvSpPr>
-        <p:spPr/>
-        <p:txBody>
-          <a:bodyPr/>
-          <a:lstStyle/>
-          <a:p>
-            <a:endParaRPr kumimoji="1" lang="zh-CN" altLang="en-US"/>
-          </a:p>
-        </p:txBody>
-      </p:sp>
-      <p:sp>
-        <p:nvSpPr>
-          <p:cNvPr id="9" name="Slide Number Placeholder 8"/>
-          <p:cNvSpPr>
-            <a:spLocks noGrp="1"/>
-          </p:cNvSpPr>
-          <p:nvPr>
-            <p:ph type="sldNum" sz="quarter" idx="12"/>
-          </p:nvPr>
-        </p:nvSpPr>
-        <p:spPr/>
-        <p:txBody>
-          <a:bodyPr/>
-          <a:lstStyle/>
-          <a:p>
-            <a:fld id="{A9C74E81-92D3-EB44-8141-4E02ABA33A09}" type="slidenum">
-              <a:rPr kumimoji="1" lang="zh-CN" altLang="en-US" smtClean="0"/>
-              <a:t>‹#›</a:t>
-            </a:fld>
-            <a:endParaRPr kumimoji="1" lang="zh-CN" altLang="en-US"/>
-          </a:p>
-        </p:txBody>
-      </p:sp>
-      <p:sp>
-        <p:nvSpPr>
-          <p:cNvPr id="10" name="Title 9"/>
-          <p:cNvSpPr>
-            <a:spLocks noGrp="1"/>
-          </p:cNvSpPr>
-          <p:nvPr>
-            <p:ph type="title"/>
-          </p:nvPr>
-        </p:nvSpPr>
-        <p:spPr/>
-        <p:txBody>
-          <a:bodyPr/>
-          <a:lstStyle/>
-          <a:p>
-            <a:r>
-              <a:rPr lang="zh-CN" altLang="en-US" smtClean="0"/>
-              <a:t>单击此处编辑母版标题样式</a:t>
-            </a:r>
-            <a:endParaRPr lang="en-US" dirty="0"/>
-          </a:p>
-        </p:txBody>
-      </p:sp>
-    </p:spTree>
-    <p:extLst/>
-  </p:cSld>
-  <p:clrMapOvr>
-    <a:masterClrMapping/>
-  </p:clrMapOvr>
-</p:sldLayout>
-</file>
-
-<file path=ppt/slideLayouts/slideLayout6.xml><?xml version="1.0" encoding="utf-8"?>
-<p:sldLayout xmlns:a="http://schemas.openxmlformats.org/drawingml/2006/main" xmlns:r="http://schemas.openxmlformats.org/officeDocument/2006/relationships" xmlns:p="http://schemas.openxmlformats.org/presentationml/2006/main" preserve="1">
-  <p:cSld name="仅标题">
-    <p:spTree>
-      <p:nvGrpSpPr>
-        <p:cNvPr id="1" name=""/>
-        <p:cNvGrpSpPr/>
-        <p:nvPr/>
-      </p:nvGrpSpPr>
-      <p:grpSpPr>
-        <a:xfrm>
-          <a:off x="0" y="0"/>
-          <a:ext cx="0" cy="0"/>
-          <a:chOff x="0" y="0"/>
-          <a:chExt cx="0" cy="0"/>
-        </a:xfrm>
-      </p:grpSpPr>
-      <p:sp>
-        <p:nvSpPr>
-          <p:cNvPr id="3" name="Date Placeholder 2"/>
-          <p:cNvSpPr>
-            <a:spLocks noGrp="1"/>
-          </p:cNvSpPr>
-          <p:nvPr>
-            <p:ph type="dt" sz="half" idx="10"/>
           </p:nvPr>
         </p:nvSpPr>
         <p:spPr/>
@@ -2831,65 +1433,11 @@
             <a:lvl1pPr>
               <a:defRPr>
                 <a:solidFill>
-                  <a:schemeClr val="accent1">
-                    <a:lumMod val="50000"/>
-                  </a:schemeClr>
+                  <a:schemeClr val="tx2"/>
                 </a:solidFill>
               </a:defRPr>
             </a:lvl1pPr>
           </a:lstStyle>
-          <a:p>
-            <a:fld id="{66647F1F-0969-CE43-B0B4-C490EFFF920D}" type="datetimeFigureOut">
-              <a:rPr kumimoji="1" lang="zh-CN" altLang="en-US" smtClean="0"/>
-              <a:t>2016/12/19</a:t>
-            </a:fld>
-            <a:endParaRPr kumimoji="1" lang="zh-CN" altLang="en-US"/>
-          </a:p>
-        </p:txBody>
-      </p:sp>
-      <p:sp>
-        <p:nvSpPr>
-          <p:cNvPr id="4" name="Footer Placeholder 3"/>
-          <p:cNvSpPr>
-            <a:spLocks noGrp="1"/>
-          </p:cNvSpPr>
-          <p:nvPr>
-            <p:ph type="ftr" sz="quarter" idx="11"/>
-          </p:nvPr>
-        </p:nvSpPr>
-        <p:spPr/>
-        <p:txBody>
-          <a:bodyPr/>
-          <a:lstStyle>
-            <a:lvl1pPr>
-              <a:defRPr>
-                <a:solidFill>
-                  <a:schemeClr val="accent1">
-                    <a:lumMod val="50000"/>
-                  </a:schemeClr>
-                </a:solidFill>
-              </a:defRPr>
-            </a:lvl1pPr>
-          </a:lstStyle>
-          <a:p>
-            <a:endParaRPr kumimoji="1" lang="zh-CN" altLang="en-US"/>
-          </a:p>
-        </p:txBody>
-      </p:sp>
-      <p:sp>
-        <p:nvSpPr>
-          <p:cNvPr id="5" name="Slide Number Placeholder 4"/>
-          <p:cNvSpPr>
-            <a:spLocks noGrp="1"/>
-          </p:cNvSpPr>
-          <p:nvPr>
-            <p:ph type="sldNum" sz="quarter" idx="12"/>
-          </p:nvPr>
-        </p:nvSpPr>
-        <p:spPr/>
-        <p:txBody>
-          <a:bodyPr/>
-          <a:lstStyle/>
           <a:p>
             <a:fld id="{A9C74E81-92D3-EB44-8141-4E02ABA33A09}" type="slidenum">
               <a:rPr kumimoji="1" lang="zh-CN" altLang="en-US" smtClean="0"/>
@@ -2899,40 +1447,28 @@
           </a:p>
         </p:txBody>
       </p:sp>
-      <p:sp>
-        <p:nvSpPr>
-          <p:cNvPr id="6" name="Title 5"/>
-          <p:cNvSpPr>
-            <a:spLocks noGrp="1"/>
-          </p:cNvSpPr>
-          <p:nvPr>
-            <p:ph type="title"/>
-          </p:nvPr>
-        </p:nvSpPr>
-        <p:spPr/>
-        <p:txBody>
-          <a:bodyPr/>
-          <a:lstStyle/>
-          <a:p>
-            <a:r>
-              <a:rPr lang="zh-CN" altLang="en-US" smtClean="0"/>
-              <a:t>单击此处编辑母版标题样式</a:t>
-            </a:r>
-            <a:endParaRPr lang="en-US"/>
-          </a:p>
-        </p:txBody>
-      </p:sp>
     </p:spTree>
-    <p:extLst/>
+    <p:extLst>
+      <p:ext uri="{BB962C8B-B14F-4D97-AF65-F5344CB8AC3E}">
+        <p14:creationId xmlns:p14="http://schemas.microsoft.com/office/powerpoint/2010/main" val="2061959185"/>
+      </p:ext>
+    </p:extLst>
   </p:cSld>
   <p:clrMapOvr>
     <a:masterClrMapping/>
   </p:clrMapOvr>
+  <p:timing>
+    <p:tnLst>
+      <p:par>
+        <p:cTn id="1" dur="indefinite" restart="never" nodeType="tmRoot"/>
+      </p:par>
+    </p:tnLst>
+  </p:timing>
 </p:sldLayout>
 </file>
 
-<file path=ppt/slideLayouts/slideLayout7.xml><?xml version="1.0" encoding="utf-8"?>
-<p:sldLayout xmlns:a="http://schemas.openxmlformats.org/drawingml/2006/main" xmlns:r="http://schemas.openxmlformats.org/officeDocument/2006/relationships" xmlns:p="http://schemas.openxmlformats.org/presentationml/2006/main" type="blank" preserve="1">
+<file path=ppt/slideLayouts/slideLayout4.xml><?xml version="1.0" encoding="utf-8"?>
+<p:sldLayout xmlns:a="http://schemas.openxmlformats.org/drawingml/2006/main" xmlns:r="http://schemas.openxmlformats.org/officeDocument/2006/relationships" xmlns:p="http://schemas.openxmlformats.org/presentationml/2006/main" showMasterSp="0" type="blank" preserve="1">
   <p:cSld name="空白">
     <p:spTree>
       <p:nvGrpSpPr>
@@ -2950,131 +1486,21 @@
       </p:grpSpPr>
       <p:sp>
         <p:nvSpPr>
-          <p:cNvPr id="2" name="Date Placeholder 1"/>
-          <p:cNvSpPr>
-            <a:spLocks noGrp="1"/>
-          </p:cNvSpPr>
-          <p:nvPr>
-            <p:ph type="dt" sz="half" idx="10"/>
-          </p:nvPr>
-        </p:nvSpPr>
-        <p:spPr/>
-        <p:txBody>
-          <a:bodyPr/>
-          <a:lstStyle/>
-          <a:p>
-            <a:fld id="{66647F1F-0969-CE43-B0B4-C490EFFF920D}" type="datetimeFigureOut">
-              <a:rPr kumimoji="1" lang="zh-CN" altLang="en-US" smtClean="0"/>
-              <a:t>2016/12/19</a:t>
-            </a:fld>
-            <a:endParaRPr kumimoji="1" lang="zh-CN" altLang="en-US"/>
-          </a:p>
-        </p:txBody>
-      </p:sp>
-      <p:sp>
-        <p:nvSpPr>
-          <p:cNvPr id="3" name="Footer Placeholder 2"/>
-          <p:cNvSpPr>
-            <a:spLocks noGrp="1"/>
-          </p:cNvSpPr>
-          <p:nvPr>
-            <p:ph type="ftr" sz="quarter" idx="11"/>
-          </p:nvPr>
-        </p:nvSpPr>
-        <p:spPr/>
-        <p:txBody>
-          <a:bodyPr/>
-          <a:lstStyle/>
-          <a:p>
-            <a:endParaRPr kumimoji="1" lang="zh-CN" altLang="en-US"/>
-          </a:p>
-        </p:txBody>
-      </p:sp>
-      <p:sp>
-        <p:nvSpPr>
-          <p:cNvPr id="4" name="Slide Number Placeholder 3"/>
-          <p:cNvSpPr>
-            <a:spLocks noGrp="1"/>
-          </p:cNvSpPr>
-          <p:nvPr>
-            <p:ph type="sldNum" sz="quarter" idx="12"/>
-          </p:nvPr>
-        </p:nvSpPr>
-        <p:spPr/>
-        <p:txBody>
-          <a:bodyPr/>
-          <a:lstStyle/>
-          <a:p>
-            <a:fld id="{A9C74E81-92D3-EB44-8141-4E02ABA33A09}" type="slidenum">
-              <a:rPr kumimoji="1" lang="zh-CN" altLang="en-US" smtClean="0"/>
-              <a:t>‹#›</a:t>
-            </a:fld>
-            <a:endParaRPr kumimoji="1" lang="zh-CN" altLang="en-US"/>
-          </a:p>
-        </p:txBody>
-      </p:sp>
-    </p:spTree>
-    <p:extLst/>
-  </p:cSld>
-  <p:clrMapOvr>
-    <a:masterClrMapping/>
-  </p:clrMapOvr>
-</p:sldLayout>
-</file>
-
-<file path=ppt/slideLayouts/slideLayout8.xml><?xml version="1.0" encoding="utf-8"?>
-<p:sldLayout xmlns:a="http://schemas.openxmlformats.org/drawingml/2006/main" xmlns:r="http://schemas.openxmlformats.org/officeDocument/2006/relationships" xmlns:p="http://schemas.openxmlformats.org/presentationml/2006/main" showMasterSp="0" type="objTx" preserve="1">
-  <p:cSld name="内容与标题">
-    <p:spTree>
-      <p:nvGrpSpPr>
-        <p:cNvPr id="1" name=""/>
-        <p:cNvGrpSpPr/>
-        <p:nvPr/>
-      </p:nvGrpSpPr>
-      <p:grpSpPr>
-        <a:xfrm>
-          <a:off x="0" y="0"/>
-          <a:ext cx="0" cy="0"/>
-          <a:chOff x="0" y="0"/>
-          <a:chExt cx="0" cy="0"/>
-        </a:xfrm>
-      </p:grpSpPr>
-      <p:sp>
-        <p:nvSpPr>
-          <p:cNvPr id="8" name="Rectangle 7"/>
+          <p:cNvPr id="5" name="Rectangle 4"/>
           <p:cNvSpPr/>
           <p:nvPr/>
         </p:nvSpPr>
         <p:spPr>
           <a:xfrm>
-            <a:off x="6227806" y="1"/>
-            <a:ext cx="2916194" cy="6857999"/>
+            <a:off x="2382" y="6400800"/>
+            <a:ext cx="9141619" cy="457200"/>
           </a:xfrm>
           <a:prstGeom prst="rect">
             <a:avLst/>
           </a:prstGeom>
-          <a:blipFill dpi="0" rotWithShape="1">
-            <a:blip r:embed="rId2">
-              <a:alphaModFix amt="60000"/>
-              <a:lum bright="70000" contrast="-70000"/>
-              <a:extLst>
-                <a:ext uri="{BEBA8EAE-BF5A-486C-A8C5-ECC9F3942E4B}">
-                  <a14:imgProps xmlns:a14="http://schemas.microsoft.com/office/drawing/2010/main">
-                    <a14:imgLayer r:embed="rId3">
-                      <a14:imgEffect>
-                        <a14:sharpenSoften amount="61000"/>
-                      </a14:imgEffect>
-                    </a14:imgLayer>
-                  </a14:imgProps>
-                </a:ext>
-                <a:ext uri="{28A0092B-C50C-407E-A947-70E740481C1C}">
-                  <a14:useLocalDpi xmlns:a14="http://schemas.microsoft.com/office/drawing/2010/main" val="0"/>
-                </a:ext>
-              </a:extLst>
-            </a:blip>
-            <a:srcRect/>
-            <a:tile tx="0" ty="-704850" sx="92000" sy="89000" flip="xy" algn="ctr"/>
-          </a:blipFill>
+          <a:solidFill>
+            <a:schemeClr val="accent2"/>
+          </a:solidFill>
           <a:ln>
             <a:noFill/>
           </a:ln>
@@ -3095,505 +1521,24 @@
             <a:schemeClr val="lt1"/>
           </a:fontRef>
         </p:style>
-        <p:txBody>
-          <a:bodyPr rtlCol="0" anchor="ctr"/>
-          <a:lstStyle/>
-          <a:p>
-            <a:pPr algn="ctr"/>
-            <a:endParaRPr lang="en-US" dirty="0"/>
-          </a:p>
-        </p:txBody>
-      </p:sp>
-      <p:sp>
-        <p:nvSpPr>
-          <p:cNvPr id="2" name="Title 1"/>
-          <p:cNvSpPr>
-            <a:spLocks noGrp="1"/>
-          </p:cNvSpPr>
-          <p:nvPr>
-            <p:ph type="title"/>
-          </p:nvPr>
+      </p:sp>
+      <p:sp>
+        <p:nvSpPr>
+          <p:cNvPr id="6" name="Rectangle 5"/>
+          <p:cNvSpPr/>
+          <p:nvPr/>
         </p:nvSpPr>
         <p:spPr>
           <a:xfrm>
-            <a:off x="6412230" y="685800"/>
-            <a:ext cx="2400300" cy="1737360"/>
-          </a:xfrm>
-        </p:spPr>
-        <p:txBody>
-          <a:bodyPr anchor="b">
-            <a:normAutofit/>
-          </a:bodyPr>
-          <a:lstStyle>
-            <a:lvl1pPr>
-              <a:defRPr sz="2800" b="0"/>
-            </a:lvl1pPr>
-          </a:lstStyle>
-          <a:p>
-            <a:r>
-              <a:rPr lang="zh-CN" altLang="en-US" smtClean="0"/>
-              <a:t>单击此处编辑母版标题样式</a:t>
-            </a:r>
-            <a:endParaRPr lang="en-US" dirty="0"/>
-          </a:p>
-        </p:txBody>
-      </p:sp>
-      <p:sp>
-        <p:nvSpPr>
-          <p:cNvPr id="3" name="Content Placeholder 2"/>
-          <p:cNvSpPr>
-            <a:spLocks noGrp="1"/>
-          </p:cNvSpPr>
-          <p:nvPr>
-            <p:ph idx="1"/>
-          </p:nvPr>
-        </p:nvSpPr>
-        <p:spPr>
-          <a:xfrm>
-            <a:off x="628650" y="685800"/>
-            <a:ext cx="5033772" cy="5020056"/>
-          </a:xfrm>
-        </p:spPr>
-        <p:txBody>
-          <a:bodyPr/>
-          <a:lstStyle>
-            <a:lvl1pPr>
-              <a:defRPr sz="2000"/>
-            </a:lvl1pPr>
-            <a:lvl2pPr>
-              <a:defRPr sz="1800"/>
-            </a:lvl2pPr>
-            <a:lvl3pPr>
-              <a:defRPr sz="1600"/>
-            </a:lvl3pPr>
-            <a:lvl4pPr>
-              <a:defRPr sz="1600"/>
-            </a:lvl4pPr>
-            <a:lvl5pPr>
-              <a:defRPr sz="1600"/>
-            </a:lvl5pPr>
-            <a:lvl6pPr>
-              <a:defRPr sz="2000"/>
-            </a:lvl6pPr>
-            <a:lvl7pPr>
-              <a:defRPr sz="2000"/>
-            </a:lvl7pPr>
-            <a:lvl8pPr>
-              <a:defRPr sz="2000"/>
-            </a:lvl8pPr>
-            <a:lvl9pPr>
-              <a:defRPr sz="2000"/>
-            </a:lvl9pPr>
-          </a:lstStyle>
-          <a:p>
-            <a:pPr lvl="0"/>
-            <a:r>
-              <a:rPr lang="zh-CN" altLang="en-US" smtClean="0"/>
-              <a:t>单击此处编辑母版文本样式</a:t>
-            </a:r>
-          </a:p>
-          <a:p>
-            <a:pPr lvl="1"/>
-            <a:r>
-              <a:rPr lang="zh-CN" altLang="en-US" smtClean="0"/>
-              <a:t>二级</a:t>
-            </a:r>
-          </a:p>
-          <a:p>
-            <a:pPr lvl="2"/>
-            <a:r>
-              <a:rPr lang="zh-CN" altLang="en-US" smtClean="0"/>
-              <a:t>三级</a:t>
-            </a:r>
-          </a:p>
-          <a:p>
-            <a:pPr lvl="3"/>
-            <a:r>
-              <a:rPr lang="zh-CN" altLang="en-US" smtClean="0"/>
-              <a:t>四级</a:t>
-            </a:r>
-          </a:p>
-          <a:p>
-            <a:pPr lvl="4"/>
-            <a:r>
-              <a:rPr lang="zh-CN" altLang="en-US" smtClean="0"/>
-              <a:t>五级</a:t>
-            </a:r>
-            <a:endParaRPr lang="en-US" dirty="0"/>
-          </a:p>
-        </p:txBody>
-      </p:sp>
-      <p:sp>
-        <p:nvSpPr>
-          <p:cNvPr id="4" name="Text Placeholder 3"/>
-          <p:cNvSpPr>
-            <a:spLocks noGrp="1"/>
-          </p:cNvSpPr>
-          <p:nvPr>
-            <p:ph type="body" sz="half" idx="2"/>
-          </p:nvPr>
-        </p:nvSpPr>
-        <p:spPr>
-          <a:xfrm>
-            <a:off x="6412230" y="2423160"/>
-            <a:ext cx="2400300" cy="3291840"/>
-          </a:xfrm>
-        </p:spPr>
-        <p:txBody>
-          <a:bodyPr>
-            <a:normAutofit/>
-          </a:bodyPr>
-          <a:lstStyle>
-            <a:lvl1pPr marL="0" indent="0">
-              <a:lnSpc>
-                <a:spcPct val="100000"/>
-              </a:lnSpc>
-              <a:spcBef>
-                <a:spcPts val="1000"/>
-              </a:spcBef>
-              <a:buNone/>
-              <a:defRPr sz="1350">
-                <a:solidFill>
-                  <a:schemeClr val="accent1">
-                    <a:lumMod val="50000"/>
-                  </a:schemeClr>
-                </a:solidFill>
-              </a:defRPr>
-            </a:lvl1pPr>
-            <a:lvl2pPr marL="457200" indent="0">
-              <a:buNone/>
-              <a:defRPr sz="1200"/>
-            </a:lvl2pPr>
-            <a:lvl3pPr marL="914400" indent="0">
-              <a:buNone/>
-              <a:defRPr sz="1000"/>
-            </a:lvl3pPr>
-            <a:lvl4pPr marL="1371600" indent="0">
-              <a:buNone/>
-              <a:defRPr sz="900"/>
-            </a:lvl4pPr>
-            <a:lvl5pPr marL="1828800" indent="0">
-              <a:buNone/>
-              <a:defRPr sz="900"/>
-            </a:lvl5pPr>
-            <a:lvl6pPr marL="2286000" indent="0">
-              <a:buNone/>
-              <a:defRPr sz="900"/>
-            </a:lvl6pPr>
-            <a:lvl7pPr marL="2743200" indent="0">
-              <a:buNone/>
-              <a:defRPr sz="900"/>
-            </a:lvl7pPr>
-            <a:lvl8pPr marL="3200400" indent="0">
-              <a:buNone/>
-              <a:defRPr sz="900"/>
-            </a:lvl8pPr>
-            <a:lvl9pPr marL="3657600" indent="0">
-              <a:buNone/>
-              <a:defRPr sz="900"/>
-            </a:lvl9pPr>
-          </a:lstStyle>
-          <a:p>
-            <a:pPr lvl="0"/>
-            <a:r>
-              <a:rPr lang="zh-CN" altLang="en-US" smtClean="0"/>
-              <a:t>单击此处编辑母版文本样式</a:t>
-            </a:r>
-          </a:p>
-        </p:txBody>
-      </p:sp>
-      <p:grpSp>
-        <p:nvGrpSpPr>
-          <p:cNvPr id="12" name="Group 11"/>
-          <p:cNvGrpSpPr/>
-          <p:nvPr/>
-        </p:nvGrpSpPr>
-        <p:grpSpPr>
-          <a:xfrm>
-            <a:off x="8522664" y="6255258"/>
-            <a:ext cx="393192" cy="393192"/>
-            <a:chOff x="8532189" y="5068824"/>
-            <a:chExt cx="393192" cy="393192"/>
-          </a:xfrm>
-        </p:grpSpPr>
-        <p:sp>
-          <p:nvSpPr>
-            <p:cNvPr id="13" name="Oval 12"/>
-            <p:cNvSpPr>
-              <a:spLocks noChangeAspect="1"/>
-            </p:cNvSpPr>
-            <p:nvPr/>
-          </p:nvSpPr>
-          <p:spPr>
-            <a:xfrm>
-              <a:off x="8532189" y="5068824"/>
-              <a:ext cx="393192" cy="393192"/>
-            </a:xfrm>
-            <a:prstGeom prst="ellipse">
-              <a:avLst/>
-            </a:prstGeom>
-            <a:blipFill dpi="0" rotWithShape="1">
-              <a:blip r:embed="rId4">
-                <a:duotone>
-                  <a:schemeClr val="accent1">
-                    <a:shade val="45000"/>
-                    <a:satMod val="135000"/>
-                  </a:schemeClr>
-                  <a:prstClr val="white"/>
-                </a:duotone>
-                <a:extLst>
-                  <a:ext uri="{BEBA8EAE-BF5A-486C-A8C5-ECC9F3942E4B}">
-                    <a14:imgProps xmlns:a14="http://schemas.microsoft.com/office/drawing/2010/main">
-                      <a14:imgLayer r:embed="rId5">
-                        <a14:imgEffect>
-                          <a14:saturation sat="95000"/>
-                        </a14:imgEffect>
-                        <a14:imgEffect>
-                          <a14:brightnessContrast bright="-40000" contrast="20000"/>
-                        </a14:imgEffect>
-                      </a14:imgLayer>
-                    </a14:imgProps>
-                  </a:ext>
-                </a:extLst>
-              </a:blip>
-              <a:srcRect/>
-              <a:tile tx="50800" ty="0" sx="85000" sy="85000" flip="none" algn="tl"/>
-            </a:blipFill>
-            <a:ln w="25400" cap="flat" cmpd="sng" algn="ctr">
-              <a:noFill/>
-              <a:prstDash val="solid"/>
-            </a:ln>
-            <a:effectLst/>
-          </p:spPr>
-          <p:txBody>
-            <a:bodyPr lIns="0" tIns="0" rIns="0" bIns="0" rtlCol="0" anchor="ctr"/>
-            <a:lstStyle/>
-            <a:p>
-              <a:pPr marL="0" marR="0" lvl="0" indent="0" algn="ctr" defTabSz="914400" eaLnBrk="1" fontAlgn="auto" latinLnBrk="0" hangingPunct="1">
-                <a:lnSpc>
-                  <a:spcPct val="100000"/>
-                </a:lnSpc>
-                <a:spcBef>
-                  <a:spcPts val="0"/>
-                </a:spcBef>
-                <a:spcAft>
-                  <a:spcPts val="0"/>
-                </a:spcAft>
-                <a:buClrTx/>
-                <a:buSzTx/>
-                <a:buFontTx/>
-                <a:buNone/>
-                <a:tabLst/>
-                <a:defRPr/>
-              </a:pPr>
-              <a:endParaRPr kumimoji="0" lang="en-US" sz="2000" b="0" i="0" u="none" strike="noStrike" kern="0" cap="none" spc="0" normalizeH="0" baseline="0" noProof="0" dirty="0">
-                <a:ln>
-                  <a:noFill/>
-                </a:ln>
-                <a:solidFill>
-                  <a:prstClr val="white"/>
-                </a:solidFill>
-                <a:effectLst/>
-                <a:uLnTx/>
-                <a:uFillTx/>
-                <a:latin typeface="Rockwell Extra Bold" pitchFamily="18" charset="0"/>
-                <a:ea typeface="+mn-ea"/>
-                <a:cs typeface="+mn-cs"/>
-              </a:endParaRPr>
-            </a:p>
-          </p:txBody>
-        </p:sp>
-        <p:sp>
-          <p:nvSpPr>
-            <p:cNvPr id="14" name="Oval 13"/>
-            <p:cNvSpPr>
-              <a:spLocks noChangeAspect="1"/>
-            </p:cNvSpPr>
-            <p:nvPr/>
-          </p:nvSpPr>
-          <p:spPr>
-            <a:xfrm>
-              <a:off x="8568766" y="5105400"/>
-              <a:ext cx="320039" cy="320040"/>
-            </a:xfrm>
-            <a:prstGeom prst="ellipse">
-              <a:avLst/>
-            </a:prstGeom>
-            <a:noFill/>
-            <a:ln w="12700" cap="flat" cmpd="sng" algn="ctr">
-              <a:solidFill>
-                <a:srgbClr val="FFFFFF"/>
-              </a:solidFill>
-              <a:prstDash val="solid"/>
-            </a:ln>
-            <a:effectLst/>
-          </p:spPr>
-          <p:txBody>
-            <a:bodyPr rtlCol="0" anchor="ctr"/>
-            <a:lstStyle/>
-            <a:p>
-              <a:pPr marL="0" marR="0" lvl="0" indent="0" algn="ctr" defTabSz="914400" eaLnBrk="1" fontAlgn="auto" latinLnBrk="0" hangingPunct="1">
-                <a:lnSpc>
-                  <a:spcPct val="100000"/>
-                </a:lnSpc>
-                <a:spcBef>
-                  <a:spcPts val="0"/>
-                </a:spcBef>
-                <a:spcAft>
-                  <a:spcPts val="0"/>
-                </a:spcAft>
-                <a:buClrTx/>
-                <a:buSzTx/>
-                <a:buFontTx/>
-                <a:buNone/>
-                <a:tabLst/>
-                <a:defRPr/>
-              </a:pPr>
-              <a:endParaRPr kumimoji="0" lang="en-US" sz="1800" b="0" i="0" u="none" strike="noStrike" kern="0" cap="none" spc="0" normalizeH="0" baseline="0" noProof="0" dirty="0">
-                <a:ln>
-                  <a:noFill/>
-                </a:ln>
-                <a:solidFill>
-                  <a:prstClr val="white"/>
-                </a:solidFill>
-                <a:effectLst/>
-                <a:uLnTx/>
-                <a:uFillTx/>
-                <a:latin typeface="Calibri"/>
-                <a:ea typeface="+mn-ea"/>
-                <a:cs typeface="+mn-cs"/>
-              </a:endParaRPr>
-            </a:p>
-          </p:txBody>
-        </p:sp>
-      </p:grpSp>
-      <p:sp>
-        <p:nvSpPr>
-          <p:cNvPr id="9" name="Date Placeholder 8"/>
-          <p:cNvSpPr>
-            <a:spLocks noGrp="1"/>
-          </p:cNvSpPr>
-          <p:nvPr>
-            <p:ph type="dt" sz="half" idx="10"/>
-          </p:nvPr>
-        </p:nvSpPr>
-        <p:spPr/>
-        <p:txBody>
-          <a:bodyPr/>
-          <a:lstStyle/>
-          <a:p>
-            <a:fld id="{66647F1F-0969-CE43-B0B4-C490EFFF920D}" type="datetimeFigureOut">
-              <a:rPr kumimoji="1" lang="zh-CN" altLang="en-US" smtClean="0"/>
-              <a:t>2016/12/19</a:t>
-            </a:fld>
-            <a:endParaRPr kumimoji="1" lang="zh-CN" altLang="en-US"/>
-          </a:p>
-        </p:txBody>
-      </p:sp>
-      <p:sp>
-        <p:nvSpPr>
-          <p:cNvPr id="10" name="Footer Placeholder 9"/>
-          <p:cNvSpPr>
-            <a:spLocks noGrp="1"/>
-          </p:cNvSpPr>
-          <p:nvPr>
-            <p:ph type="ftr" sz="quarter" idx="11"/>
-          </p:nvPr>
-        </p:nvSpPr>
-        <p:spPr/>
-        <p:txBody>
-          <a:bodyPr/>
-          <a:lstStyle/>
-          <a:p>
-            <a:endParaRPr kumimoji="1" lang="zh-CN" altLang="en-US"/>
-          </a:p>
-        </p:txBody>
-      </p:sp>
-      <p:sp>
-        <p:nvSpPr>
-          <p:cNvPr id="11" name="Slide Number Placeholder 10"/>
-          <p:cNvSpPr>
-            <a:spLocks noGrp="1"/>
-          </p:cNvSpPr>
-          <p:nvPr>
-            <p:ph type="sldNum" sz="quarter" idx="12"/>
-          </p:nvPr>
-        </p:nvSpPr>
-        <p:spPr/>
-        <p:txBody>
-          <a:bodyPr/>
-          <a:lstStyle/>
-          <a:p>
-            <a:fld id="{A9C74E81-92D3-EB44-8141-4E02ABA33A09}" type="slidenum">
-              <a:rPr kumimoji="1" lang="zh-CN" altLang="en-US" smtClean="0"/>
-              <a:t>‹#›</a:t>
-            </a:fld>
-            <a:endParaRPr kumimoji="1" lang="zh-CN" altLang="en-US"/>
-          </a:p>
-        </p:txBody>
-      </p:sp>
-    </p:spTree>
-    <p:extLst/>
-  </p:cSld>
-  <p:clrMapOvr>
-    <a:masterClrMapping/>
-  </p:clrMapOvr>
-</p:sldLayout>
-</file>
-
-<file path=ppt/slideLayouts/slideLayout9.xml><?xml version="1.0" encoding="utf-8"?>
-<p:sldLayout xmlns:a="http://schemas.openxmlformats.org/drawingml/2006/main" xmlns:r="http://schemas.openxmlformats.org/officeDocument/2006/relationships" xmlns:p="http://schemas.openxmlformats.org/presentationml/2006/main" showMasterSp="0" type="picTx" preserve="1">
-  <p:cSld name="图片与标题">
-    <p:spTree>
-      <p:nvGrpSpPr>
-        <p:cNvPr id="1" name=""/>
-        <p:cNvGrpSpPr/>
-        <p:nvPr/>
-      </p:nvGrpSpPr>
-      <p:grpSpPr>
-        <a:xfrm>
-          <a:off x="0" y="0"/>
-          <a:ext cx="0" cy="0"/>
-          <a:chOff x="0" y="0"/>
-          <a:chExt cx="0" cy="0"/>
-        </a:xfrm>
-      </p:grpSpPr>
-      <p:sp>
-        <p:nvSpPr>
-          <p:cNvPr id="11" name="Rectangle 10"/>
-          <p:cNvSpPr/>
-          <p:nvPr/>
-        </p:nvSpPr>
-        <p:spPr>
-          <a:xfrm>
-            <a:off x="6227806" y="1"/>
-            <a:ext cx="2916194" cy="6857999"/>
+            <a:off x="12" y="6334316"/>
+            <a:ext cx="9141619" cy="64008"/>
           </a:xfrm>
           <a:prstGeom prst="rect">
             <a:avLst/>
           </a:prstGeom>
-          <a:blipFill dpi="0" rotWithShape="1">
-            <a:blip r:embed="rId2">
-              <a:alphaModFix amt="60000"/>
-              <a:lum bright="70000" contrast="-70000"/>
-              <a:extLst>
-                <a:ext uri="{BEBA8EAE-BF5A-486C-A8C5-ECC9F3942E4B}">
-                  <a14:imgProps xmlns:a14="http://schemas.microsoft.com/office/drawing/2010/main">
-                    <a14:imgLayer r:embed="rId3">
-                      <a14:imgEffect>
-                        <a14:sharpenSoften amount="61000"/>
-                      </a14:imgEffect>
-                    </a14:imgLayer>
-                  </a14:imgProps>
-                </a:ext>
-                <a:ext uri="{28A0092B-C50C-407E-A947-70E740481C1C}">
-                  <a14:useLocalDpi xmlns:a14="http://schemas.microsoft.com/office/drawing/2010/main" val="0"/>
-                </a:ext>
-              </a:extLst>
-            </a:blip>
-            <a:srcRect/>
-            <a:tile tx="0" ty="-704850" sx="92000" sy="89000" flip="xy" algn="ctr"/>
-          </a:blipFill>
+          <a:solidFill>
+            <a:schemeClr val="accent1"/>
+          </a:solidFill>
           <a:ln>
             <a:noFill/>
           </a:ln>
@@ -3614,367 +1559,10 @@
             <a:schemeClr val="lt1"/>
           </a:fontRef>
         </p:style>
-        <p:txBody>
-          <a:bodyPr rtlCol="0" anchor="ctr"/>
-          <a:lstStyle/>
-          <a:p>
-            <a:pPr algn="ctr"/>
-            <a:endParaRPr lang="en-US"/>
-          </a:p>
-        </p:txBody>
-      </p:sp>
-      <p:sp>
-        <p:nvSpPr>
-          <p:cNvPr id="2" name="Title 1"/>
-          <p:cNvSpPr>
-            <a:spLocks noGrp="1"/>
-          </p:cNvSpPr>
-          <p:nvPr>
-            <p:ph type="title"/>
-          </p:nvPr>
-        </p:nvSpPr>
-        <p:spPr>
-          <a:xfrm>
-            <a:off x="6412230" y="685800"/>
-            <a:ext cx="2400300" cy="1737360"/>
-          </a:xfrm>
-        </p:spPr>
-        <p:txBody>
-          <a:bodyPr anchor="b">
-            <a:normAutofit/>
-          </a:bodyPr>
-          <a:lstStyle>
-            <a:lvl1pPr>
-              <a:defRPr sz="2800" b="0"/>
-            </a:lvl1pPr>
-          </a:lstStyle>
-          <a:p>
-            <a:r>
-              <a:rPr lang="zh-CN" altLang="en-US" smtClean="0"/>
-              <a:t>单击此处编辑母版标题样式</a:t>
-            </a:r>
-            <a:endParaRPr lang="en-US" dirty="0"/>
-          </a:p>
-        </p:txBody>
-      </p:sp>
-      <p:sp>
-        <p:nvSpPr>
-          <p:cNvPr id="3" name="Picture Placeholder 2"/>
-          <p:cNvSpPr>
-            <a:spLocks noGrp="1"/>
-          </p:cNvSpPr>
-          <p:nvPr>
-            <p:ph type="pic" idx="1"/>
-          </p:nvPr>
-        </p:nvSpPr>
-        <p:spPr>
-          <a:xfrm>
-            <a:off x="0" y="0"/>
-            <a:ext cx="6227805" cy="6858000"/>
-          </a:xfrm>
-          <a:solidFill>
-            <a:schemeClr val="tx2">
-              <a:lumMod val="20000"/>
-              <a:lumOff val="80000"/>
-            </a:schemeClr>
-          </a:solidFill>
-        </p:spPr>
-        <p:txBody>
-          <a:bodyPr/>
-          <a:lstStyle>
-            <a:lvl1pPr marL="0" indent="0">
-              <a:buNone/>
-              <a:defRPr sz="3200"/>
-            </a:lvl1pPr>
-            <a:lvl2pPr marL="457200" indent="0">
-              <a:buNone/>
-              <a:defRPr sz="2800"/>
-            </a:lvl2pPr>
-            <a:lvl3pPr marL="914400" indent="0">
-              <a:buNone/>
-              <a:defRPr sz="2400"/>
-            </a:lvl3pPr>
-            <a:lvl4pPr marL="1371600" indent="0">
-              <a:buNone/>
-              <a:defRPr sz="2000"/>
-            </a:lvl4pPr>
-            <a:lvl5pPr marL="1828800" indent="0">
-              <a:buNone/>
-              <a:defRPr sz="2000"/>
-            </a:lvl5pPr>
-            <a:lvl6pPr marL="2286000" indent="0">
-              <a:buNone/>
-              <a:defRPr sz="2000"/>
-            </a:lvl6pPr>
-            <a:lvl7pPr marL="2743200" indent="0">
-              <a:buNone/>
-              <a:defRPr sz="2000"/>
-            </a:lvl7pPr>
-            <a:lvl8pPr marL="3200400" indent="0">
-              <a:buNone/>
-              <a:defRPr sz="2000"/>
-            </a:lvl8pPr>
-            <a:lvl9pPr marL="3657600" indent="0">
-              <a:buNone/>
-              <a:defRPr sz="2000"/>
-            </a:lvl9pPr>
-          </a:lstStyle>
-          <a:p>
-            <a:r>
-              <a:rPr lang="zh-CN" altLang="en-US" smtClean="0"/>
-              <a:t>将图片拖动到占位符，或单击添加图标</a:t>
-            </a:r>
-            <a:endParaRPr lang="en-US" dirty="0"/>
-          </a:p>
-        </p:txBody>
-      </p:sp>
-      <p:sp>
-        <p:nvSpPr>
-          <p:cNvPr id="4" name="Text Placeholder 3"/>
-          <p:cNvSpPr>
-            <a:spLocks noGrp="1"/>
-          </p:cNvSpPr>
-          <p:nvPr>
-            <p:ph type="body" sz="half" idx="2"/>
-          </p:nvPr>
-        </p:nvSpPr>
-        <p:spPr>
-          <a:xfrm>
-            <a:off x="6412230" y="2423160"/>
-            <a:ext cx="2400300" cy="3291840"/>
-          </a:xfrm>
-        </p:spPr>
-        <p:txBody>
-          <a:bodyPr>
-            <a:normAutofit/>
-          </a:bodyPr>
-          <a:lstStyle>
-            <a:lvl1pPr marL="0" indent="0">
-              <a:lnSpc>
-                <a:spcPct val="100000"/>
-              </a:lnSpc>
-              <a:spcBef>
-                <a:spcPts val="1000"/>
-              </a:spcBef>
-              <a:buNone/>
-              <a:defRPr sz="1350">
-                <a:solidFill>
-                  <a:schemeClr val="accent1">
-                    <a:lumMod val="50000"/>
-                  </a:schemeClr>
-                </a:solidFill>
-              </a:defRPr>
-            </a:lvl1pPr>
-            <a:lvl2pPr marL="457200" indent="0">
-              <a:buNone/>
-              <a:defRPr sz="1200"/>
-            </a:lvl2pPr>
-            <a:lvl3pPr marL="914400" indent="0">
-              <a:buNone/>
-              <a:defRPr sz="1000"/>
-            </a:lvl3pPr>
-            <a:lvl4pPr marL="1371600" indent="0">
-              <a:buNone/>
-              <a:defRPr sz="900"/>
-            </a:lvl4pPr>
-            <a:lvl5pPr marL="1828800" indent="0">
-              <a:buNone/>
-              <a:defRPr sz="900"/>
-            </a:lvl5pPr>
-            <a:lvl6pPr marL="2286000" indent="0">
-              <a:buNone/>
-              <a:defRPr sz="900"/>
-            </a:lvl6pPr>
-            <a:lvl7pPr marL="2743200" indent="0">
-              <a:buNone/>
-              <a:defRPr sz="900"/>
-            </a:lvl7pPr>
-            <a:lvl8pPr marL="3200400" indent="0">
-              <a:buNone/>
-              <a:defRPr sz="900"/>
-            </a:lvl8pPr>
-            <a:lvl9pPr marL="3657600" indent="0">
-              <a:buNone/>
-              <a:defRPr sz="900"/>
-            </a:lvl9pPr>
-          </a:lstStyle>
-          <a:p>
-            <a:pPr lvl="0"/>
-            <a:r>
-              <a:rPr lang="zh-CN" altLang="en-US" smtClean="0"/>
-              <a:t>单击此处编辑母版文本样式</a:t>
-            </a:r>
-          </a:p>
-        </p:txBody>
-      </p:sp>
-      <p:grpSp>
-        <p:nvGrpSpPr>
-          <p:cNvPr id="12" name="Group 11"/>
-          <p:cNvGrpSpPr/>
-          <p:nvPr/>
-        </p:nvGrpSpPr>
-        <p:grpSpPr>
-          <a:xfrm>
-            <a:off x="8522664" y="6255258"/>
-            <a:ext cx="393192" cy="393192"/>
-            <a:chOff x="8532189" y="5068824"/>
-            <a:chExt cx="393192" cy="393192"/>
-          </a:xfrm>
-        </p:grpSpPr>
-        <p:sp>
-          <p:nvSpPr>
-            <p:cNvPr id="13" name="Oval 12"/>
-            <p:cNvSpPr>
-              <a:spLocks noChangeAspect="1"/>
-            </p:cNvSpPr>
-            <p:nvPr/>
-          </p:nvSpPr>
-          <p:spPr>
-            <a:xfrm>
-              <a:off x="8532189" y="5068824"/>
-              <a:ext cx="393192" cy="393192"/>
-            </a:xfrm>
-            <a:prstGeom prst="ellipse">
-              <a:avLst/>
-            </a:prstGeom>
-            <a:blipFill dpi="0" rotWithShape="1">
-              <a:blip r:embed="rId4">
-                <a:duotone>
-                  <a:schemeClr val="accent1">
-                    <a:shade val="45000"/>
-                    <a:satMod val="135000"/>
-                  </a:schemeClr>
-                  <a:prstClr val="white"/>
-                </a:duotone>
-                <a:extLst>
-                  <a:ext uri="{BEBA8EAE-BF5A-486C-A8C5-ECC9F3942E4B}">
-                    <a14:imgProps xmlns:a14="http://schemas.microsoft.com/office/drawing/2010/main">
-                      <a14:imgLayer r:embed="rId5">
-                        <a14:imgEffect>
-                          <a14:saturation sat="95000"/>
-                        </a14:imgEffect>
-                        <a14:imgEffect>
-                          <a14:brightnessContrast bright="-40000" contrast="20000"/>
-                        </a14:imgEffect>
-                      </a14:imgLayer>
-                    </a14:imgProps>
-                  </a:ext>
-                </a:extLst>
-              </a:blip>
-              <a:srcRect/>
-              <a:tile tx="50800" ty="0" sx="85000" sy="85000" flip="none" algn="tl"/>
-            </a:blipFill>
-            <a:ln w="25400" cap="flat" cmpd="sng" algn="ctr">
-              <a:noFill/>
-              <a:prstDash val="solid"/>
-            </a:ln>
-            <a:effectLst/>
-          </p:spPr>
-          <p:txBody>
-            <a:bodyPr lIns="0" tIns="0" rIns="0" bIns="0" rtlCol="0" anchor="ctr"/>
-            <a:lstStyle/>
-            <a:p>
-              <a:pPr marL="0" marR="0" lvl="0" indent="0" algn="ctr" defTabSz="914400" eaLnBrk="1" fontAlgn="auto" latinLnBrk="0" hangingPunct="1">
-                <a:lnSpc>
-                  <a:spcPct val="100000"/>
-                </a:lnSpc>
-                <a:spcBef>
-                  <a:spcPts val="0"/>
-                </a:spcBef>
-                <a:spcAft>
-                  <a:spcPts val="0"/>
-                </a:spcAft>
-                <a:buClrTx/>
-                <a:buSzTx/>
-                <a:buFontTx/>
-                <a:buNone/>
-                <a:tabLst/>
-                <a:defRPr/>
-              </a:pPr>
-              <a:endParaRPr kumimoji="0" lang="en-US" sz="2000" b="0" i="0" u="none" strike="noStrike" kern="0" cap="none" spc="0" normalizeH="0" baseline="0" noProof="0" dirty="0">
-                <a:ln>
-                  <a:noFill/>
-                </a:ln>
-                <a:solidFill>
-                  <a:prstClr val="white"/>
-                </a:solidFill>
-                <a:effectLst/>
-                <a:uLnTx/>
-                <a:uFillTx/>
-                <a:latin typeface="Rockwell Extra Bold" pitchFamily="18" charset="0"/>
-                <a:ea typeface="+mn-ea"/>
-                <a:cs typeface="+mn-cs"/>
-              </a:endParaRPr>
-            </a:p>
-          </p:txBody>
-        </p:sp>
-        <p:sp>
-          <p:nvSpPr>
-            <p:cNvPr id="14" name="Oval 13"/>
-            <p:cNvSpPr>
-              <a:spLocks noChangeAspect="1"/>
-            </p:cNvSpPr>
-            <p:nvPr/>
-          </p:nvSpPr>
-          <p:spPr>
-            <a:xfrm>
-              <a:off x="8568766" y="5105400"/>
-              <a:ext cx="320039" cy="320040"/>
-            </a:xfrm>
-            <a:prstGeom prst="ellipse">
-              <a:avLst/>
-            </a:prstGeom>
-            <a:noFill/>
-            <a:ln w="12700" cap="flat" cmpd="sng" algn="ctr">
-              <a:solidFill>
-                <a:srgbClr val="FFFFFF"/>
-              </a:solidFill>
-              <a:prstDash val="solid"/>
-            </a:ln>
-            <a:effectLst/>
-          </p:spPr>
-          <p:txBody>
-            <a:bodyPr rtlCol="0" anchor="ctr"/>
-            <a:lstStyle/>
-            <a:p>
-              <a:pPr marL="0" marR="0" lvl="0" indent="0" algn="ctr" defTabSz="914400" eaLnBrk="1" fontAlgn="auto" latinLnBrk="0" hangingPunct="1">
-                <a:lnSpc>
-                  <a:spcPct val="100000"/>
-                </a:lnSpc>
-                <a:spcBef>
-                  <a:spcPts val="0"/>
-                </a:spcBef>
-                <a:spcAft>
-                  <a:spcPts val="0"/>
-                </a:spcAft>
-                <a:buClrTx/>
-                <a:buSzTx/>
-                <a:buFontTx/>
-                <a:buNone/>
-                <a:tabLst/>
-                <a:defRPr/>
-              </a:pPr>
-              <a:endParaRPr kumimoji="0" lang="en-US" sz="1800" b="0" i="0" u="none" strike="noStrike" kern="0" cap="none" spc="0" normalizeH="0" baseline="0" noProof="0" dirty="0">
-                <a:ln>
-                  <a:noFill/>
-                </a:ln>
-                <a:solidFill>
-                  <a:prstClr val="white"/>
-                </a:solidFill>
-                <a:effectLst/>
-                <a:uLnTx/>
-                <a:uFillTx/>
-                <a:latin typeface="Calibri"/>
-                <a:ea typeface="+mn-ea"/>
-                <a:cs typeface="+mn-cs"/>
-              </a:endParaRPr>
-            </a:p>
-          </p:txBody>
-        </p:sp>
-      </p:grpSp>
-      <p:sp>
-        <p:nvSpPr>
-          <p:cNvPr id="8" name="Date Placeholder 7"/>
+      </p:sp>
+      <p:sp>
+        <p:nvSpPr>
+          <p:cNvPr id="7" name="Date Placeholder 6"/>
           <p:cNvSpPr>
             <a:spLocks noGrp="1"/>
           </p:cNvSpPr>
@@ -3997,7 +1585,34 @@
       </p:sp>
       <p:sp>
         <p:nvSpPr>
-          <p:cNvPr id="10" name="Slide Number Placeholder 9"/>
+          <p:cNvPr id="8" name="Footer Placeholder 7"/>
+          <p:cNvSpPr>
+            <a:spLocks noGrp="1"/>
+          </p:cNvSpPr>
+          <p:nvPr>
+            <p:ph type="ftr" sz="quarter" idx="11"/>
+          </p:nvPr>
+        </p:nvSpPr>
+        <p:spPr/>
+        <p:txBody>
+          <a:bodyPr/>
+          <a:lstStyle>
+            <a:lvl1pPr>
+              <a:defRPr>
+                <a:solidFill>
+                  <a:srgbClr val="FFFFFF"/>
+                </a:solidFill>
+              </a:defRPr>
+            </a:lvl1pPr>
+          </a:lstStyle>
+          <a:p>
+            <a:endParaRPr kumimoji="1" lang="zh-CN" altLang="en-US"/>
+          </a:p>
+        </p:txBody>
+      </p:sp>
+      <p:sp>
+        <p:nvSpPr>
+          <p:cNvPr id="9" name="Slide Number Placeholder 8"/>
           <p:cNvSpPr>
             <a:spLocks noGrp="1"/>
           </p:cNvSpPr>
@@ -4018,12 +1633,59 @@
           </a:p>
         </p:txBody>
       </p:sp>
+      <p:sp>
+        <p:nvSpPr>
+          <p:cNvPr id="2" name="文本框 1"/>
+          <p:cNvSpPr txBox="1"/>
+          <p:nvPr/>
+        </p:nvSpPr>
+        <p:spPr>
+          <a:xfrm>
+            <a:off x="3429000" y="2576946"/>
+            <a:ext cx="1915909" cy="784830"/>
+          </a:xfrm>
+          <a:prstGeom prst="rect">
+            <a:avLst/>
+          </a:prstGeom>
+          <a:noFill/>
+        </p:spPr>
+        <p:txBody>
+          <a:bodyPr wrap="none" rtlCol="0">
+            <a:spAutoFit/>
+          </a:bodyPr>
+          <a:lstStyle/>
+          <a:p>
+            <a:r>
+              <a:rPr lang="zh-CN" altLang="en-US" sz="4500" dirty="0" smtClean="0">
+                <a:latin typeface="微软雅黑" panose="020B0503020204020204" pitchFamily="34" charset="-122"/>
+                <a:ea typeface="微软雅黑" panose="020B0503020204020204" pitchFamily="34" charset="-122"/>
+              </a:rPr>
+              <a:t>谢谢！</a:t>
+            </a:r>
+            <a:endParaRPr lang="zh-CN" altLang="en-US" sz="4500" dirty="0">
+              <a:latin typeface="微软雅黑" panose="020B0503020204020204" pitchFamily="34" charset="-122"/>
+              <a:ea typeface="微软雅黑" panose="020B0503020204020204" pitchFamily="34" charset="-122"/>
+            </a:endParaRPr>
+          </a:p>
+        </p:txBody>
+      </p:sp>
     </p:spTree>
-    <p:extLst/>
+    <p:extLst>
+      <p:ext uri="{BB962C8B-B14F-4D97-AF65-F5344CB8AC3E}">
+        <p14:creationId xmlns:p14="http://schemas.microsoft.com/office/powerpoint/2010/main" val="3952144791"/>
+      </p:ext>
+    </p:extLst>
   </p:cSld>
   <p:clrMapOvr>
     <a:masterClrMapping/>
   </p:clrMapOvr>
+  <p:timing>
+    <p:tnLst>
+      <p:par>
+        <p:cTn id="1" dur="indefinite" restart="never" nodeType="tmRoot"/>
+      </p:par>
+    </p:tnLst>
+  </p:timing>
 </p:sldLayout>
 </file>
 
@@ -4049,171 +1711,82 @@
           <a:chExt cx="0" cy="0"/>
         </a:xfrm>
       </p:grpSpPr>
-      <p:grpSp>
-        <p:nvGrpSpPr>
-          <p:cNvPr id="12" name="Group 11"/>
-          <p:cNvGrpSpPr/>
+      <p:sp>
+        <p:nvSpPr>
+          <p:cNvPr id="7" name="Rectangle 6"/>
+          <p:cNvSpPr/>
           <p:nvPr/>
-        </p:nvGrpSpPr>
-        <p:grpSpPr>
+        </p:nvSpPr>
+        <p:spPr>
           <a:xfrm>
-            <a:off x="8522664" y="6255258"/>
-            <a:ext cx="393192" cy="393192"/>
-            <a:chOff x="8532189" y="5068824"/>
-            <a:chExt cx="393192" cy="393192"/>
+            <a:off x="1" y="6400800"/>
+            <a:ext cx="9144000" cy="457200"/>
           </a:xfrm>
-        </p:grpSpPr>
-        <p:sp>
-          <p:nvSpPr>
-            <p:cNvPr id="8" name="Oval 7"/>
-            <p:cNvSpPr>
-              <a:spLocks noChangeAspect="1"/>
-            </p:cNvSpPr>
-            <p:nvPr/>
-          </p:nvSpPr>
-          <p:spPr>
-            <a:xfrm>
-              <a:off x="8532189" y="5068824"/>
-              <a:ext cx="393192" cy="393192"/>
-            </a:xfrm>
-            <a:prstGeom prst="ellipse">
-              <a:avLst/>
-            </a:prstGeom>
-            <a:blipFill dpi="0" rotWithShape="1">
-              <a:blip r:embed="rId13">
-                <a:duotone>
-                  <a:schemeClr val="accent1">
-                    <a:shade val="45000"/>
-                    <a:satMod val="135000"/>
-                  </a:schemeClr>
-                  <a:prstClr val="white"/>
-                </a:duotone>
-                <a:extLst>
-                  <a:ext uri="{BEBA8EAE-BF5A-486C-A8C5-ECC9F3942E4B}">
-                    <a14:imgProps xmlns:a14="http://schemas.microsoft.com/office/drawing/2010/main">
-                      <a14:imgLayer r:embed="rId14">
-                        <a14:imgEffect>
-                          <a14:saturation sat="95000"/>
-                        </a14:imgEffect>
-                        <a14:imgEffect>
-                          <a14:brightnessContrast bright="-40000" contrast="20000"/>
-                        </a14:imgEffect>
-                      </a14:imgLayer>
-                    </a14:imgProps>
-                  </a:ext>
-                </a:extLst>
-              </a:blip>
-              <a:srcRect/>
-              <a:tile tx="50800" ty="0" sx="85000" sy="85000" flip="none" algn="tl"/>
-            </a:blipFill>
-            <a:ln w="25400" cap="flat" cmpd="sng" algn="ctr">
-              <a:noFill/>
-              <a:prstDash val="solid"/>
-            </a:ln>
-            <a:effectLst/>
-          </p:spPr>
-          <p:txBody>
-            <a:bodyPr lIns="0" tIns="0" rIns="0" bIns="0" rtlCol="0" anchor="ctr"/>
-            <a:lstStyle/>
-            <a:p>
-              <a:pPr marL="0" marR="0" lvl="0" indent="0" algn="ctr" defTabSz="914400" eaLnBrk="1" fontAlgn="auto" latinLnBrk="0" hangingPunct="1">
-                <a:lnSpc>
-                  <a:spcPct val="100000"/>
-                </a:lnSpc>
-                <a:spcBef>
-                  <a:spcPts val="0"/>
-                </a:spcBef>
-                <a:spcAft>
-                  <a:spcPts val="0"/>
-                </a:spcAft>
-                <a:buClrTx/>
-                <a:buSzTx/>
-                <a:buFontTx/>
-                <a:buNone/>
-                <a:tabLst/>
-                <a:defRPr/>
-              </a:pPr>
-              <a:endParaRPr kumimoji="0" lang="en-US" sz="2000" b="0" i="0" u="none" strike="noStrike" kern="0" cap="none" spc="0" normalizeH="0" baseline="0" noProof="0" dirty="0">
-                <a:ln>
-                  <a:noFill/>
-                </a:ln>
-                <a:solidFill>
-                  <a:prstClr val="white"/>
-                </a:solidFill>
-                <a:effectLst/>
-                <a:uLnTx/>
-                <a:uFillTx/>
-                <a:latin typeface="Rockwell Extra Bold" pitchFamily="18" charset="0"/>
-                <a:ea typeface="+mn-ea"/>
-                <a:cs typeface="+mn-cs"/>
-              </a:endParaRPr>
-            </a:p>
-          </p:txBody>
-        </p:sp>
-        <p:sp>
-          <p:nvSpPr>
-            <p:cNvPr id="9" name="Oval 8"/>
-            <p:cNvSpPr>
-              <a:spLocks noChangeAspect="1"/>
-            </p:cNvSpPr>
-            <p:nvPr/>
-          </p:nvSpPr>
-          <p:spPr>
-            <a:xfrm>
-              <a:off x="8568766" y="5105400"/>
-              <a:ext cx="320039" cy="320040"/>
-            </a:xfrm>
-            <a:prstGeom prst="ellipse">
-              <a:avLst/>
-            </a:prstGeom>
+          <a:prstGeom prst="rect">
+            <a:avLst/>
+          </a:prstGeom>
+          <a:solidFill>
+            <a:schemeClr val="accent2"/>
+          </a:solidFill>
+          <a:ln>
             <a:noFill/>
-            <a:ln w="12700" cap="flat" cmpd="sng" algn="ctr">
-              <a:solidFill>
-                <a:srgbClr val="FFFFFF"/>
-              </a:solidFill>
-              <a:prstDash val="solid"/>
-            </a:ln>
-            <a:effectLst/>
-          </p:spPr>
-          <p:txBody>
-            <a:bodyPr rtlCol="0" anchor="ctr"/>
-            <a:lstStyle/>
-            <a:p>
-              <a:pPr marL="0" marR="0" lvl="0" indent="0" algn="ctr" defTabSz="914400" eaLnBrk="1" fontAlgn="auto" latinLnBrk="0" hangingPunct="1">
-                <a:lnSpc>
-                  <a:spcPct val="100000"/>
-                </a:lnSpc>
-                <a:spcBef>
-                  <a:spcPts val="0"/>
-                </a:spcBef>
-                <a:spcAft>
-                  <a:spcPts val="0"/>
-                </a:spcAft>
-                <a:buClrTx/>
-                <a:buSzTx/>
-                <a:buFontTx/>
-                <a:buNone/>
-                <a:tabLst/>
-                <a:defRPr/>
-              </a:pPr>
-              <a:endParaRPr kumimoji="0" lang="en-US" sz="1800" b="0" i="0" u="none" strike="noStrike" kern="0" cap="none" spc="0" normalizeH="0" baseline="0" noProof="0" dirty="0">
-                <a:ln>
-                  <a:noFill/>
-                </a:ln>
-                <a:solidFill>
-                  <a:prstClr val="white"/>
-                </a:solidFill>
-                <a:effectLst/>
-                <a:uLnTx/>
-                <a:uFillTx/>
-                <a:latin typeface="Calibri"/>
-                <a:ea typeface="+mn-ea"/>
-                <a:cs typeface="+mn-cs"/>
-              </a:endParaRPr>
-            </a:p>
-          </p:txBody>
-        </p:sp>
-      </p:grpSp>
+          </a:ln>
+        </p:spPr>
+        <p:style>
+          <a:lnRef idx="2">
+            <a:schemeClr val="accent1">
+              <a:shade val="50000"/>
+            </a:schemeClr>
+          </a:lnRef>
+          <a:fillRef idx="1">
+            <a:schemeClr val="accent1"/>
+          </a:fillRef>
+          <a:effectRef idx="0">
+            <a:schemeClr val="accent1"/>
+          </a:effectRef>
+          <a:fontRef idx="minor">
+            <a:schemeClr val="lt1"/>
+          </a:fontRef>
+        </p:style>
+      </p:sp>
+      <p:sp>
+        <p:nvSpPr>
+          <p:cNvPr id="9" name="Rectangle 8"/>
+          <p:cNvSpPr/>
+          <p:nvPr/>
+        </p:nvSpPr>
+        <p:spPr>
+          <a:xfrm>
+            <a:off x="0" y="6334316"/>
+            <a:ext cx="9144001" cy="65998"/>
+          </a:xfrm>
+          <a:prstGeom prst="rect">
+            <a:avLst/>
+          </a:prstGeom>
+          <a:solidFill>
+            <a:schemeClr val="accent1"/>
+          </a:solidFill>
+          <a:ln>
+            <a:noFill/>
+          </a:ln>
+        </p:spPr>
+        <p:style>
+          <a:lnRef idx="2">
+            <a:schemeClr val="accent1">
+              <a:shade val="50000"/>
+            </a:schemeClr>
+          </a:lnRef>
+          <a:fillRef idx="1">
+            <a:schemeClr val="accent1"/>
+          </a:fillRef>
+          <a:effectRef idx="0">
+            <a:schemeClr val="accent1"/>
+          </a:effectRef>
+          <a:fontRef idx="minor">
+            <a:schemeClr val="lt1"/>
+          </a:fontRef>
+        </p:style>
+      </p:sp>
       <p:sp>
         <p:nvSpPr>
           <p:cNvPr id="2" name="Title Placeholder 1"/>
@@ -4226,21 +1799,21 @@
         </p:nvSpPr>
         <p:spPr>
           <a:xfrm>
-            <a:off x="685800" y="484632"/>
-            <a:ext cx="7772400" cy="1609344"/>
+            <a:off x="822960" y="286604"/>
+            <a:ext cx="7543800" cy="1450757"/>
           </a:xfrm>
           <a:prstGeom prst="rect">
             <a:avLst/>
           </a:prstGeom>
         </p:spPr>
         <p:txBody>
-          <a:bodyPr vert="horz" lIns="91440" tIns="45720" rIns="91440" bIns="45720" rtlCol="0" anchor="ctr">
+          <a:bodyPr vert="horz" lIns="91440" tIns="45720" rIns="91440" bIns="45720" rtlCol="0" anchor="b">
             <a:normAutofit/>
           </a:bodyPr>
           <a:lstStyle/>
           <a:p>
             <a:r>
-              <a:rPr lang="zh-CN" altLang="en-US" smtClean="0"/>
+              <a:rPr lang="zh-CN" altLang="en-US" dirty="0" smtClean="0"/>
               <a:t>单击此处编辑母版标题样式</a:t>
             </a:r>
             <a:endParaRPr lang="en-US" dirty="0"/>
@@ -4259,51 +1832,51 @@
         </p:nvSpPr>
         <p:spPr>
           <a:xfrm>
-            <a:off x="685800" y="2121408"/>
-            <a:ext cx="7772400" cy="4050792"/>
+            <a:off x="822960" y="1845734"/>
+            <a:ext cx="7543800" cy="4023360"/>
           </a:xfrm>
           <a:prstGeom prst="rect">
             <a:avLst/>
           </a:prstGeom>
         </p:spPr>
         <p:txBody>
-          <a:bodyPr vert="horz" lIns="91440" tIns="45720" rIns="91440" bIns="45720" rtlCol="0">
+          <a:bodyPr vert="horz" lIns="0" tIns="45720" rIns="0" bIns="45720" rtlCol="0">
             <a:normAutofit/>
           </a:bodyPr>
           <a:lstStyle/>
           <a:p>
             <a:pPr lvl="0"/>
             <a:r>
-              <a:rPr lang="zh-CN" altLang="en-US" smtClean="0"/>
-              <a:t>单击此处编辑母版文本样式</a:t>
+              <a:rPr lang="zh-CN" altLang="en-US" dirty="0" smtClean="0"/>
+              <a:t>编辑母版文本样式</a:t>
             </a:r>
           </a:p>
           <a:p>
             <a:pPr lvl="1"/>
             <a:r>
-              <a:rPr lang="zh-CN" altLang="en-US" smtClean="0"/>
-              <a:t>二级</a:t>
+              <a:rPr lang="zh-CN" altLang="en-US" dirty="0" smtClean="0"/>
+              <a:t>第二级</a:t>
             </a:r>
           </a:p>
           <a:p>
             <a:pPr lvl="2"/>
             <a:r>
-              <a:rPr lang="zh-CN" altLang="en-US" smtClean="0"/>
-              <a:t>三级</a:t>
+              <a:rPr lang="zh-CN" altLang="en-US" dirty="0" smtClean="0"/>
+              <a:t>第三级</a:t>
             </a:r>
           </a:p>
           <a:p>
             <a:pPr lvl="3"/>
             <a:r>
-              <a:rPr lang="zh-CN" altLang="en-US" smtClean="0"/>
-              <a:t>四级</a:t>
+              <a:rPr lang="zh-CN" altLang="en-US" dirty="0" smtClean="0"/>
+              <a:t>第四级</a:t>
             </a:r>
           </a:p>
           <a:p>
             <a:pPr lvl="4"/>
             <a:r>
-              <a:rPr lang="zh-CN" altLang="en-US" smtClean="0"/>
-              <a:t>五级</a:t>
+              <a:rPr lang="zh-CN" altLang="en-US" dirty="0" smtClean="0"/>
+              <a:t>第五级</a:t>
             </a:r>
             <a:endParaRPr lang="en-US" dirty="0"/>
           </a:p>
@@ -4321,8 +1894,82 @@
         </p:nvSpPr>
         <p:spPr>
           <a:xfrm>
-            <a:off x="5992368" y="6272785"/>
-            <a:ext cx="2455164" cy="365125"/>
+            <a:off x="822961" y="6459786"/>
+            <a:ext cx="1854203" cy="365125"/>
+          </a:xfrm>
+          <a:prstGeom prst="rect">
+            <a:avLst/>
+          </a:prstGeom>
+        </p:spPr>
+        <p:txBody>
+          <a:bodyPr vert="horz" lIns="91440" tIns="45720" rIns="91440" bIns="45720" rtlCol="0" anchor="ctr"/>
+          <a:lstStyle>
+            <a:lvl1pPr algn="l">
+              <a:defRPr sz="675">
+                <a:solidFill>
+                  <a:srgbClr val="FFFFFF"/>
+                </a:solidFill>
+              </a:defRPr>
+            </a:lvl1pPr>
+          </a:lstStyle>
+          <a:p>
+            <a:fld id="{66647F1F-0969-CE43-B0B4-C490EFFF920D}" type="datetimeFigureOut">
+              <a:rPr kumimoji="1" lang="zh-CN" altLang="en-US" smtClean="0"/>
+              <a:t>2016/12/19</a:t>
+            </a:fld>
+            <a:endParaRPr kumimoji="1" lang="zh-CN" altLang="en-US"/>
+          </a:p>
+        </p:txBody>
+      </p:sp>
+      <p:sp>
+        <p:nvSpPr>
+          <p:cNvPr id="5" name="Footer Placeholder 4"/>
+          <p:cNvSpPr>
+            <a:spLocks noGrp="1"/>
+          </p:cNvSpPr>
+          <p:nvPr>
+            <p:ph type="ftr" sz="quarter" idx="3"/>
+          </p:nvPr>
+        </p:nvSpPr>
+        <p:spPr>
+          <a:xfrm>
+            <a:off x="2764639" y="6459786"/>
+            <a:ext cx="3617103" cy="365125"/>
+          </a:xfrm>
+          <a:prstGeom prst="rect">
+            <a:avLst/>
+          </a:prstGeom>
+        </p:spPr>
+        <p:txBody>
+          <a:bodyPr vert="horz" lIns="91440" tIns="45720" rIns="91440" bIns="45720" rtlCol="0" anchor="ctr"/>
+          <a:lstStyle>
+            <a:lvl1pPr algn="ctr">
+              <a:defRPr sz="675" cap="all" baseline="0">
+                <a:solidFill>
+                  <a:srgbClr val="FFFFFF"/>
+                </a:solidFill>
+              </a:defRPr>
+            </a:lvl1pPr>
+          </a:lstStyle>
+          <a:p>
+            <a:endParaRPr kumimoji="1" lang="zh-CN" altLang="en-US"/>
+          </a:p>
+        </p:txBody>
+      </p:sp>
+      <p:sp>
+        <p:nvSpPr>
+          <p:cNvPr id="6" name="Slide Number Placeholder 5"/>
+          <p:cNvSpPr>
+            <a:spLocks noGrp="1"/>
+          </p:cNvSpPr>
+          <p:nvPr>
+            <p:ph type="sldNum" sz="quarter" idx="4"/>
+          </p:nvPr>
+        </p:nvSpPr>
+        <p:spPr>
+          <a:xfrm>
+            <a:off x="7425344" y="6459786"/>
+            <a:ext cx="984019" cy="365125"/>
           </a:xfrm>
           <a:prstGeom prst="rect">
             <a:avLst/>
@@ -4332,89 +1979,10 @@
           <a:bodyPr vert="horz" lIns="91440" tIns="45720" rIns="91440" bIns="45720" rtlCol="0" anchor="ctr"/>
           <a:lstStyle>
             <a:lvl1pPr algn="r">
-              <a:defRPr sz="1000">
-                <a:solidFill>
-                  <a:schemeClr val="accent1">
-                    <a:lumMod val="50000"/>
-                  </a:schemeClr>
-                </a:solidFill>
-              </a:defRPr>
-            </a:lvl1pPr>
-          </a:lstStyle>
-          <a:p>
-            <a:fld id="{66647F1F-0969-CE43-B0B4-C490EFFF920D}" type="datetimeFigureOut">
-              <a:rPr kumimoji="1" lang="zh-CN" altLang="en-US" smtClean="0"/>
-              <a:t>2016/12/19</a:t>
-            </a:fld>
-            <a:endParaRPr kumimoji="1" lang="zh-CN" altLang="en-US"/>
-          </a:p>
-        </p:txBody>
-      </p:sp>
-      <p:sp>
-        <p:nvSpPr>
-          <p:cNvPr id="5" name="Footer Placeholder 4"/>
-          <p:cNvSpPr>
-            <a:spLocks noGrp="1"/>
-          </p:cNvSpPr>
-          <p:nvPr>
-            <p:ph type="ftr" sz="quarter" idx="3"/>
-          </p:nvPr>
-        </p:nvSpPr>
-        <p:spPr>
-          <a:xfrm>
-            <a:off x="685800" y="6272785"/>
-            <a:ext cx="4745736" cy="365125"/>
-          </a:xfrm>
-          <a:prstGeom prst="rect">
-            <a:avLst/>
-          </a:prstGeom>
-        </p:spPr>
-        <p:txBody>
-          <a:bodyPr vert="horz" lIns="91440" tIns="45720" rIns="91440" bIns="45720" rtlCol="0" anchor="ctr"/>
-          <a:lstStyle>
-            <a:lvl1pPr algn="l">
-              <a:defRPr sz="1000">
-                <a:solidFill>
-                  <a:schemeClr val="accent1">
-                    <a:lumMod val="50000"/>
-                  </a:schemeClr>
-                </a:solidFill>
-              </a:defRPr>
-            </a:lvl1pPr>
-          </a:lstStyle>
-          <a:p>
-            <a:endParaRPr kumimoji="1" lang="zh-CN" altLang="en-US"/>
-          </a:p>
-        </p:txBody>
-      </p:sp>
-      <p:sp>
-        <p:nvSpPr>
-          <p:cNvPr id="6" name="Slide Number Placeholder 5"/>
-          <p:cNvSpPr>
-            <a:spLocks noGrp="1"/>
-          </p:cNvSpPr>
-          <p:nvPr>
-            <p:ph type="sldNum" sz="quarter" idx="4"/>
-          </p:nvPr>
-        </p:nvSpPr>
-        <p:spPr>
-          <a:xfrm>
-            <a:off x="8483346" y="6272785"/>
-            <a:ext cx="480060" cy="365125"/>
-          </a:xfrm>
-          <a:prstGeom prst="rect">
-            <a:avLst/>
-          </a:prstGeom>
-        </p:spPr>
-        <p:txBody>
-          <a:bodyPr vert="horz" lIns="91440" tIns="45720" rIns="91440" bIns="45720" rtlCol="0" anchor="ctr"/>
-          <a:lstStyle>
-            <a:lvl1pPr algn="ctr">
-              <a:defRPr sz="1100" b="1" spc="-70" baseline="0">
+              <a:defRPr sz="788">
                 <a:solidFill>
                   <a:srgbClr val="FFFFFF"/>
                 </a:solidFill>
-                <a:latin typeface="+mn-lt"/>
               </a:defRPr>
             </a:lvl1pPr>
           </a:lstStyle>
@@ -4427,289 +1995,327 @@
           </a:p>
         </p:txBody>
       </p:sp>
+      <p:cxnSp>
+        <p:nvCxnSpPr>
+          <p:cNvPr id="10" name="Straight Connector 9"/>
+          <p:cNvCxnSpPr/>
+          <p:nvPr/>
+        </p:nvCxnSpPr>
+        <p:spPr>
+          <a:xfrm>
+            <a:off x="895149" y="1737845"/>
+            <a:ext cx="7475220" cy="0"/>
+          </a:xfrm>
+          <a:prstGeom prst="line">
+            <a:avLst/>
+          </a:prstGeom>
+          <a:ln w="6350">
+            <a:solidFill>
+              <a:schemeClr val="tx1">
+                <a:lumMod val="50000"/>
+                <a:lumOff val="50000"/>
+              </a:schemeClr>
+            </a:solidFill>
+          </a:ln>
+        </p:spPr>
+        <p:style>
+          <a:lnRef idx="1">
+            <a:schemeClr val="accent1"/>
+          </a:lnRef>
+          <a:fillRef idx="0">
+            <a:schemeClr val="accent1"/>
+          </a:fillRef>
+          <a:effectRef idx="0">
+            <a:schemeClr val="accent1"/>
+          </a:effectRef>
+          <a:fontRef idx="minor">
+            <a:schemeClr val="tx1"/>
+          </a:fontRef>
+        </p:style>
+      </p:cxnSp>
     </p:spTree>
     <p:extLst>
       <p:ext uri="{BB962C8B-B14F-4D97-AF65-F5344CB8AC3E}">
-        <p14:creationId xmlns:p14="http://schemas.microsoft.com/office/powerpoint/2010/main" val="1257729107"/>
+        <p14:creationId xmlns:p14="http://schemas.microsoft.com/office/powerpoint/2010/main" val="4184279308"/>
       </p:ext>
     </p:extLst>
   </p:cSld>
   <p:clrMap bg1="lt1" tx1="dk1" bg2="lt2" tx2="dk2" accent1="accent1" accent2="accent2" accent3="accent3" accent4="accent4" accent5="accent5" accent6="accent6" hlink="hlink" folHlink="folHlink"/>
   <p:sldLayoutIdLst>
-    <p:sldLayoutId id="2147483877" r:id="rId1"/>
-    <p:sldLayoutId id="2147483878" r:id="rId2"/>
-    <p:sldLayoutId id="2147483879" r:id="rId3"/>
-    <p:sldLayoutId id="2147483880" r:id="rId4"/>
-    <p:sldLayoutId id="2147483881" r:id="rId5"/>
-    <p:sldLayoutId id="2147483882" r:id="rId6"/>
-    <p:sldLayoutId id="2147483883" r:id="rId7"/>
-    <p:sldLayoutId id="2147483884" r:id="rId8"/>
-    <p:sldLayoutId id="2147483885" r:id="rId9"/>
-    <p:sldLayoutId id="2147483886" r:id="rId10"/>
-    <p:sldLayoutId id="2147483887" r:id="rId11"/>
+    <p:sldLayoutId id="2147483889" r:id="rId1"/>
+    <p:sldLayoutId id="2147483890" r:id="rId2"/>
+    <p:sldLayoutId id="2147483891" r:id="rId3"/>
+    <p:sldLayoutId id="2147483892" r:id="rId4"/>
   </p:sldLayoutIdLst>
+  <p:timing>
+    <p:tnLst>
+      <p:par>
+        <p:cTn id="1" dur="indefinite" restart="never" nodeType="tmRoot"/>
+      </p:par>
+    </p:tnLst>
+  </p:timing>
   <p:txStyles>
     <p:titleStyle>
-      <a:lvl1pPr algn="l" defTabSz="914400" rtl="0" eaLnBrk="1" latinLnBrk="0" hangingPunct="1">
+      <a:lvl1pPr algn="l" defTabSz="685800" rtl="0" eaLnBrk="1" latinLnBrk="0" hangingPunct="1">
         <a:lnSpc>
-          <a:spcPct val="90000"/>
+          <a:spcPct val="85000"/>
         </a:lnSpc>
         <a:spcBef>
           <a:spcPct val="0"/>
         </a:spcBef>
         <a:buNone/>
-        <a:defRPr sz="4200" b="0" kern="1200" cap="all" baseline="0">
-          <a:blipFill>
-            <a:blip r:embed="rId15">
-              <a:extLst>
-                <a:ext uri="{28A0092B-C50C-407E-A947-70E740481C1C}">
-                  <a14:useLocalDpi xmlns:a14="http://schemas.microsoft.com/office/drawing/2010/main" val="0"/>
-                </a:ext>
-              </a:extLst>
-            </a:blip>
-            <a:tile tx="6350" ty="-127000" sx="65000" sy="64000" flip="none" algn="tl"/>
-          </a:blipFill>
-          <a:latin typeface="+mj-lt"/>
-          <a:ea typeface="+mj-ea"/>
+        <a:defRPr sz="3600" kern="1200" spc="-38" baseline="0">
+          <a:solidFill>
+            <a:schemeClr val="tx1">
+              <a:lumMod val="75000"/>
+              <a:lumOff val="25000"/>
+            </a:schemeClr>
+          </a:solidFill>
+          <a:latin typeface="微软雅黑" panose="020B0503020204020204" pitchFamily="34" charset="-122"/>
+          <a:ea typeface="微软雅黑" panose="020B0503020204020204" pitchFamily="34" charset="-122"/>
           <a:cs typeface="+mj-cs"/>
         </a:defRPr>
       </a:lvl1pPr>
     </p:titleStyle>
     <p:bodyStyle>
-      <a:lvl1pPr marL="182880" indent="-182880" algn="l" defTabSz="914400" rtl="0" eaLnBrk="1" latinLnBrk="0" hangingPunct="1">
+      <a:lvl1pPr marL="68580" indent="-68580" algn="l" defTabSz="685800" rtl="0" eaLnBrk="1" latinLnBrk="0" hangingPunct="1">
         <a:lnSpc>
           <a:spcPct val="90000"/>
         </a:lnSpc>
         <a:spcBef>
-          <a:spcPts val="1200"/>
+          <a:spcPts val="900"/>
         </a:spcBef>
+        <a:spcAft>
+          <a:spcPts val="150"/>
+        </a:spcAft>
         <a:buClr>
-          <a:schemeClr val="accent1">
-            <a:lumMod val="75000"/>
-          </a:schemeClr>
+          <a:schemeClr val="accent1"/>
         </a:buClr>
-        <a:buSzPct val="85000"/>
-        <a:buFont typeface="Wingdings" pitchFamily="2" charset="2"/>
-        <a:buChar char="§"/>
-        <a:defRPr sz="2000" kern="1200">
+        <a:buSzPct val="100000"/>
+        <a:buFont typeface="Wingdings" panose="05000000000000000000" pitchFamily="2" charset="2"/>
+        <a:buChar char="l"/>
+        <a:defRPr sz="1800" kern="1200">
           <a:solidFill>
-            <a:schemeClr val="tx1"/>
+            <a:schemeClr val="tx1">
+              <a:lumMod val="75000"/>
+              <a:lumOff val="25000"/>
+            </a:schemeClr>
           </a:solidFill>
-          <a:latin typeface="+mn-lt"/>
-          <a:ea typeface="+mn-ea"/>
+          <a:latin typeface="微软雅黑" panose="020B0503020204020204" pitchFamily="34" charset="-122"/>
+          <a:ea typeface="微软雅黑" panose="020B0503020204020204" pitchFamily="34" charset="-122"/>
           <a:cs typeface="+mn-cs"/>
         </a:defRPr>
       </a:lvl1pPr>
-      <a:lvl2pPr marL="457200" indent="-182880" algn="l" defTabSz="914400" rtl="0" eaLnBrk="1" latinLnBrk="0" hangingPunct="1">
+      <a:lvl2pPr marL="288036" indent="-137160" algn="l" defTabSz="685800" rtl="0" eaLnBrk="1" latinLnBrk="0" hangingPunct="1">
         <a:lnSpc>
           <a:spcPct val="90000"/>
         </a:lnSpc>
         <a:spcBef>
-          <a:spcPts val="400"/>
+          <a:spcPts val="150"/>
         </a:spcBef>
         <a:spcAft>
-          <a:spcPts val="200"/>
+          <a:spcPts val="300"/>
         </a:spcAft>
         <a:buClr>
-          <a:schemeClr val="accent1">
-            <a:lumMod val="75000"/>
-          </a:schemeClr>
+          <a:schemeClr val="accent1"/>
         </a:buClr>
-        <a:buSzPct val="85000"/>
-        <a:buFont typeface="Wingdings" pitchFamily="2" charset="2"/>
-        <a:buChar char="§"/>
-        <a:defRPr sz="1800" kern="1200">
+        <a:buFont typeface="Calibri" pitchFamily="34" charset="0"/>
+        <a:buChar char="◦"/>
+        <a:defRPr sz="1500" kern="1200">
           <a:solidFill>
-            <a:schemeClr val="tx1"/>
+            <a:schemeClr val="tx1">
+              <a:lumMod val="75000"/>
+              <a:lumOff val="25000"/>
+            </a:schemeClr>
           </a:solidFill>
-          <a:latin typeface="+mn-lt"/>
-          <a:ea typeface="+mn-ea"/>
+          <a:latin typeface="微软雅黑" panose="020B0503020204020204" pitchFamily="34" charset="-122"/>
+          <a:ea typeface="微软雅黑" panose="020B0503020204020204" pitchFamily="34" charset="-122"/>
           <a:cs typeface="+mn-cs"/>
         </a:defRPr>
       </a:lvl2pPr>
-      <a:lvl3pPr marL="731520" indent="-182880" algn="l" defTabSz="914400" rtl="0" eaLnBrk="1" latinLnBrk="0" hangingPunct="1">
+      <a:lvl3pPr marL="425196" indent="-137160" algn="l" defTabSz="685800" rtl="0" eaLnBrk="1" latinLnBrk="0" hangingPunct="1">
         <a:lnSpc>
           <a:spcPct val="90000"/>
         </a:lnSpc>
         <a:spcBef>
-          <a:spcPts val="400"/>
+          <a:spcPts val="150"/>
         </a:spcBef>
         <a:spcAft>
-          <a:spcPts val="200"/>
+          <a:spcPts val="300"/>
         </a:spcAft>
         <a:buClr>
-          <a:schemeClr val="accent1">
-            <a:lumMod val="75000"/>
-          </a:schemeClr>
+          <a:schemeClr val="accent1"/>
         </a:buClr>
-        <a:buSzPct val="85000"/>
-        <a:buFont typeface="Wingdings" pitchFamily="2" charset="2"/>
-        <a:buChar char="§"/>
-        <a:defRPr sz="1600" kern="1200">
+        <a:buFont typeface="Calibri" pitchFamily="34" charset="0"/>
+        <a:buChar char="◦"/>
+        <a:defRPr sz="1200" kern="1200">
           <a:solidFill>
-            <a:schemeClr val="tx1"/>
+            <a:schemeClr val="tx1">
+              <a:lumMod val="75000"/>
+              <a:lumOff val="25000"/>
+            </a:schemeClr>
           </a:solidFill>
-          <a:latin typeface="+mn-lt"/>
-          <a:ea typeface="+mn-ea"/>
+          <a:latin typeface="微软雅黑" panose="020B0503020204020204" pitchFamily="34" charset="-122"/>
+          <a:ea typeface="微软雅黑" panose="020B0503020204020204" pitchFamily="34" charset="-122"/>
           <a:cs typeface="+mn-cs"/>
         </a:defRPr>
       </a:lvl3pPr>
-      <a:lvl4pPr marL="1005840" indent="-182880" algn="l" defTabSz="914400" rtl="0" eaLnBrk="1" latinLnBrk="0" hangingPunct="1">
+      <a:lvl4pPr marL="562356" indent="-137160" algn="l" defTabSz="685800" rtl="0" eaLnBrk="1" latinLnBrk="0" hangingPunct="1">
         <a:lnSpc>
           <a:spcPct val="90000"/>
         </a:lnSpc>
         <a:spcBef>
-          <a:spcPts val="400"/>
+          <a:spcPts val="150"/>
         </a:spcBef>
         <a:spcAft>
-          <a:spcPts val="200"/>
+          <a:spcPts val="300"/>
         </a:spcAft>
         <a:buClr>
-          <a:schemeClr val="accent1">
-            <a:lumMod val="75000"/>
-          </a:schemeClr>
+          <a:schemeClr val="accent1"/>
         </a:buClr>
-        <a:buSzPct val="85000"/>
-        <a:buFont typeface="Wingdings" pitchFamily="2" charset="2"/>
-        <a:buChar char="§"/>
-        <a:defRPr sz="1600" kern="1200">
+        <a:buFont typeface="Calibri" pitchFamily="34" charset="0"/>
+        <a:buChar char="◦"/>
+        <a:defRPr sz="1200" kern="1200">
           <a:solidFill>
-            <a:schemeClr val="tx1"/>
+            <a:schemeClr val="tx1">
+              <a:lumMod val="75000"/>
+              <a:lumOff val="25000"/>
+            </a:schemeClr>
           </a:solidFill>
-          <a:latin typeface="+mn-lt"/>
-          <a:ea typeface="+mn-ea"/>
+          <a:latin typeface="微软雅黑" panose="020B0503020204020204" pitchFamily="34" charset="-122"/>
+          <a:ea typeface="微软雅黑" panose="020B0503020204020204" pitchFamily="34" charset="-122"/>
           <a:cs typeface="+mn-cs"/>
         </a:defRPr>
       </a:lvl4pPr>
-      <a:lvl5pPr marL="1280160" indent="-182880" algn="l" defTabSz="914400" rtl="0" eaLnBrk="1" latinLnBrk="0" hangingPunct="1">
+      <a:lvl5pPr marL="699516" indent="-137160" algn="l" defTabSz="685800" rtl="0" eaLnBrk="1" latinLnBrk="0" hangingPunct="1">
         <a:lnSpc>
           <a:spcPct val="90000"/>
         </a:lnSpc>
         <a:spcBef>
-          <a:spcPts val="400"/>
+          <a:spcPts val="150"/>
         </a:spcBef>
         <a:spcAft>
-          <a:spcPts val="200"/>
+          <a:spcPts val="300"/>
         </a:spcAft>
         <a:buClr>
-          <a:schemeClr val="accent1">
-            <a:lumMod val="75000"/>
-          </a:schemeClr>
+          <a:schemeClr val="accent1"/>
         </a:buClr>
-        <a:buSzPct val="85000"/>
-        <a:buFont typeface="Wingdings" pitchFamily="2" charset="2"/>
-        <a:buChar char="§"/>
-        <a:defRPr sz="1600" kern="1200">
+        <a:buFont typeface="Calibri" pitchFamily="34" charset="0"/>
+        <a:buChar char="◦"/>
+        <a:defRPr sz="1200" kern="1200">
           <a:solidFill>
-            <a:schemeClr val="tx1"/>
+            <a:schemeClr val="tx1">
+              <a:lumMod val="75000"/>
+              <a:lumOff val="25000"/>
+            </a:schemeClr>
           </a:solidFill>
-          <a:latin typeface="+mn-lt"/>
-          <a:ea typeface="+mn-ea"/>
+          <a:latin typeface="微软雅黑" panose="020B0503020204020204" pitchFamily="34" charset="-122"/>
+          <a:ea typeface="微软雅黑" panose="020B0503020204020204" pitchFamily="34" charset="-122"/>
           <a:cs typeface="+mn-cs"/>
         </a:defRPr>
       </a:lvl5pPr>
-      <a:lvl6pPr marL="1600000" indent="-228600" algn="l" defTabSz="914400" rtl="0" eaLnBrk="1" latinLnBrk="0" hangingPunct="1">
+      <a:lvl6pPr marL="825000" indent="-171450" algn="l" defTabSz="685800" rtl="0" eaLnBrk="1" latinLnBrk="0" hangingPunct="1">
         <a:lnSpc>
           <a:spcPct val="90000"/>
         </a:lnSpc>
         <a:spcBef>
-          <a:spcPts val="400"/>
+          <a:spcPts val="150"/>
         </a:spcBef>
         <a:spcAft>
-          <a:spcPts val="200"/>
+          <a:spcPts val="300"/>
         </a:spcAft>
         <a:buClr>
-          <a:schemeClr val="accent1">
-            <a:lumMod val="75000"/>
-          </a:schemeClr>
+          <a:schemeClr val="accent1"/>
         </a:buClr>
-        <a:buSzPct val="85000"/>
-        <a:buFont typeface="Wingdings" pitchFamily="2" charset="2"/>
-        <a:buChar char="§"/>
-        <a:defRPr sz="1600" kern="1200">
+        <a:buFont typeface="Calibri" pitchFamily="34" charset="0"/>
+        <a:buChar char="◦"/>
+        <a:defRPr sz="1050" kern="1200">
           <a:solidFill>
-            <a:schemeClr val="tx1"/>
+            <a:schemeClr val="tx1">
+              <a:lumMod val="75000"/>
+              <a:lumOff val="25000"/>
+            </a:schemeClr>
           </a:solidFill>
           <a:latin typeface="+mn-lt"/>
           <a:ea typeface="+mn-ea"/>
           <a:cs typeface="+mn-cs"/>
         </a:defRPr>
       </a:lvl6pPr>
-      <a:lvl7pPr marL="1900000" indent="-228600" algn="l" defTabSz="914400" rtl="0" eaLnBrk="1" latinLnBrk="0" hangingPunct="1">
+      <a:lvl7pPr marL="975000" indent="-171450" algn="l" defTabSz="685800" rtl="0" eaLnBrk="1" latinLnBrk="0" hangingPunct="1">
         <a:lnSpc>
           <a:spcPct val="90000"/>
         </a:lnSpc>
         <a:spcBef>
-          <a:spcPts val="400"/>
+          <a:spcPts val="150"/>
         </a:spcBef>
         <a:spcAft>
-          <a:spcPts val="200"/>
+          <a:spcPts val="300"/>
         </a:spcAft>
         <a:buClr>
-          <a:schemeClr val="accent1">
-            <a:lumMod val="75000"/>
-          </a:schemeClr>
+          <a:schemeClr val="accent1"/>
         </a:buClr>
-        <a:buSzPct val="85000"/>
-        <a:buFont typeface="Wingdings" pitchFamily="2" charset="2"/>
-        <a:buChar char="§"/>
-        <a:defRPr sz="1600" kern="1200">
+        <a:buFont typeface="Calibri" pitchFamily="34" charset="0"/>
+        <a:buChar char="◦"/>
+        <a:defRPr sz="1050" kern="1200">
           <a:solidFill>
-            <a:schemeClr val="tx1"/>
+            <a:schemeClr val="tx1">
+              <a:lumMod val="75000"/>
+              <a:lumOff val="25000"/>
+            </a:schemeClr>
           </a:solidFill>
           <a:latin typeface="+mn-lt"/>
           <a:ea typeface="+mn-ea"/>
           <a:cs typeface="+mn-cs"/>
         </a:defRPr>
       </a:lvl7pPr>
-      <a:lvl8pPr marL="2200000" indent="-228600" algn="l" defTabSz="914400" rtl="0" eaLnBrk="1" latinLnBrk="0" hangingPunct="1">
+      <a:lvl8pPr marL="1125000" indent="-171450" algn="l" defTabSz="685800" rtl="0" eaLnBrk="1" latinLnBrk="0" hangingPunct="1">
         <a:lnSpc>
           <a:spcPct val="90000"/>
         </a:lnSpc>
         <a:spcBef>
-          <a:spcPts val="400"/>
+          <a:spcPts val="150"/>
         </a:spcBef>
         <a:spcAft>
-          <a:spcPts val="200"/>
+          <a:spcPts val="300"/>
         </a:spcAft>
         <a:buClr>
-          <a:schemeClr val="accent1">
-            <a:lumMod val="75000"/>
-          </a:schemeClr>
+          <a:schemeClr val="accent1"/>
         </a:buClr>
-        <a:buSzPct val="85000"/>
-        <a:buFont typeface="Wingdings" pitchFamily="2" charset="2"/>
-        <a:buChar char="§"/>
-        <a:defRPr sz="1600" kern="1200">
+        <a:buFont typeface="Calibri" pitchFamily="34" charset="0"/>
+        <a:buChar char="◦"/>
+        <a:defRPr sz="1050" kern="1200">
           <a:solidFill>
-            <a:schemeClr val="tx1"/>
+            <a:schemeClr val="tx1">
+              <a:lumMod val="75000"/>
+              <a:lumOff val="25000"/>
+            </a:schemeClr>
           </a:solidFill>
           <a:latin typeface="+mn-lt"/>
           <a:ea typeface="+mn-ea"/>
           <a:cs typeface="+mn-cs"/>
         </a:defRPr>
       </a:lvl8pPr>
-      <a:lvl9pPr marL="2500000" indent="-228600" algn="l" defTabSz="914400" rtl="0" eaLnBrk="1" latinLnBrk="0" hangingPunct="1">
+      <a:lvl9pPr marL="1275000" indent="-171450" algn="l" defTabSz="685800" rtl="0" eaLnBrk="1" latinLnBrk="0" hangingPunct="1">
         <a:lnSpc>
           <a:spcPct val="90000"/>
         </a:lnSpc>
         <a:spcBef>
-          <a:spcPts val="400"/>
+          <a:spcPts val="150"/>
         </a:spcBef>
         <a:spcAft>
-          <a:spcPts val="200"/>
+          <a:spcPts val="300"/>
         </a:spcAft>
         <a:buClr>
-          <a:schemeClr val="accent1">
-            <a:lumMod val="75000"/>
-          </a:schemeClr>
+          <a:schemeClr val="accent1"/>
         </a:buClr>
-        <a:buSzPct val="85000"/>
-        <a:buFont typeface="Wingdings" pitchFamily="2" charset="2"/>
-        <a:buChar char="§"/>
-        <a:defRPr sz="1600" kern="1200">
+        <a:buFont typeface="Calibri" pitchFamily="34" charset="0"/>
+        <a:buChar char="◦"/>
+        <a:defRPr sz="1050" kern="1200">
           <a:solidFill>
-            <a:schemeClr val="tx1"/>
+            <a:schemeClr val="tx1">
+              <a:lumMod val="75000"/>
+              <a:lumOff val="25000"/>
+            </a:schemeClr>
           </a:solidFill>
           <a:latin typeface="+mn-lt"/>
           <a:ea typeface="+mn-ea"/>
@@ -4721,8 +2327,8 @@
       <a:defPPr>
         <a:defRPr lang="en-US"/>
       </a:defPPr>
-      <a:lvl1pPr marL="0" algn="l" defTabSz="914400" rtl="0" eaLnBrk="1" latinLnBrk="0" hangingPunct="1">
-        <a:defRPr sz="1800" kern="1200">
+      <a:lvl1pPr marL="0" algn="l" defTabSz="685800" rtl="0" eaLnBrk="1" latinLnBrk="0" hangingPunct="1">
+        <a:defRPr sz="1350" kern="1200">
           <a:solidFill>
             <a:schemeClr val="tx1"/>
           </a:solidFill>
@@ -4731,8 +2337,8 @@
           <a:cs typeface="+mn-cs"/>
         </a:defRPr>
       </a:lvl1pPr>
-      <a:lvl2pPr marL="457200" algn="l" defTabSz="914400" rtl="0" eaLnBrk="1" latinLnBrk="0" hangingPunct="1">
-        <a:defRPr sz="1800" kern="1200">
+      <a:lvl2pPr marL="342900" algn="l" defTabSz="685800" rtl="0" eaLnBrk="1" latinLnBrk="0" hangingPunct="1">
+        <a:defRPr sz="1350" kern="1200">
           <a:solidFill>
             <a:schemeClr val="tx1"/>
           </a:solidFill>
@@ -4741,8 +2347,8 @@
           <a:cs typeface="+mn-cs"/>
         </a:defRPr>
       </a:lvl2pPr>
-      <a:lvl3pPr marL="914400" algn="l" defTabSz="914400" rtl="0" eaLnBrk="1" latinLnBrk="0" hangingPunct="1">
-        <a:defRPr sz="1800" kern="1200">
+      <a:lvl3pPr marL="685800" algn="l" defTabSz="685800" rtl="0" eaLnBrk="1" latinLnBrk="0" hangingPunct="1">
+        <a:defRPr sz="1350" kern="1200">
           <a:solidFill>
             <a:schemeClr val="tx1"/>
           </a:solidFill>
@@ -4751,8 +2357,8 @@
           <a:cs typeface="+mn-cs"/>
         </a:defRPr>
       </a:lvl3pPr>
-      <a:lvl4pPr marL="1371600" algn="l" defTabSz="914400" rtl="0" eaLnBrk="1" latinLnBrk="0" hangingPunct="1">
-        <a:defRPr sz="1800" kern="1200">
+      <a:lvl4pPr marL="1028700" algn="l" defTabSz="685800" rtl="0" eaLnBrk="1" latinLnBrk="0" hangingPunct="1">
+        <a:defRPr sz="1350" kern="1200">
           <a:solidFill>
             <a:schemeClr val="tx1"/>
           </a:solidFill>
@@ -4761,8 +2367,8 @@
           <a:cs typeface="+mn-cs"/>
         </a:defRPr>
       </a:lvl4pPr>
-      <a:lvl5pPr marL="1828800" algn="l" defTabSz="914400" rtl="0" eaLnBrk="1" latinLnBrk="0" hangingPunct="1">
-        <a:defRPr sz="1800" kern="1200">
+      <a:lvl5pPr marL="1371600" algn="l" defTabSz="685800" rtl="0" eaLnBrk="1" latinLnBrk="0" hangingPunct="1">
+        <a:defRPr sz="1350" kern="1200">
           <a:solidFill>
             <a:schemeClr val="tx1"/>
           </a:solidFill>
@@ -4771,8 +2377,8 @@
           <a:cs typeface="+mn-cs"/>
         </a:defRPr>
       </a:lvl5pPr>
-      <a:lvl6pPr marL="2286000" algn="l" defTabSz="914400" rtl="0" eaLnBrk="1" latinLnBrk="0" hangingPunct="1">
-        <a:defRPr sz="1800" kern="1200">
+      <a:lvl6pPr marL="1714500" algn="l" defTabSz="685800" rtl="0" eaLnBrk="1" latinLnBrk="0" hangingPunct="1">
+        <a:defRPr sz="1350" kern="1200">
           <a:solidFill>
             <a:schemeClr val="tx1"/>
           </a:solidFill>
@@ -4781,8 +2387,8 @@
           <a:cs typeface="+mn-cs"/>
         </a:defRPr>
       </a:lvl6pPr>
-      <a:lvl7pPr marL="2743200" algn="l" defTabSz="914400" rtl="0" eaLnBrk="1" latinLnBrk="0" hangingPunct="1">
-        <a:defRPr sz="1800" kern="1200">
+      <a:lvl7pPr marL="2057400" algn="l" defTabSz="685800" rtl="0" eaLnBrk="1" latinLnBrk="0" hangingPunct="1">
+        <a:defRPr sz="1350" kern="1200">
           <a:solidFill>
             <a:schemeClr val="tx1"/>
           </a:solidFill>
@@ -4791,8 +2397,8 @@
           <a:cs typeface="+mn-cs"/>
         </a:defRPr>
       </a:lvl7pPr>
-      <a:lvl8pPr marL="3200400" algn="l" defTabSz="914400" rtl="0" eaLnBrk="1" latinLnBrk="0" hangingPunct="1">
-        <a:defRPr sz="1800" kern="1200">
+      <a:lvl8pPr marL="2400300" algn="l" defTabSz="685800" rtl="0" eaLnBrk="1" latinLnBrk="0" hangingPunct="1">
+        <a:defRPr sz="1350" kern="1200">
           <a:solidFill>
             <a:schemeClr val="tx1"/>
           </a:solidFill>
@@ -4801,8 +2407,8 @@
           <a:cs typeface="+mn-cs"/>
         </a:defRPr>
       </a:lvl8pPr>
-      <a:lvl9pPr marL="3657600" algn="l" defTabSz="914400" rtl="0" eaLnBrk="1" latinLnBrk="0" hangingPunct="1">
-        <a:defRPr sz="1800" kern="1200">
+      <a:lvl9pPr marL="2743200" algn="l" defTabSz="685800" rtl="0" eaLnBrk="1" latinLnBrk="0" hangingPunct="1">
+        <a:defRPr sz="1350" kern="1200">
           <a:solidFill>
             <a:schemeClr val="tx1"/>
           </a:solidFill>
@@ -6168,8 +3774,8 @@
         </p:blipFill>
         <p:spPr>
           <a:xfrm>
-            <a:off x="1236488" y="2120900"/>
-            <a:ext cx="6671024" cy="4051300"/>
+            <a:off x="1282239" y="1846263"/>
+            <a:ext cx="6623972" cy="4022725"/>
           </a:xfrm>
           <a:prstGeom prst="rect">
             <a:avLst/>
@@ -6259,8 +3865,8 @@
         </p:blipFill>
         <p:spPr>
           <a:xfrm>
-            <a:off x="1236488" y="2120900"/>
-            <a:ext cx="6671024" cy="4051300"/>
+            <a:off x="1282239" y="1846263"/>
+            <a:ext cx="6623972" cy="4022725"/>
           </a:xfrm>
           <a:prstGeom prst="rect">
             <a:avLst/>
@@ -6350,8 +3956,8 @@
         </p:blipFill>
         <p:spPr>
           <a:xfrm>
-            <a:off x="1241258" y="2120900"/>
-            <a:ext cx="6661484" cy="4051300"/>
+            <a:off x="1286976" y="1846263"/>
+            <a:ext cx="6614498" cy="4022725"/>
           </a:xfrm>
           <a:prstGeom prst="rect">
             <a:avLst/>
@@ -6441,8 +4047,8 @@
         </p:blipFill>
         <p:spPr>
           <a:xfrm>
-            <a:off x="1236488" y="2120900"/>
-            <a:ext cx="6671024" cy="4051300"/>
+            <a:off x="1282239" y="1846263"/>
+            <a:ext cx="6623972" cy="4022725"/>
           </a:xfrm>
           <a:prstGeom prst="rect">
             <a:avLst/>
@@ -6532,8 +4138,8 @@
         </p:blipFill>
         <p:spPr>
           <a:xfrm>
-            <a:off x="1236488" y="2120900"/>
-            <a:ext cx="6671024" cy="4051300"/>
+            <a:off x="1282239" y="1846263"/>
+            <a:ext cx="6623972" cy="4022725"/>
           </a:xfrm>
           <a:prstGeom prst="rect">
             <a:avLst/>
@@ -6623,8 +4229,8 @@
         </p:blipFill>
         <p:spPr>
           <a:xfrm>
-            <a:off x="1236488" y="2120900"/>
-            <a:ext cx="6671024" cy="4051300"/>
+            <a:off x="1282239" y="1846263"/>
+            <a:ext cx="6623972" cy="4022725"/>
           </a:xfrm>
           <a:prstGeom prst="rect">
             <a:avLst/>
@@ -6825,9 +4431,31 @@
           <a:bodyPr/>
           <a:lstStyle/>
           <a:p>
-            <a:r>
-              <a:rPr kumimoji="1" lang="zh-CN" altLang="en-US" dirty="0" smtClean="0"/>
-              <a:t>史默臻</a:t>
+            <a:pPr marL="0" indent="0">
+              <a:buNone/>
+            </a:pPr>
+            <a:r>
+              <a:rPr lang="zh-CN" altLang="en-US" dirty="0"/>
+              <a:t>项目地址：</a:t>
+            </a:r>
+            <a:r>
+              <a:rPr lang="en-US" altLang="zh-CN" dirty="0"/>
+              <a:t>https://</a:t>
+            </a:r>
+            <a:r>
+              <a:rPr lang="en-US" altLang="zh-CN" dirty="0" smtClean="0"/>
+              <a:t>github.com/swordghost/Css-tracker</a:t>
+            </a:r>
+            <a:endParaRPr kumimoji="1" lang="en-US" altLang="zh-CN" dirty="0" smtClean="0"/>
+          </a:p>
+          <a:p>
+            <a:r>
+              <a:rPr kumimoji="1" lang="zh-CN" altLang="en-US" dirty="0" smtClean="0"/>
+              <a:t>史</a:t>
+            </a:r>
+            <a:r>
+              <a:rPr kumimoji="1" lang="zh-CN" altLang="en-US" dirty="0" smtClean="0"/>
+              <a:t>默臻</a:t>
             </a:r>
             <a:endParaRPr kumimoji="1" lang="en-US" altLang="zh-CN" dirty="0" smtClean="0"/>
           </a:p>
@@ -6877,11 +4505,7 @@
             <a:pPr lvl="1"/>
             <a:r>
               <a:rPr kumimoji="1" lang="zh-CN" altLang="en-US" dirty="0" smtClean="0"/>
-              <a:t>算法设计，测试用例</a:t>
-            </a:r>
-            <a:r>
-              <a:rPr kumimoji="1" lang="zh-CN" altLang="en-US" dirty="0" smtClean="0"/>
-              <a:t>创建</a:t>
+              <a:t>算法设计，测试用例创建</a:t>
             </a:r>
             <a:endParaRPr kumimoji="1" lang="en-US" altLang="zh-CN" dirty="0" smtClean="0"/>
           </a:p>
@@ -6904,6 +4528,36 @@
       </p:par>
     </p:tnLst>
   </p:timing>
+</p:sld>
+</file>
+
+<file path=ppt/slides/slide21.xml><?xml version="1.0" encoding="utf-8"?>
+<p:sld xmlns:a="http://schemas.openxmlformats.org/drawingml/2006/main" xmlns:r="http://schemas.openxmlformats.org/officeDocument/2006/relationships" xmlns:p="http://schemas.openxmlformats.org/presentationml/2006/main">
+  <p:cSld>
+    <p:spTree>
+      <p:nvGrpSpPr>
+        <p:cNvPr id="1" name=""/>
+        <p:cNvGrpSpPr/>
+        <p:nvPr/>
+      </p:nvGrpSpPr>
+      <p:grpSpPr>
+        <a:xfrm>
+          <a:off x="0" y="0"/>
+          <a:ext cx="0" cy="0"/>
+          <a:chOff x="0" y="0"/>
+          <a:chExt cx="0" cy="0"/>
+        </a:xfrm>
+      </p:grpSpPr>
+    </p:spTree>
+    <p:extLst>
+      <p:ext uri="{BB962C8B-B14F-4D97-AF65-F5344CB8AC3E}">
+        <p14:creationId xmlns:p14="http://schemas.microsoft.com/office/powerpoint/2010/main" val="2647311315"/>
+      </p:ext>
+    </p:extLst>
+  </p:cSld>
+  <p:clrMapOvr>
+    <a:masterClrMapping/>
+  </p:clrMapOvr>
 </p:sld>
 </file>
 
@@ -7732,11 +5386,7 @@
             </a:r>
             <a:r>
               <a:rPr lang="zh-CN" altLang="en-US" dirty="0" smtClean="0"/>
-              <a:t>中显示，并能借此跳转到对应文件</a:t>
-            </a:r>
-            <a:r>
-              <a:rPr lang="zh-CN" altLang="en-US" dirty="0" smtClean="0"/>
-              <a:t>中</a:t>
+              <a:t>中显示，并能借此跳转到对应文件中</a:t>
             </a:r>
             <a:endParaRPr lang="en-US" altLang="zh-CN" dirty="0" smtClean="0"/>
           </a:p>
@@ -7748,33 +5398,8 @@
             </a:r>
             <a:r>
               <a:rPr lang="en-US" altLang="zh-CN" dirty="0"/>
-              <a:t>https://</a:t>
-            </a:r>
-            <a:r>
-              <a:rPr lang="en-US" altLang="zh-CN" dirty="0" err="1"/>
-              <a:t>github.com</a:t>
-            </a:r>
-            <a:r>
-              <a:rPr lang="en-US" altLang="zh-CN" dirty="0"/>
-              <a:t>/</a:t>
-            </a:r>
-            <a:r>
-              <a:rPr lang="en-US" altLang="zh-CN" dirty="0" err="1"/>
-              <a:t>swordghost</a:t>
-            </a:r>
-            <a:r>
-              <a:rPr lang="en-US" altLang="zh-CN" dirty="0"/>
-              <a:t>/</a:t>
-            </a:r>
-            <a:r>
-              <a:rPr lang="en-US" altLang="zh-CN" dirty="0" err="1"/>
-              <a:t>Css</a:t>
-            </a:r>
-            <a:r>
-              <a:rPr lang="en-US" altLang="zh-CN"/>
-              <a:t>-tracker</a:t>
-            </a:r>
-            <a:endParaRPr lang="en-US" altLang="zh-CN" dirty="0"/>
+              <a:t>https://github.com/swordghost/Css-tracker</a:t>
+            </a:r>
           </a:p>
         </p:txBody>
       </p:sp>
@@ -7851,7 +5476,7 @@
         <p:spPr/>
         <p:txBody>
           <a:bodyPr>
-            <a:normAutofit lnSpcReduction="10000"/>
+            <a:normAutofit/>
           </a:bodyPr>
           <a:lstStyle/>
           <a:p>
@@ -8331,96 +5956,58 @@
 </file>
 
 <file path=ppt/theme/theme1.xml><?xml version="1.0" encoding="utf-8"?>
-<a:theme xmlns:a="http://schemas.openxmlformats.org/drawingml/2006/main" name="木活字">
+<a:theme xmlns:a="http://schemas.openxmlformats.org/drawingml/2006/main" name="展示_史默臻">
   <a:themeElements>
-    <a:clrScheme name="木活字">
+    <a:clrScheme name="回顾">
       <a:dk1>
-        <a:sysClr val="windowText" lastClr="000000"/>
+        <a:srgbClr val="000000"/>
       </a:dk1>
       <a:lt1>
         <a:sysClr val="window" lastClr="FFFFFF"/>
       </a:lt1>
       <a:dk2>
-        <a:srgbClr val="696464"/>
+        <a:srgbClr val="637052"/>
       </a:dk2>
       <a:lt2>
-        <a:srgbClr val="E9E5DC"/>
+        <a:srgbClr val="CCDDEA"/>
       </a:lt2>
       <a:accent1>
-        <a:srgbClr val="D34817"/>
+        <a:srgbClr val="E48312"/>
       </a:accent1>
       <a:accent2>
-        <a:srgbClr val="9B2D1F"/>
+        <a:srgbClr val="BD582C"/>
       </a:accent2>
       <a:accent3>
-        <a:srgbClr val="A28E6A"/>
+        <a:srgbClr val="865640"/>
       </a:accent3>
       <a:accent4>
-        <a:srgbClr val="956251"/>
+        <a:srgbClr val="9B8357"/>
       </a:accent4>
       <a:accent5>
-        <a:srgbClr val="918485"/>
+        <a:srgbClr val="C2BC80"/>
       </a:accent5>
       <a:accent6>
-        <a:srgbClr val="855D5D"/>
+        <a:srgbClr val="94A088"/>
       </a:accent6>
       <a:hlink>
-        <a:srgbClr val="CC9900"/>
+        <a:srgbClr val="2998E3"/>
       </a:hlink>
       <a:folHlink>
-        <a:srgbClr val="96A9A9"/>
+        <a:srgbClr val="8C8C8C"/>
       </a:folHlink>
     </a:clrScheme>
-    <a:fontScheme name="木活字">
+    <a:fontScheme name="回顾">
       <a:majorFont>
-        <a:latin typeface="Rockwell Condensed" panose="02060603050405020104"/>
+        <a:latin typeface="Calibri Light" panose="020F0302020204030204"/>
         <a:ea typeface=""/>
         <a:cs typeface=""/>
-        <a:font script="Grek" typeface="Cambria"/>
-        <a:font script="Cyrl" typeface="Cambria"/>
-        <a:font script="Jpan" typeface="HG明朝B"/>
-        <a:font script="Hang" typeface="바탕"/>
-        <a:font script="Hans" typeface="方正姚体"/>
-        <a:font script="Hant" typeface="微軟正黑體"/>
+        <a:font script="Jpan" typeface="ＭＳ Ｐゴシック"/>
+        <a:font script="Hang" typeface="맑은 고딕"/>
+        <a:font script="Hans" typeface="宋体"/>
+        <a:font script="Hant" typeface="新細明體"/>
         <a:font script="Arab" typeface="Times New Roman"/>
-        <a:font script="Hebr" typeface="David"/>
-        <a:font script="Thai" typeface="JasmineUPC"/>
-        <a:font script="Ethi" typeface="Nyala"/>
-        <a:font script="Beng" typeface="Vrinda"/>
-        <a:font script="Gujr" typeface="Shruti"/>
-        <a:font script="Khmr" typeface="MoolBoran"/>
-        <a:font script="Knda" typeface="Tunga"/>
-        <a:font script="Guru" typeface="Raavi"/>
-        <a:font script="Cans" typeface="Euphemia"/>
-        <a:font script="Cher" typeface="Plantagenet Cherokee"/>
-        <a:font script="Yiii" typeface="Microsoft Yi Baiti"/>
-        <a:font script="Tibt" typeface="Microsoft Himalaya"/>
-        <a:font script="Thaa" typeface="MV Boli"/>
-        <a:font script="Deva" typeface="Mangal"/>
-        <a:font script="Telu" typeface="Gautami"/>
-        <a:font script="Taml" typeface="Latha"/>
-        <a:font script="Syrc" typeface="Estrangelo Edessa"/>
-        <a:font script="Orya" typeface="Kalinga"/>
-        <a:font script="Mlym" typeface="Kartika"/>
-        <a:font script="Laoo" typeface="DokChampa"/>
-        <a:font script="Sinh" typeface="Iskoola Pota"/>
-        <a:font script="Mong" typeface="Mongolian Baiti"/>
-        <a:font script="Viet" typeface="Arial"/>
-        <a:font script="Uigh" typeface="Microsoft Uighur"/>
-      </a:majorFont>
-      <a:minorFont>
-        <a:latin typeface="Rockwell" panose="02060603020205020403"/>
-        <a:ea typeface=""/>
-        <a:cs typeface=""/>
-        <a:font script="Grek" typeface="Cambria"/>
-        <a:font script="Cyrl" typeface="Cambria"/>
-        <a:font script="Jpan" typeface="HG明朝B"/>
-        <a:font script="Hang" typeface="바탕"/>
-        <a:font script="Hans" typeface="方正姚体"/>
-        <a:font script="Hant" typeface="標楷體"/>
-        <a:font script="Arab" typeface="Times New Roman"/>
-        <a:font script="Hebr" typeface="David"/>
-        <a:font script="Thai" typeface="JasmineUPC"/>
+        <a:font script="Hebr" typeface="Times New Roman"/>
+        <a:font script="Thai" typeface="Angsana New"/>
         <a:font script="Ethi" typeface="Nyala"/>
         <a:font script="Beng" typeface="Vrinda"/>
         <a:font script="Gujr" typeface="Shruti"/>
@@ -8443,57 +6030,124 @@
         <a:font script="Mong" typeface="Mongolian Baiti"/>
         <a:font script="Viet" typeface="Times New Roman"/>
         <a:font script="Uigh" typeface="Microsoft Uighur"/>
+        <a:font script="Geor" typeface="Sylfaen"/>
+      </a:majorFont>
+      <a:minorFont>
+        <a:latin typeface="Calibri" panose="020F0502020204030204"/>
+        <a:ea typeface=""/>
+        <a:cs typeface=""/>
+        <a:font script="Jpan" typeface="ＭＳ Ｐゴシック"/>
+        <a:font script="Hang" typeface="맑은 고딕"/>
+        <a:font script="Hans" typeface="宋体"/>
+        <a:font script="Hant" typeface="新細明體"/>
+        <a:font script="Arab" typeface="Arial"/>
+        <a:font script="Hebr" typeface="Arial"/>
+        <a:font script="Thai" typeface="Cordia New"/>
+        <a:font script="Ethi" typeface="Nyala"/>
+        <a:font script="Beng" typeface="Vrinda"/>
+        <a:font script="Gujr" typeface="Shruti"/>
+        <a:font script="Khmr" typeface="DaunPenh"/>
+        <a:font script="Knda" typeface="Tunga"/>
+        <a:font script="Guru" typeface="Raavi"/>
+        <a:font script="Cans" typeface="Euphemia"/>
+        <a:font script="Cher" typeface="Plantagenet Cherokee"/>
+        <a:font script="Yiii" typeface="Microsoft Yi Baiti"/>
+        <a:font script="Tibt" typeface="Microsoft Himalaya"/>
+        <a:font script="Thaa" typeface="MV Boli"/>
+        <a:font script="Deva" typeface="Mangal"/>
+        <a:font script="Telu" typeface="Gautami"/>
+        <a:font script="Taml" typeface="Latha"/>
+        <a:font script="Syrc" typeface="Estrangelo Edessa"/>
+        <a:font script="Orya" typeface="Kalinga"/>
+        <a:font script="Mlym" typeface="Kartika"/>
+        <a:font script="Laoo" typeface="DokChampa"/>
+        <a:font script="Sinh" typeface="Iskoola Pota"/>
+        <a:font script="Mong" typeface="Mongolian Baiti"/>
+        <a:font script="Viet" typeface="Arial"/>
+        <a:font script="Uigh" typeface="Microsoft Uighur"/>
+        <a:font script="Geor" typeface="Sylfaen"/>
       </a:minorFont>
     </a:fontScheme>
-    <a:fmtScheme name="木活字">
+    <a:fmtScheme name="回顾">
       <a:fillStyleLst>
         <a:solidFill>
           <a:schemeClr val="phClr"/>
         </a:solidFill>
-        <a:blipFill rotWithShape="1">
-          <a:blip xmlns:r="http://schemas.openxmlformats.org/officeDocument/2006/relationships" r:embed="rId1">
-            <a:duotone>
+        <a:gradFill rotWithShape="1">
+          <a:gsLst>
+            <a:gs pos="0">
               <a:schemeClr val="phClr">
-                <a:tint val="70000"/>
-                <a:shade val="63000"/>
+                <a:tint val="65000"/>
+                <a:shade val="92000"/>
+                <a:satMod val="130000"/>
               </a:schemeClr>
+            </a:gs>
+            <a:gs pos="45000">
               <a:schemeClr val="phClr">
-                <a:tint val="10000"/>
-                <a:satMod val="150000"/>
-              </a:schemeClr>
-            </a:duotone>
-          </a:blip>
-          <a:tile tx="0" ty="0" sx="60000" sy="59000" flip="none" algn="tl"/>
-        </a:blipFill>
-        <a:blipFill rotWithShape="1">
-          <a:blip xmlns:r="http://schemas.openxmlformats.org/officeDocument/2006/relationships" r:embed="rId1">
-            <a:duotone>
-              <a:schemeClr val="phClr">
-                <a:shade val="36000"/>
+                <a:tint val="60000"/>
+                <a:shade val="99000"/>
                 <a:satMod val="120000"/>
               </a:schemeClr>
+            </a:gs>
+            <a:gs pos="100000">
               <a:schemeClr val="phClr">
-                <a:tint val="40000"/>
+                <a:tint val="55000"/>
+                <a:satMod val="140000"/>
               </a:schemeClr>
-            </a:duotone>
-          </a:blip>
-          <a:tile tx="0" ty="0" sx="60000" sy="59000" flip="none" algn="tl"/>
-        </a:blipFill>
+            </a:gs>
+          </a:gsLst>
+          <a:path path="circle">
+            <a:fillToRect l="100000" t="100000" r="100000" b="100000"/>
+          </a:path>
+        </a:gradFill>
+        <a:gradFill rotWithShape="1">
+          <a:gsLst>
+            <a:gs pos="0">
+              <a:schemeClr val="phClr">
+                <a:shade val="85000"/>
+                <a:satMod val="130000"/>
+              </a:schemeClr>
+            </a:gs>
+            <a:gs pos="34000">
+              <a:schemeClr val="phClr">
+                <a:shade val="87000"/>
+                <a:satMod val="125000"/>
+              </a:schemeClr>
+            </a:gs>
+            <a:gs pos="70000">
+              <a:schemeClr val="phClr">
+                <a:tint val="100000"/>
+                <a:shade val="90000"/>
+                <a:satMod val="130000"/>
+              </a:schemeClr>
+            </a:gs>
+            <a:gs pos="100000">
+              <a:schemeClr val="phClr">
+                <a:tint val="100000"/>
+                <a:shade val="100000"/>
+                <a:satMod val="110000"/>
+              </a:schemeClr>
+            </a:gs>
+          </a:gsLst>
+          <a:path path="circle">
+            <a:fillToRect l="100000" t="100000" r="100000" b="100000"/>
+          </a:path>
+        </a:gradFill>
       </a:fillStyleLst>
       <a:lnStyleLst>
-        <a:ln w="6350" cap="flat" cmpd="sng" algn="ctr">
-          <a:solidFill>
-            <a:schemeClr val="phClr"/>
-          </a:solidFill>
-          <a:prstDash val="solid"/>
-        </a:ln>
         <a:ln w="12700" cap="flat" cmpd="sng" algn="ctr">
           <a:solidFill>
             <a:schemeClr val="phClr"/>
           </a:solidFill>
           <a:prstDash val="solid"/>
         </a:ln>
-        <a:ln w="19050" cap="flat" cmpd="sng" algn="ctr">
+        <a:ln w="15875" cap="flat" cmpd="sng" algn="ctr">
+          <a:solidFill>
+            <a:schemeClr val="phClr"/>
+          </a:solidFill>
+          <a:prstDash val="solid"/>
+        </a:ln>
+        <a:ln w="25400" cap="flat" cmpd="sng" algn="ctr">
           <a:solidFill>
             <a:schemeClr val="phClr"/>
           </a:solidFill>
@@ -8506,18 +6160,32 @@
         </a:effectStyle>
         <a:effectStyle>
           <a:effectLst>
-            <a:softEdge rad="12700"/>
+            <a:outerShdw blurRad="38100" dist="25400" dir="2700000" algn="br" rotWithShape="0">
+              <a:srgbClr val="000000">
+                <a:alpha val="60000"/>
+              </a:srgbClr>
+            </a:outerShdw>
           </a:effectLst>
         </a:effectStyle>
         <a:effectStyle>
           <a:effectLst>
-            <a:outerShdw blurRad="50800" dist="19050" dir="5400000" algn="tl" rotWithShape="0">
+            <a:outerShdw blurRad="44450" dist="25400" dir="2700000" algn="br" rotWithShape="0">
               <a:srgbClr val="000000">
                 <a:alpha val="60000"/>
               </a:srgbClr>
             </a:outerShdw>
-            <a:softEdge rad="12700"/>
           </a:effectLst>
+          <a:scene3d>
+            <a:camera prst="orthographicFront">
+              <a:rot lat="0" lon="0" rev="0"/>
+            </a:camera>
+            <a:lightRig rig="threePt" dir="t">
+              <a:rot lat="0" lon="0" rev="19800000"/>
+            </a:lightRig>
+          </a:scene3d>
+          <a:sp3d prstMaterial="flat">
+            <a:bevelT w="25400" h="31750"/>
+          </a:sp3d>
         </a:effectStyle>
       </a:effectStyleLst>
       <a:bgFillStyleLst>
@@ -8526,26 +6194,37 @@
         </a:solidFill>
         <a:solidFill>
           <a:schemeClr val="phClr">
+            <a:tint val="90000"/>
             <a:shade val="97000"/>
-            <a:satMod val="150000"/>
+            <a:satMod val="130000"/>
           </a:schemeClr>
         </a:solidFill>
-        <a:blipFill rotWithShape="1">
-          <a:blip xmlns:r="http://schemas.openxmlformats.org/officeDocument/2006/relationships" r:embed="rId1">
-            <a:duotone>
+        <a:gradFill rotWithShape="1">
+          <a:gsLst>
+            <a:gs pos="0">
               <a:schemeClr val="phClr">
-                <a:tint val="75000"/>
-                <a:shade val="58000"/>
+                <a:tint val="96000"/>
+                <a:shade val="99000"/>
+                <a:satMod val="140000"/>
+              </a:schemeClr>
+            </a:gs>
+            <a:gs pos="65000">
+              <a:schemeClr val="phClr">
+                <a:tint val="100000"/>
+                <a:shade val="80000"/>
+                <a:satMod val="130000"/>
+              </a:schemeClr>
+            </a:gs>
+            <a:gs pos="100000">
+              <a:schemeClr val="phClr">
+                <a:tint val="100000"/>
+                <a:shade val="48000"/>
                 <a:satMod val="120000"/>
               </a:schemeClr>
-              <a:schemeClr val="phClr">
-                <a:tint val="50000"/>
-                <a:shade val="96000"/>
-              </a:schemeClr>
-            </a:duotone>
-          </a:blip>
-          <a:tile tx="0" ty="0" sx="100000" sy="100000" flip="none" algn="tl"/>
-        </a:blipFill>
+            </a:gs>
+          </a:gsLst>
+          <a:lin ang="16200000" scaled="0"/>
+        </a:gradFill>
       </a:bgFillStyleLst>
     </a:fmtScheme>
   </a:themeElements>
@@ -8553,7 +6232,7 @@
   <a:extraClrSchemeLst/>
   <a:extLst>
     <a:ext uri="{05A4C25C-085E-4340-85A3-A5531E510DB2}">
-      <thm15:themeFamily xmlns:thm15="http://schemas.microsoft.com/office/thememl/2012/main" name="Wood Type" id="{7ACABC62-BF99-48CF-A9DC-4DB89C7B13DC}" vid="{142A1326-48AB-42A9-8428-CB14AA30176D}"/>
+      <thm15:themeFamily xmlns:thm15="http://schemas.microsoft.com/office/thememl/2012/main" name="展示_史默臻" id="{8C24E246-7934-4EBB-BEC0-AA68214E2FA8}" vid="{0D1FDABB-5D2F-4CD1-A103-CA287AA640C9}"/>
     </a:ext>
   </a:extLst>
 </a:theme>

--- a/项目报告/项目报告.pptx
+++ b/项目报告/项目报告.pptx
@@ -882,18 +882,28 @@
             <a:normAutofit/>
           </a:bodyPr>
           <a:lstStyle>
-            <a:lvl1pPr marL="68580" indent="-68580">
-              <a:buFont typeface="Wingdings" panose="05000000000000000000" pitchFamily="2" charset="2"/>
-              <a:buChar char="l"/>
-              <a:defRPr sz="1800">
+            <a:lvl1pPr marL="228600" indent="-228600" algn="l" defTabSz="914400" rtl="0" eaLnBrk="1" latinLnBrk="0" hangingPunct="1">
+              <a:lnSpc>
+                <a:spcPct val="90000"/>
+              </a:lnSpc>
+              <a:spcBef>
+                <a:spcPts val="1000"/>
+              </a:spcBef>
+              <a:buFont typeface="Arial" panose="020B0604020202020204" pitchFamily="34" charset="0"/>
+              <a:buChar char="•"/>
+              <a:defRPr lang="zh-CN" altLang="en-US" sz="2800" kern="1200" dirty="0" smtClean="0">
+                <a:solidFill>
+                  <a:schemeClr val="tx1"/>
+                </a:solidFill>
                 <a:latin typeface="微软雅黑" panose="020B0503020204020204" pitchFamily="34" charset="-122"/>
                 <a:ea typeface="微软雅黑" panose="020B0503020204020204" pitchFamily="34" charset="-122"/>
+                <a:cs typeface="+mn-cs"/>
               </a:defRPr>
             </a:lvl1pPr>
             <a:lvl2pPr marL="288036" indent="-137160">
               <a:buFont typeface="Arial" panose="020B0604020202020204" pitchFamily="34" charset="0"/>
               <a:buChar char="•"/>
-              <a:defRPr sz="1500">
+              <a:defRPr sz="1800">
                 <a:latin typeface="微软雅黑" panose="020B0503020204020204" pitchFamily="34" charset="-122"/>
                 <a:ea typeface="微软雅黑" panose="020B0503020204020204" pitchFamily="34" charset="-122"/>
               </a:defRPr>
@@ -901,7 +911,7 @@
             <a:lvl3pPr marL="425196" indent="-137160">
               <a:buFont typeface="Arial" panose="020B0604020202020204" pitchFamily="34" charset="0"/>
               <a:buChar char="•"/>
-              <a:defRPr sz="1200">
+              <a:defRPr sz="1600">
                 <a:latin typeface="微软雅黑" panose="020B0503020204020204" pitchFamily="34" charset="-122"/>
                 <a:ea typeface="微软雅黑" panose="020B0503020204020204" pitchFamily="34" charset="-122"/>
               </a:defRPr>
@@ -909,7 +919,7 @@
             <a:lvl4pPr marL="562356" indent="-137160">
               <a:buFont typeface="Arial" panose="020B0604020202020204" pitchFamily="34" charset="0"/>
               <a:buChar char="•"/>
-              <a:defRPr sz="1200">
+              <a:defRPr sz="1600">
                 <a:latin typeface="微软雅黑" panose="020B0503020204020204" pitchFamily="34" charset="-122"/>
                 <a:ea typeface="微软雅黑" panose="020B0503020204020204" pitchFamily="34" charset="-122"/>
               </a:defRPr>
@@ -917,7 +927,7 @@
             <a:lvl5pPr marL="699516" indent="-137160">
               <a:buFont typeface="Arial" panose="020B0604020202020204" pitchFamily="34" charset="0"/>
               <a:buChar char="•"/>
-              <a:defRPr sz="1200">
+              <a:defRPr sz="1600">
                 <a:latin typeface="微软雅黑" panose="020B0503020204020204" pitchFamily="34" charset="-122"/>
                 <a:ea typeface="微软雅黑" panose="020B0503020204020204" pitchFamily="34" charset="-122"/>
               </a:defRPr>
@@ -926,35 +936,43 @@
           <a:p>
             <a:pPr lvl="0"/>
             <a:r>
-              <a:rPr lang="zh-CN" altLang="en-US" smtClean="0"/>
-              <a:t>编辑母版文本样式</a:t>
+              <a:rPr lang="zh-CN" altLang="en-US" dirty="0" smtClean="0"/>
+              <a:t>编辑</a:t>
+            </a:r>
+            <a:r>
+              <a:rPr lang="zh-CN" altLang="en-US" dirty="0" smtClean="0"/>
+              <a:t>母版文本</a:t>
+            </a:r>
+            <a:r>
+              <a:rPr lang="zh-CN" altLang="en-US" dirty="0" smtClean="0"/>
+              <a:t>样式</a:t>
             </a:r>
           </a:p>
           <a:p>
             <a:pPr lvl="1"/>
             <a:r>
-              <a:rPr lang="zh-CN" altLang="en-US" smtClean="0"/>
+              <a:rPr lang="zh-CN" altLang="en-US" dirty="0" smtClean="0"/>
               <a:t>第二级</a:t>
             </a:r>
           </a:p>
           <a:p>
             <a:pPr lvl="2"/>
             <a:r>
-              <a:rPr lang="zh-CN" altLang="en-US" smtClean="0"/>
+              <a:rPr lang="zh-CN" altLang="en-US" dirty="0" smtClean="0"/>
               <a:t>第三级</a:t>
             </a:r>
           </a:p>
           <a:p>
             <a:pPr lvl="3"/>
             <a:r>
-              <a:rPr lang="zh-CN" altLang="en-US" smtClean="0"/>
+              <a:rPr lang="zh-CN" altLang="en-US" dirty="0" smtClean="0"/>
               <a:t>第四级</a:t>
             </a:r>
           </a:p>
           <a:p>
             <a:pPr lvl="4"/>
             <a:r>
-              <a:rPr lang="zh-CN" altLang="en-US" smtClean="0"/>
+              <a:rPr lang="zh-CN" altLang="en-US" dirty="0" smtClean="0"/>
               <a:t>第五级</a:t>
             </a:r>
             <a:endParaRPr lang="en-US" dirty="0"/>
@@ -4451,11 +4469,7 @@
           <a:p>
             <a:r>
               <a:rPr kumimoji="1" lang="zh-CN" altLang="en-US" dirty="0" smtClean="0"/>
-              <a:t>史</a:t>
-            </a:r>
-            <a:r>
-              <a:rPr kumimoji="1" lang="zh-CN" altLang="en-US" dirty="0" smtClean="0"/>
-              <a:t>默臻</a:t>
+              <a:t>史默臻</a:t>
             </a:r>
             <a:endParaRPr kumimoji="1" lang="en-US" altLang="zh-CN" dirty="0" smtClean="0"/>
           </a:p>
@@ -4558,6 +4572,13 @@
   <p:clrMapOvr>
     <a:masterClrMapping/>
   </p:clrMapOvr>
+  <p:timing>
+    <p:tnLst>
+      <p:par>
+        <p:cTn id="1" dur="indefinite" restart="never" nodeType="tmRoot"/>
+      </p:par>
+    </p:tnLst>
+  </p:timing>
 </p:sld>
 </file>
 
@@ -4613,7 +4634,9 @@
         </p:nvSpPr>
         <p:spPr/>
         <p:txBody>
-          <a:bodyPr/>
+          <a:bodyPr>
+            <a:normAutofit fontScale="85000" lnSpcReduction="10000"/>
+          </a:bodyPr>
           <a:lstStyle/>
           <a:p>
             <a:r>
@@ -5258,7 +5281,9 @@
         </p:nvSpPr>
         <p:spPr/>
         <p:txBody>
-          <a:bodyPr/>
+          <a:bodyPr>
+            <a:normAutofit fontScale="77500" lnSpcReduction="20000"/>
+          </a:bodyPr>
           <a:lstStyle/>
           <a:p>
             <a:r>
@@ -5476,7 +5501,7 @@
         <p:spPr/>
         <p:txBody>
           <a:bodyPr>
-            <a:normAutofit/>
+            <a:normAutofit fontScale="92500" lnSpcReduction="10000"/>
           </a:bodyPr>
           <a:lstStyle/>
           <a:p>

--- a/项目报告/项目报告.pptx
+++ b/项目报告/项目报告.pptx
@@ -937,15 +937,7 @@
             <a:pPr lvl="0"/>
             <a:r>
               <a:rPr lang="zh-CN" altLang="en-US" dirty="0" smtClean="0"/>
-              <a:t>编辑</a:t>
-            </a:r>
-            <a:r>
-              <a:rPr lang="zh-CN" altLang="en-US" dirty="0" smtClean="0"/>
-              <a:t>母版文本</a:t>
-            </a:r>
-            <a:r>
-              <a:rPr lang="zh-CN" altLang="en-US" dirty="0" smtClean="0"/>
-              <a:t>样式</a:t>
+              <a:t>编辑母版文本样式</a:t>
             </a:r>
           </a:p>
           <a:p>
@@ -2867,51 +2859,53 @@
           </a:xfrm>
         </p:spPr>
         <p:txBody>
-          <a:bodyPr/>
+          <a:bodyPr>
+            <a:normAutofit/>
+          </a:bodyPr>
           <a:lstStyle/>
           <a:p>
             <a:pPr marL="0" indent="0">
               <a:buNone/>
             </a:pPr>
-            <a:endParaRPr kumimoji="1" lang="en-US" altLang="zh-CN" dirty="0" smtClean="0"/>
+            <a:endParaRPr kumimoji="1" lang="en-US" altLang="zh-CN" sz="2000" dirty="0" smtClean="0"/>
           </a:p>
           <a:p>
             <a:pPr marL="0" indent="0">
               <a:buNone/>
             </a:pPr>
-            <a:endParaRPr kumimoji="1" lang="en-US" altLang="zh-CN" dirty="0"/>
+            <a:endParaRPr kumimoji="1" lang="en-US" altLang="zh-CN" sz="2000" dirty="0"/>
+          </a:p>
+          <a:p>
+            <a:pPr marL="0" indent="0" algn="ctr">
+              <a:buNone/>
+            </a:pPr>
+            <a:endParaRPr kumimoji="1" lang="en-US" altLang="zh-CN" sz="2000" dirty="0" smtClean="0"/>
+          </a:p>
+          <a:p>
+            <a:pPr marL="0" indent="0" algn="ctr">
+              <a:buNone/>
+            </a:pPr>
+            <a:r>
+              <a:rPr kumimoji="1" lang="zh-CN" altLang="en-US" sz="2000" dirty="0" smtClean="0"/>
+              <a:t>⬇️</a:t>
+            </a:r>
+            <a:endParaRPr kumimoji="1" lang="en-US" altLang="zh-CN" sz="2000" dirty="0" smtClean="0"/>
           </a:p>
           <a:p>
             <a:pPr marL="0" indent="0">
               <a:buNone/>
             </a:pPr>
-            <a:endParaRPr kumimoji="1" lang="en-US" altLang="zh-CN" dirty="0" smtClean="0"/>
+            <a:endParaRPr kumimoji="1" lang="en-US" altLang="zh-CN" sz="2000" dirty="0"/>
           </a:p>
           <a:p>
             <a:pPr marL="0" indent="0" algn="ctr">
               <a:buNone/>
             </a:pPr>
             <a:r>
-              <a:rPr kumimoji="1" lang="zh-CN" altLang="en-US" dirty="0" smtClean="0"/>
+              <a:rPr kumimoji="1" lang="zh-CN" altLang="en-US" sz="2000" dirty="0" smtClean="0"/>
               <a:t>⬇️</a:t>
             </a:r>
-            <a:endParaRPr kumimoji="1" lang="en-US" altLang="zh-CN" dirty="0" smtClean="0"/>
-          </a:p>
-          <a:p>
-            <a:pPr marL="0" indent="0">
-              <a:buNone/>
-            </a:pPr>
-            <a:endParaRPr kumimoji="1" lang="en-US" altLang="zh-CN" dirty="0"/>
-          </a:p>
-          <a:p>
-            <a:pPr marL="0" indent="0" algn="ctr">
-              <a:buNone/>
-            </a:pPr>
-            <a:r>
-              <a:rPr kumimoji="1" lang="zh-CN" altLang="en-US" dirty="0" smtClean="0"/>
-              <a:t>⬇️</a:t>
-            </a:r>
-            <a:endParaRPr kumimoji="1" lang="zh-CN" altLang="en-US" dirty="0"/>
+            <a:endParaRPr kumimoji="1" lang="zh-CN" altLang="en-US" sz="2000" dirty="0"/>
           </a:p>
         </p:txBody>
       </p:sp>
@@ -5747,7 +5741,12 @@
             <p:ph idx="1"/>
           </p:nvPr>
         </p:nvSpPr>
-        <p:spPr/>
+        <p:spPr>
+          <a:xfrm>
+            <a:off x="532263" y="1845734"/>
+            <a:ext cx="8175009" cy="4023360"/>
+          </a:xfrm>
+        </p:spPr>
         <p:txBody>
           <a:bodyPr/>
           <a:lstStyle/>
@@ -5830,7 +5829,7 @@
         </p:nvGrpSpPr>
         <p:grpSpPr>
           <a:xfrm>
-            <a:off x="685800" y="3363634"/>
+            <a:off x="685800" y="3459170"/>
             <a:ext cx="3952381" cy="2835999"/>
             <a:chOff x="1492019" y="3402427"/>
             <a:chExt cx="3952381" cy="2835999"/>
@@ -5899,7 +5898,7 @@
         </p:nvGrpSpPr>
         <p:grpSpPr>
           <a:xfrm>
-            <a:off x="4665988" y="3230829"/>
+            <a:off x="4638179" y="3459170"/>
             <a:ext cx="3792212" cy="2784138"/>
             <a:chOff x="5940049" y="3402426"/>
             <a:chExt cx="3792212" cy="2784138"/>

--- a/项目报告/项目报告.pptx
+++ b/项目报告/项目报告.pptx
@@ -2465,8 +2465,23 @@
           <a:lstStyle/>
           <a:p>
             <a:r>
-              <a:rPr kumimoji="1" lang="zh-CN" altLang="en-US" dirty="0" smtClean="0"/>
-              <a:t>软件分析大作业</a:t>
+              <a:rPr kumimoji="1" lang="en-US" altLang="zh-CN" dirty="0" err="1" smtClean="0"/>
+              <a:t>Css</a:t>
+            </a:r>
+            <a:r>
+              <a:rPr kumimoji="1" lang="en-US" altLang="zh-CN" dirty="0" smtClean="0"/>
+              <a:t>-Tracker</a:t>
+            </a:r>
+            <a:r>
+              <a:rPr kumimoji="1" lang="en-US" altLang="zh-CN" dirty="0"/>
+              <a:t/>
+            </a:r>
+            <a:br>
+              <a:rPr kumimoji="1" lang="en-US" altLang="zh-CN" dirty="0"/>
+            </a:br>
+            <a:r>
+              <a:rPr kumimoji="1" lang="zh-CN" altLang="en-US" dirty="0" smtClean="0"/>
+              <a:t>样式作用域定位工具</a:t>
             </a:r>
             <a:endParaRPr kumimoji="1" lang="zh-CN" altLang="en-US" dirty="0"/>
           </a:p>

--- a/项目报告/项目报告.pptx
+++ b/项目报告/项目报告.pptx
@@ -217,7 +217,7 @@
           <a:p>
             <a:fld id="{CABF35B1-67F8-BA40-8756-7AC82E833F0A}" type="datetimeFigureOut">
               <a:rPr kumimoji="1" lang="zh-CN" altLang="en-US" smtClean="0"/>
-              <a:t>2016/12/19</a:t>
+              <a:t>2016/12/26</a:t>
             </a:fld>
             <a:endParaRPr kumimoji="1" lang="zh-CN" altLang="en-US"/>
           </a:p>
@@ -713,7 +713,7 @@
           <a:p>
             <a:fld id="{66647F1F-0969-CE43-B0B4-C490EFFF920D}" type="datetimeFigureOut">
               <a:rPr kumimoji="1" lang="zh-CN" altLang="en-US" smtClean="0"/>
-              <a:t>2016/12/19</a:t>
+              <a:t>2016/12/26</a:t>
             </a:fld>
             <a:endParaRPr kumimoji="1" lang="zh-CN" altLang="en-US"/>
           </a:p>
@@ -988,7 +988,7 @@
           <a:p>
             <a:fld id="{66647F1F-0969-CE43-B0B4-C490EFFF920D}" type="datetimeFigureOut">
               <a:rPr kumimoji="1" lang="zh-CN" altLang="en-US" smtClean="0"/>
-              <a:t>2016/12/19</a:t>
+              <a:t>2016/12/26</a:t>
             </a:fld>
             <a:endParaRPr kumimoji="1" lang="zh-CN" altLang="en-US"/>
           </a:p>
@@ -1388,7 +1388,7 @@
           <a:p>
             <a:fld id="{66647F1F-0969-CE43-B0B4-C490EFFF920D}" type="datetimeFigureOut">
               <a:rPr kumimoji="1" lang="zh-CN" altLang="en-US" smtClean="0"/>
-              <a:t>2016/12/19</a:t>
+              <a:t>2016/12/26</a:t>
             </a:fld>
             <a:endParaRPr kumimoji="1" lang="zh-CN" altLang="en-US"/>
           </a:p>
@@ -1587,7 +1587,7 @@
           <a:p>
             <a:fld id="{66647F1F-0969-CE43-B0B4-C490EFFF920D}" type="datetimeFigureOut">
               <a:rPr kumimoji="1" lang="zh-CN" altLang="en-US" smtClean="0"/>
-              <a:t>2016/12/19</a:t>
+              <a:t>2016/12/26</a:t>
             </a:fld>
             <a:endParaRPr kumimoji="1" lang="zh-CN" altLang="en-US"/>
           </a:p>
@@ -1925,7 +1925,7 @@
           <a:p>
             <a:fld id="{66647F1F-0969-CE43-B0B4-C490EFFF920D}" type="datetimeFigureOut">
               <a:rPr kumimoji="1" lang="zh-CN" altLang="en-US" smtClean="0"/>
-              <a:t>2016/12/19</a:t>
+              <a:t>2016/12/26</a:t>
             </a:fld>
             <a:endParaRPr kumimoji="1" lang="zh-CN" altLang="en-US"/>
           </a:p>
@@ -3783,7 +3783,7 @@
       </p:sp>
       <p:pic>
         <p:nvPicPr>
-          <p:cNvPr id="4" name="image2.png"/>
+          <p:cNvPr id="7" name="pasted-image.png"/>
           <p:cNvPicPr>
             <a:picLocks noGrp="1" noChangeAspect="1"/>
           </p:cNvPicPr>
@@ -3801,8 +3801,8 @@
         </p:blipFill>
         <p:spPr>
           <a:xfrm>
-            <a:off x="1282239" y="1846263"/>
-            <a:ext cx="6623972" cy="4022725"/>
+            <a:off x="916305" y="1846263"/>
+            <a:ext cx="7355840" cy="4022725"/>
           </a:xfrm>
           <a:prstGeom prst="rect">
             <a:avLst/>
@@ -3874,7 +3874,7 @@
       </p:sp>
       <p:pic>
         <p:nvPicPr>
-          <p:cNvPr id="4" name="image3.png"/>
+          <p:cNvPr id="5" name="pasted-image.png"/>
           <p:cNvPicPr>
             <a:picLocks noGrp="1" noChangeAspect="1"/>
           </p:cNvPicPr>
@@ -3892,8 +3892,8 @@
         </p:blipFill>
         <p:spPr>
           <a:xfrm>
-            <a:off x="1282239" y="1846263"/>
-            <a:ext cx="6623972" cy="4022725"/>
+            <a:off x="916305" y="1846263"/>
+            <a:ext cx="7355840" cy="4022725"/>
           </a:xfrm>
           <a:prstGeom prst="rect">
             <a:avLst/>
@@ -3965,7 +3965,7 @@
       </p:sp>
       <p:pic>
         <p:nvPicPr>
-          <p:cNvPr id="4" name="image4.png"/>
+          <p:cNvPr id="5" name="image4.png"/>
           <p:cNvPicPr>
             <a:picLocks noGrp="1" noChangeAspect="1"/>
           </p:cNvPicPr>
@@ -4056,7 +4056,7 @@
       </p:sp>
       <p:pic>
         <p:nvPicPr>
-          <p:cNvPr id="4" name="image5.png"/>
+          <p:cNvPr id="5" name="pasted-image.png"/>
           <p:cNvPicPr>
             <a:picLocks noGrp="1" noChangeAspect="1"/>
           </p:cNvPicPr>
@@ -4074,8 +4074,8 @@
         </p:blipFill>
         <p:spPr>
           <a:xfrm>
-            <a:off x="1282239" y="1846263"/>
-            <a:ext cx="6623972" cy="4022725"/>
+            <a:off x="1002506" y="1846263"/>
+            <a:ext cx="7183437" cy="4022725"/>
           </a:xfrm>
           <a:prstGeom prst="rect">
             <a:avLst/>
@@ -4147,7 +4147,7 @@
       </p:sp>
       <p:pic>
         <p:nvPicPr>
-          <p:cNvPr id="4" name="image6.png"/>
+          <p:cNvPr id="5" name="pasted-image.png"/>
           <p:cNvPicPr>
             <a:picLocks noGrp="1" noChangeAspect="1"/>
           </p:cNvPicPr>
@@ -4165,8 +4165,8 @@
         </p:blipFill>
         <p:spPr>
           <a:xfrm>
-            <a:off x="1282239" y="1846263"/>
-            <a:ext cx="6623972" cy="4022725"/>
+            <a:off x="916305" y="1846263"/>
+            <a:ext cx="7355840" cy="4022725"/>
           </a:xfrm>
           <a:prstGeom prst="rect">
             <a:avLst/>
@@ -4238,7 +4238,7 @@
       </p:sp>
       <p:pic>
         <p:nvPicPr>
-          <p:cNvPr id="4" name="image7.png"/>
+          <p:cNvPr id="5" name="pasted-image.png"/>
           <p:cNvPicPr>
             <a:picLocks noGrp="1" noChangeAspect="1"/>
           </p:cNvPicPr>
@@ -4256,8 +4256,8 @@
         </p:blipFill>
         <p:spPr>
           <a:xfrm>
-            <a:off x="1282239" y="1846263"/>
-            <a:ext cx="6623972" cy="4022725"/>
+            <a:off x="916305" y="1846263"/>
+            <a:ext cx="7355840" cy="4022725"/>
           </a:xfrm>
           <a:prstGeom prst="rect">
             <a:avLst/>
